--- a/Documents/TheremaniaPresentation.pptx
+++ b/Documents/TheremaniaPresentation.pptx
@@ -1,41 +1,41 @@
 
 <file path=ppt/presentation.xml><?xml version="1.0" encoding="utf-8"?>
-<p:presentation xmlns:a="http://schemas.openxmlformats.org/drawingml/2006/main" xmlns:r="http://schemas.openxmlformats.org/officeDocument/2006/relationships" xmlns:p="http://schemas.openxmlformats.org/presentationml/2006/main" strictFirstAndLastChars="0" embedTrueTypeFonts="1" saveSubsetFonts="1" autoCompressPictures="0">
+<p:presentation xmlns:a="http://schemas.openxmlformats.org/drawingml/2006/main" xmlns:r="http://schemas.openxmlformats.org/officeDocument/2006/relationships" xmlns:mc="http://schemas.openxmlformats.org/markup-compatibility/2006" xmlns:mv="urn:schemas-microsoft-com:mac:vml" xmlns:p="http://schemas.openxmlformats.org/presentationml/2006/main" xmlns:c="http://schemas.openxmlformats.org/drawingml/2006/chart" xmlns:dgm="http://schemas.openxmlformats.org/drawingml/2006/diagram" xmlns:o="urn:schemas-microsoft-com:office:office" xmlns:v="urn:schemas-microsoft-com:vml" xmlns:pvml="urn:schemas-microsoft-com:office:powerpoint" xmlns:com="http://schemas.openxmlformats.org/drawingml/2006/compatibility" xmlns:p14="http://schemas.microsoft.com/office/powerpoint/2010/main" xmlns:p15="http://schemas.microsoft.com/office/powerpoint/2012/main" xmlns:ahyp="http://schemas.microsoft.com/office/drawing/2018/hyperlinkcolor" autoCompressPictures="0" embedTrueTypeFonts="1" strictFirstAndLastChars="0" saveSubsetFonts="1">
   <p:sldMasterIdLst>
-    <p:sldMasterId id="2147483659" r:id="rId1"/>
+    <p:sldMasterId id="2147483659" r:id="rId4"/>
   </p:sldMasterIdLst>
   <p:notesMasterIdLst>
-    <p:notesMasterId r:id="rId9"/>
+    <p:notesMasterId r:id="rId5"/>
   </p:notesMasterIdLst>
   <p:sldIdLst>
-    <p:sldId id="256" r:id="rId2"/>
-    <p:sldId id="257" r:id="rId3"/>
-    <p:sldId id="258" r:id="rId4"/>
-    <p:sldId id="259" r:id="rId5"/>
-    <p:sldId id="260" r:id="rId6"/>
-    <p:sldId id="261" r:id="rId7"/>
-    <p:sldId id="262" r:id="rId8"/>
+    <p:sldId id="256" r:id="rId6"/>
+    <p:sldId id="257" r:id="rId7"/>
+    <p:sldId id="258" r:id="rId8"/>
+    <p:sldId id="259" r:id="rId9"/>
+    <p:sldId id="260" r:id="rId10"/>
+    <p:sldId id="261" r:id="rId11"/>
+    <p:sldId id="262" r:id="rId12"/>
   </p:sldIdLst>
-  <p:sldSz cx="9144000" cy="5143500" type="screen16x9"/>
+  <p:sldSz cy="5143500" cx="9144000"/>
   <p:notesSz cx="6858000" cy="9144000"/>
   <p:embeddedFontLst>
     <p:embeddedFont>
-      <p:font typeface="Lato" panose="020F0502020204030203" pitchFamily="34" charset="0"/>
-      <p:regular r:id="rId10"/>
-      <p:bold r:id="rId11"/>
-      <p:italic r:id="rId12"/>
-      <p:boldItalic r:id="rId13"/>
+      <p:font typeface="Raleway"/>
+      <p:regular r:id="rId13"/>
+      <p:bold r:id="rId14"/>
+      <p:italic r:id="rId15"/>
+      <p:boldItalic r:id="rId16"/>
     </p:embeddedFont>
     <p:embeddedFont>
-      <p:font typeface="Raleway" pitchFamily="2" charset="0"/>
-      <p:regular r:id="rId14"/>
-      <p:bold r:id="rId15"/>
-      <p:italic r:id="rId16"/>
-      <p:boldItalic r:id="rId17"/>
+      <p:font typeface="Lato"/>
+      <p:regular r:id="rId17"/>
+      <p:bold r:id="rId18"/>
+      <p:italic r:id="rId19"/>
+      <p:boldItalic r:id="rId20"/>
     </p:embeddedFont>
   </p:embeddedFontLst>
   <p:defaultTextStyle>
-    <a:defPPr marR="0" lvl="0" algn="l" rtl="0">
+    <a:defPPr lvl="0" marR="0" rtl="0" algn="l">
       <a:lnSpc>
         <a:spcPct val="100000"/>
       </a:lnSpc>
@@ -46,7 +46,7 @@
         <a:spcPts val="0"/>
       </a:spcAft>
     </a:defPPr>
-    <a:lvl1pPr marR="0" lvl="0" algn="l" rtl="0">
+    <a:lvl1pPr lvl="0" marR="0" rtl="0" algn="l">
       <a:lnSpc>
         <a:spcPct val="100000"/>
       </a:lnSpc>
@@ -60,7 +60,7 @@
         <a:srgbClr val="000000"/>
       </a:buClr>
       <a:buFont typeface="Arial"/>
-      <a:defRPr sz="1400" b="0" i="0" u="none" strike="noStrike" cap="none">
+      <a:defRPr b="0" i="0" sz="1400" u="none" cap="none" strike="noStrike">
         <a:solidFill>
           <a:srgbClr val="000000"/>
         </a:solidFill>
@@ -70,7 +70,7 @@
         <a:sym typeface="Arial"/>
       </a:defRPr>
     </a:lvl1pPr>
-    <a:lvl2pPr marR="0" lvl="1" algn="l" rtl="0">
+    <a:lvl2pPr lvl="1" marR="0" rtl="0" algn="l">
       <a:lnSpc>
         <a:spcPct val="100000"/>
       </a:lnSpc>
@@ -84,7 +84,7 @@
         <a:srgbClr val="000000"/>
       </a:buClr>
       <a:buFont typeface="Arial"/>
-      <a:defRPr sz="1400" b="0" i="0" u="none" strike="noStrike" cap="none">
+      <a:defRPr b="0" i="0" sz="1400" u="none" cap="none" strike="noStrike">
         <a:solidFill>
           <a:srgbClr val="000000"/>
         </a:solidFill>
@@ -94,7 +94,7 @@
         <a:sym typeface="Arial"/>
       </a:defRPr>
     </a:lvl2pPr>
-    <a:lvl3pPr marR="0" lvl="2" algn="l" rtl="0">
+    <a:lvl3pPr lvl="2" marR="0" rtl="0" algn="l">
       <a:lnSpc>
         <a:spcPct val="100000"/>
       </a:lnSpc>
@@ -108,7 +108,7 @@
         <a:srgbClr val="000000"/>
       </a:buClr>
       <a:buFont typeface="Arial"/>
-      <a:defRPr sz="1400" b="0" i="0" u="none" strike="noStrike" cap="none">
+      <a:defRPr b="0" i="0" sz="1400" u="none" cap="none" strike="noStrike">
         <a:solidFill>
           <a:srgbClr val="000000"/>
         </a:solidFill>
@@ -118,7 +118,7 @@
         <a:sym typeface="Arial"/>
       </a:defRPr>
     </a:lvl3pPr>
-    <a:lvl4pPr marR="0" lvl="3" algn="l" rtl="0">
+    <a:lvl4pPr lvl="3" marR="0" rtl="0" algn="l">
       <a:lnSpc>
         <a:spcPct val="100000"/>
       </a:lnSpc>
@@ -132,7 +132,7 @@
         <a:srgbClr val="000000"/>
       </a:buClr>
       <a:buFont typeface="Arial"/>
-      <a:defRPr sz="1400" b="0" i="0" u="none" strike="noStrike" cap="none">
+      <a:defRPr b="0" i="0" sz="1400" u="none" cap="none" strike="noStrike">
         <a:solidFill>
           <a:srgbClr val="000000"/>
         </a:solidFill>
@@ -142,7 +142,7 @@
         <a:sym typeface="Arial"/>
       </a:defRPr>
     </a:lvl4pPr>
-    <a:lvl5pPr marR="0" lvl="4" algn="l" rtl="0">
+    <a:lvl5pPr lvl="4" marR="0" rtl="0" algn="l">
       <a:lnSpc>
         <a:spcPct val="100000"/>
       </a:lnSpc>
@@ -156,7 +156,7 @@
         <a:srgbClr val="000000"/>
       </a:buClr>
       <a:buFont typeface="Arial"/>
-      <a:defRPr sz="1400" b="0" i="0" u="none" strike="noStrike" cap="none">
+      <a:defRPr b="0" i="0" sz="1400" u="none" cap="none" strike="noStrike">
         <a:solidFill>
           <a:srgbClr val="000000"/>
         </a:solidFill>
@@ -166,7 +166,7 @@
         <a:sym typeface="Arial"/>
       </a:defRPr>
     </a:lvl5pPr>
-    <a:lvl6pPr marR="0" lvl="5" algn="l" rtl="0">
+    <a:lvl6pPr lvl="5" marR="0" rtl="0" algn="l">
       <a:lnSpc>
         <a:spcPct val="100000"/>
       </a:lnSpc>
@@ -180,7 +180,7 @@
         <a:srgbClr val="000000"/>
       </a:buClr>
       <a:buFont typeface="Arial"/>
-      <a:defRPr sz="1400" b="0" i="0" u="none" strike="noStrike" cap="none">
+      <a:defRPr b="0" i="0" sz="1400" u="none" cap="none" strike="noStrike">
         <a:solidFill>
           <a:srgbClr val="000000"/>
         </a:solidFill>
@@ -190,7 +190,7 @@
         <a:sym typeface="Arial"/>
       </a:defRPr>
     </a:lvl6pPr>
-    <a:lvl7pPr marR="0" lvl="6" algn="l" rtl="0">
+    <a:lvl7pPr lvl="6" marR="0" rtl="0" algn="l">
       <a:lnSpc>
         <a:spcPct val="100000"/>
       </a:lnSpc>
@@ -204,7 +204,7 @@
         <a:srgbClr val="000000"/>
       </a:buClr>
       <a:buFont typeface="Arial"/>
-      <a:defRPr sz="1400" b="0" i="0" u="none" strike="noStrike" cap="none">
+      <a:defRPr b="0" i="0" sz="1400" u="none" cap="none" strike="noStrike">
         <a:solidFill>
           <a:srgbClr val="000000"/>
         </a:solidFill>
@@ -214,7 +214,7 @@
         <a:sym typeface="Arial"/>
       </a:defRPr>
     </a:lvl7pPr>
-    <a:lvl8pPr marR="0" lvl="7" algn="l" rtl="0">
+    <a:lvl8pPr lvl="7" marR="0" rtl="0" algn="l">
       <a:lnSpc>
         <a:spcPct val="100000"/>
       </a:lnSpc>
@@ -228,7 +228,7 @@
         <a:srgbClr val="000000"/>
       </a:buClr>
       <a:buFont typeface="Arial"/>
-      <a:defRPr sz="1400" b="0" i="0" u="none" strike="noStrike" cap="none">
+      <a:defRPr b="0" i="0" sz="1400" u="none" cap="none" strike="noStrike">
         <a:solidFill>
           <a:srgbClr val="000000"/>
         </a:solidFill>
@@ -238,7 +238,7 @@
         <a:sym typeface="Arial"/>
       </a:defRPr>
     </a:lvl8pPr>
-    <a:lvl9pPr marR="0" lvl="8" algn="l" rtl="0">
+    <a:lvl9pPr lvl="8" marR="0" rtl="0" algn="l">
       <a:lnSpc>
         <a:spcPct val="100000"/>
       </a:lnSpc>
@@ -252,7 +252,7 @@
         <a:srgbClr val="000000"/>
       </a:buClr>
       <a:buFont typeface="Arial"/>
-      <a:defRPr sz="1400" b="0" i="0" u="none" strike="noStrike" cap="none">
+      <a:defRPr b="0" i="0" sz="1400" u="none" cap="none" strike="noStrike">
         <a:solidFill>
           <a:srgbClr val="000000"/>
         </a:solidFill>
@@ -265,7 +265,7 @@
   </p:defaultTextStyle>
   <p:extLst>
     <p:ext uri="{EFAFB233-063F-42B5-8137-9DF3F51BA10A}">
-      <p15:sldGuideLst xmlns:p15="http://schemas.microsoft.com/office/powerpoint/2012/main">
+      <p15:sldGuideLst>
         <p15:guide id="1" orient="horz" pos="1620">
           <p15:clr>
             <a:srgbClr val="A4A3A4"/>
@@ -283,16 +283,11 @@
 </file>
 
 <file path=ppt/notesMasters/notesMaster1.xml><?xml version="1.0" encoding="utf-8"?>
-<p:notesMaster xmlns:a="http://schemas.openxmlformats.org/drawingml/2006/main" xmlns:r="http://schemas.openxmlformats.org/officeDocument/2006/relationships" xmlns:p="http://schemas.openxmlformats.org/presentationml/2006/main">
+<p:notesMaster xmlns:a="http://schemas.openxmlformats.org/drawingml/2006/main" xmlns:r="http://schemas.openxmlformats.org/officeDocument/2006/relationships" xmlns:mc="http://schemas.openxmlformats.org/markup-compatibility/2006" xmlns:mv="urn:schemas-microsoft-com:mac:vml" xmlns:p="http://schemas.openxmlformats.org/presentationml/2006/main" xmlns:c="http://schemas.openxmlformats.org/drawingml/2006/chart" xmlns:dgm="http://schemas.openxmlformats.org/drawingml/2006/diagram" xmlns:o="urn:schemas-microsoft-com:office:office" xmlns:v="urn:schemas-microsoft-com:vml" xmlns:pvml="urn:schemas-microsoft-com:office:powerpoint" xmlns:com="http://schemas.openxmlformats.org/drawingml/2006/compatibility" xmlns:p14="http://schemas.microsoft.com/office/powerpoint/2010/main" xmlns:p15="http://schemas.microsoft.com/office/powerpoint/2012/main" xmlns:ahyp="http://schemas.microsoft.com/office/drawing/2018/hyperlinkcolor">
   <p:cSld>
-    <p:bg>
-      <p:bgRef idx="1001">
-        <a:schemeClr val="bg1"/>
-      </p:bgRef>
-    </p:bg>
     <p:spTree>
       <p:nvGrpSpPr>
-        <p:cNvPr id="1" name="Shape 2"/>
+        <p:cNvPr id="2" name="Shape 2"/>
         <p:cNvGrpSpPr/>
         <p:nvPr/>
       </p:nvGrpSpPr>
@@ -307,11 +302,9 @@
       <p:sp>
         <p:nvSpPr>
           <p:cNvPr id="3" name="Google Shape;3;n"/>
-          <p:cNvSpPr>
-            <a:spLocks noGrp="1" noRot="1" noChangeAspect="1"/>
-          </p:cNvSpPr>
+          <p:cNvSpPr/>
           <p:nvPr>
-            <p:ph type="sldImg" idx="2"/>
+            <p:ph idx="2" type="sldImg"/>
           </p:nvPr>
         </p:nvSpPr>
         <p:spPr>
@@ -320,13 +313,9 @@
             <a:ext cx="6096075" cy="3429000"/>
           </a:xfrm>
           <a:custGeom>
-            <a:avLst/>
-            <a:gdLst/>
-            <a:ahLst/>
-            <a:cxnLst/>
-            <a:rect l="l" t="t" r="r" b="b"/>
+            <a:rect b="b" l="l" r="r" t="t"/>
             <a:pathLst>
-              <a:path w="120000" h="120000" extrusionOk="0">
+              <a:path extrusionOk="0" h="120000" w="120000">
                 <a:moveTo>
                   <a:pt x="0" y="0"/>
                 </a:moveTo>
@@ -344,25 +333,23 @@
             </a:pathLst>
           </a:custGeom>
           <a:noFill/>
-          <a:ln w="9525" cap="flat" cmpd="sng">
+          <a:ln cap="flat" cmpd="sng" w="9525">
             <a:solidFill>
               <a:srgbClr val="000000"/>
             </a:solidFill>
             <a:prstDash val="solid"/>
             <a:round/>
-            <a:headEnd type="none" w="sm" len="sm"/>
-            <a:tailEnd type="none" w="sm" len="sm"/>
+            <a:headEnd len="sm" w="sm" type="none"/>
+            <a:tailEnd len="sm" w="sm" type="none"/>
           </a:ln>
         </p:spPr>
       </p:sp>
       <p:sp>
         <p:nvSpPr>
           <p:cNvPr id="4" name="Google Shape;4;n"/>
-          <p:cNvSpPr txBox="1">
-            <a:spLocks noGrp="1"/>
-          </p:cNvSpPr>
+          <p:cNvSpPr txBox="1"/>
           <p:nvPr>
-            <p:ph type="body" idx="1"/>
+            <p:ph idx="1" type="body"/>
           </p:nvPr>
         </p:nvSpPr>
         <p:spPr>
@@ -379,11 +366,11 @@
           </a:ln>
         </p:spPr>
         <p:txBody>
-          <a:bodyPr spcFirstLastPara="1" wrap="square" lIns="91425" tIns="91425" rIns="91425" bIns="91425" anchor="t" anchorCtr="0">
+          <a:bodyPr anchorCtr="0" anchor="t" bIns="91425" lIns="91425" spcFirstLastPara="1" rIns="91425" wrap="square" tIns="91425">
             <a:noAutofit/>
           </a:bodyPr>
           <a:lstStyle>
-            <a:lvl1pPr marL="457200" lvl="0" indent="-298450">
+            <a:lvl1pPr indent="-298450" lvl="0" marL="457200">
               <a:spcBef>
                 <a:spcPts val="0"/>
               </a:spcBef>
@@ -394,7 +381,7 @@
               <a:buChar char="●"/>
               <a:defRPr sz="1100"/>
             </a:lvl1pPr>
-            <a:lvl2pPr marL="914400" lvl="1" indent="-298450">
+            <a:lvl2pPr indent="-298450" lvl="1" marL="914400">
               <a:spcBef>
                 <a:spcPts val="0"/>
               </a:spcBef>
@@ -405,7 +392,7 @@
               <a:buChar char="○"/>
               <a:defRPr sz="1100"/>
             </a:lvl2pPr>
-            <a:lvl3pPr marL="1371600" lvl="2" indent="-298450">
+            <a:lvl3pPr indent="-298450" lvl="2" marL="1371600">
               <a:spcBef>
                 <a:spcPts val="0"/>
               </a:spcBef>
@@ -416,7 +403,7 @@
               <a:buChar char="■"/>
               <a:defRPr sz="1100"/>
             </a:lvl3pPr>
-            <a:lvl4pPr marL="1828800" lvl="3" indent="-298450">
+            <a:lvl4pPr indent="-298450" lvl="3" marL="1828800">
               <a:spcBef>
                 <a:spcPts val="0"/>
               </a:spcBef>
@@ -427,7 +414,7 @@
               <a:buChar char="●"/>
               <a:defRPr sz="1100"/>
             </a:lvl4pPr>
-            <a:lvl5pPr marL="2286000" lvl="4" indent="-298450">
+            <a:lvl5pPr indent="-298450" lvl="4" marL="2286000">
               <a:spcBef>
                 <a:spcPts val="0"/>
               </a:spcBef>
@@ -438,7 +425,7 @@
               <a:buChar char="○"/>
               <a:defRPr sz="1100"/>
             </a:lvl5pPr>
-            <a:lvl6pPr marL="2743200" lvl="5" indent="-298450">
+            <a:lvl6pPr indent="-298450" lvl="5" marL="2743200">
               <a:spcBef>
                 <a:spcPts val="0"/>
               </a:spcBef>
@@ -449,7 +436,7 @@
               <a:buChar char="■"/>
               <a:defRPr sz="1100"/>
             </a:lvl6pPr>
-            <a:lvl7pPr marL="3200400" lvl="6" indent="-298450">
+            <a:lvl7pPr indent="-298450" lvl="6" marL="3200400">
               <a:spcBef>
                 <a:spcPts val="0"/>
               </a:spcBef>
@@ -460,7 +447,7 @@
               <a:buChar char="●"/>
               <a:defRPr sz="1100"/>
             </a:lvl7pPr>
-            <a:lvl8pPr marL="3657600" lvl="7" indent="-298450">
+            <a:lvl8pPr indent="-298450" lvl="7" marL="3657600">
               <a:spcBef>
                 <a:spcPts val="0"/>
               </a:spcBef>
@@ -471,7 +458,7 @@
               <a:buChar char="○"/>
               <a:defRPr sz="1100"/>
             </a:lvl8pPr>
-            <a:lvl9pPr marL="4114800" lvl="8" indent="-298450">
+            <a:lvl9pPr indent="-298450" lvl="8" marL="4114800">
               <a:spcBef>
                 <a:spcPts val="0"/>
               </a:spcBef>
@@ -483,16 +470,14 @@
               <a:defRPr sz="1100"/>
             </a:lvl9pPr>
           </a:lstStyle>
-          <a:p>
-            <a:endParaRPr/>
-          </a:p>
+          <a:p/>
         </p:txBody>
       </p:sp>
     </p:spTree>
   </p:cSld>
-  <p:clrMap bg1="lt1" tx1="dk1" bg2="dk2" tx2="lt2" accent1="accent1" accent2="accent2" accent3="accent3" accent4="accent4" accent5="accent5" accent6="accent6" hlink="hlink" folHlink="folHlink"/>
+  <p:clrMap accent1="accent1" accent2="accent2" accent3="accent3" accent4="accent4" accent5="accent5" accent6="accent6" bg1="lt1" bg2="dk2" tx1="dk1" tx2="lt2" folHlink="folHlink" hlink="hlink"/>
   <p:notesStyle>
-    <a:defPPr marR="0" lvl="0" algn="l" rtl="0">
+    <a:defPPr lvl="0" marR="0" rtl="0" algn="l">
       <a:lnSpc>
         <a:spcPct val="100000"/>
       </a:lnSpc>
@@ -503,7 +488,7 @@
         <a:spcPts val="0"/>
       </a:spcAft>
     </a:defPPr>
-    <a:lvl1pPr marR="0" lvl="0" algn="l" rtl="0">
+    <a:lvl1pPr lvl="0" marR="0" rtl="0" algn="l">
       <a:lnSpc>
         <a:spcPct val="100000"/>
       </a:lnSpc>
@@ -517,7 +502,7 @@
         <a:srgbClr val="000000"/>
       </a:buClr>
       <a:buFont typeface="Arial"/>
-      <a:defRPr sz="1400" b="0" i="0" u="none" strike="noStrike" cap="none">
+      <a:defRPr b="0" i="0" sz="1400" u="none" cap="none" strike="noStrike">
         <a:solidFill>
           <a:srgbClr val="000000"/>
         </a:solidFill>
@@ -527,7 +512,7 @@
         <a:sym typeface="Arial"/>
       </a:defRPr>
     </a:lvl1pPr>
-    <a:lvl2pPr marR="0" lvl="1" algn="l" rtl="0">
+    <a:lvl2pPr lvl="1" marR="0" rtl="0" algn="l">
       <a:lnSpc>
         <a:spcPct val="100000"/>
       </a:lnSpc>
@@ -541,7 +526,7 @@
         <a:srgbClr val="000000"/>
       </a:buClr>
       <a:buFont typeface="Arial"/>
-      <a:defRPr sz="1400" b="0" i="0" u="none" strike="noStrike" cap="none">
+      <a:defRPr b="0" i="0" sz="1400" u="none" cap="none" strike="noStrike">
         <a:solidFill>
           <a:srgbClr val="000000"/>
         </a:solidFill>
@@ -551,7 +536,7 @@
         <a:sym typeface="Arial"/>
       </a:defRPr>
     </a:lvl2pPr>
-    <a:lvl3pPr marR="0" lvl="2" algn="l" rtl="0">
+    <a:lvl3pPr lvl="2" marR="0" rtl="0" algn="l">
       <a:lnSpc>
         <a:spcPct val="100000"/>
       </a:lnSpc>
@@ -565,7 +550,7 @@
         <a:srgbClr val="000000"/>
       </a:buClr>
       <a:buFont typeface="Arial"/>
-      <a:defRPr sz="1400" b="0" i="0" u="none" strike="noStrike" cap="none">
+      <a:defRPr b="0" i="0" sz="1400" u="none" cap="none" strike="noStrike">
         <a:solidFill>
           <a:srgbClr val="000000"/>
         </a:solidFill>
@@ -575,7 +560,7 @@
         <a:sym typeface="Arial"/>
       </a:defRPr>
     </a:lvl3pPr>
-    <a:lvl4pPr marR="0" lvl="3" algn="l" rtl="0">
+    <a:lvl4pPr lvl="3" marR="0" rtl="0" algn="l">
       <a:lnSpc>
         <a:spcPct val="100000"/>
       </a:lnSpc>
@@ -589,7 +574,7 @@
         <a:srgbClr val="000000"/>
       </a:buClr>
       <a:buFont typeface="Arial"/>
-      <a:defRPr sz="1400" b="0" i="0" u="none" strike="noStrike" cap="none">
+      <a:defRPr b="0" i="0" sz="1400" u="none" cap="none" strike="noStrike">
         <a:solidFill>
           <a:srgbClr val="000000"/>
         </a:solidFill>
@@ -599,7 +584,7 @@
         <a:sym typeface="Arial"/>
       </a:defRPr>
     </a:lvl4pPr>
-    <a:lvl5pPr marR="0" lvl="4" algn="l" rtl="0">
+    <a:lvl5pPr lvl="4" marR="0" rtl="0" algn="l">
       <a:lnSpc>
         <a:spcPct val="100000"/>
       </a:lnSpc>
@@ -613,7 +598,7 @@
         <a:srgbClr val="000000"/>
       </a:buClr>
       <a:buFont typeface="Arial"/>
-      <a:defRPr sz="1400" b="0" i="0" u="none" strike="noStrike" cap="none">
+      <a:defRPr b="0" i="0" sz="1400" u="none" cap="none" strike="noStrike">
         <a:solidFill>
           <a:srgbClr val="000000"/>
         </a:solidFill>
@@ -623,7 +608,7 @@
         <a:sym typeface="Arial"/>
       </a:defRPr>
     </a:lvl5pPr>
-    <a:lvl6pPr marR="0" lvl="5" algn="l" rtl="0">
+    <a:lvl6pPr lvl="5" marR="0" rtl="0" algn="l">
       <a:lnSpc>
         <a:spcPct val="100000"/>
       </a:lnSpc>
@@ -637,7 +622,7 @@
         <a:srgbClr val="000000"/>
       </a:buClr>
       <a:buFont typeface="Arial"/>
-      <a:defRPr sz="1400" b="0" i="0" u="none" strike="noStrike" cap="none">
+      <a:defRPr b="0" i="0" sz="1400" u="none" cap="none" strike="noStrike">
         <a:solidFill>
           <a:srgbClr val="000000"/>
         </a:solidFill>
@@ -647,7 +632,7 @@
         <a:sym typeface="Arial"/>
       </a:defRPr>
     </a:lvl6pPr>
-    <a:lvl7pPr marR="0" lvl="6" algn="l" rtl="0">
+    <a:lvl7pPr lvl="6" marR="0" rtl="0" algn="l">
       <a:lnSpc>
         <a:spcPct val="100000"/>
       </a:lnSpc>
@@ -661,7 +646,7 @@
         <a:srgbClr val="000000"/>
       </a:buClr>
       <a:buFont typeface="Arial"/>
-      <a:defRPr sz="1400" b="0" i="0" u="none" strike="noStrike" cap="none">
+      <a:defRPr b="0" i="0" sz="1400" u="none" cap="none" strike="noStrike">
         <a:solidFill>
           <a:srgbClr val="000000"/>
         </a:solidFill>
@@ -671,7 +656,7 @@
         <a:sym typeface="Arial"/>
       </a:defRPr>
     </a:lvl7pPr>
-    <a:lvl8pPr marR="0" lvl="7" algn="l" rtl="0">
+    <a:lvl8pPr lvl="7" marR="0" rtl="0" algn="l">
       <a:lnSpc>
         <a:spcPct val="100000"/>
       </a:lnSpc>
@@ -685,7 +670,7 @@
         <a:srgbClr val="000000"/>
       </a:buClr>
       <a:buFont typeface="Arial"/>
-      <a:defRPr sz="1400" b="0" i="0" u="none" strike="noStrike" cap="none">
+      <a:defRPr b="0" i="0" sz="1400" u="none" cap="none" strike="noStrike">
         <a:solidFill>
           <a:srgbClr val="000000"/>
         </a:solidFill>
@@ -695,7 +680,7 @@
         <a:sym typeface="Arial"/>
       </a:defRPr>
     </a:lvl8pPr>
-    <a:lvl9pPr marR="0" lvl="8" algn="l" rtl="0">
+    <a:lvl9pPr lvl="8" marR="0" rtl="0" algn="l">
       <a:lnSpc>
         <a:spcPct val="100000"/>
       </a:lnSpc>
@@ -709,7 +694,7 @@
         <a:srgbClr val="000000"/>
       </a:buClr>
       <a:buFont typeface="Arial"/>
-      <a:defRPr sz="1400" b="0" i="0" u="none" strike="noStrike" cap="none">
+      <a:defRPr b="0" i="0" sz="1400" u="none" cap="none" strike="noStrike">
         <a:solidFill>
           <a:srgbClr val="000000"/>
         </a:solidFill>
@@ -724,11 +709,11 @@
 </file>
 
 <file path=ppt/notesSlides/notesSlide1.xml><?xml version="1.0" encoding="utf-8"?>
-<p:notes xmlns:a="http://schemas.openxmlformats.org/drawingml/2006/main" xmlns:r="http://schemas.openxmlformats.org/officeDocument/2006/relationships" xmlns:p="http://schemas.openxmlformats.org/presentationml/2006/main" showMasterSp="0" showMasterPhAnim="0">
+<p:notes xmlns:a="http://schemas.openxmlformats.org/drawingml/2006/main" xmlns:r="http://schemas.openxmlformats.org/officeDocument/2006/relationships" xmlns:mc="http://schemas.openxmlformats.org/markup-compatibility/2006" xmlns:mv="urn:schemas-microsoft-com:mac:vml" xmlns:p="http://schemas.openxmlformats.org/presentationml/2006/main" xmlns:c="http://schemas.openxmlformats.org/drawingml/2006/chart" xmlns:dgm="http://schemas.openxmlformats.org/drawingml/2006/diagram" xmlns:o="urn:schemas-microsoft-com:office:office" xmlns:v="urn:schemas-microsoft-com:vml" xmlns:pvml="urn:schemas-microsoft-com:office:powerpoint" xmlns:com="http://schemas.openxmlformats.org/drawingml/2006/compatibility" xmlns:p14="http://schemas.microsoft.com/office/powerpoint/2010/main" xmlns:p15="http://schemas.microsoft.com/office/powerpoint/2012/main" xmlns:ahyp="http://schemas.microsoft.com/office/drawing/2018/hyperlinkcolor" showMasterPhAnim="0" showMasterSp="0">
   <p:cSld>
     <p:spTree>
       <p:nvGrpSpPr>
-        <p:cNvPr id="1" name="Shape 82"/>
+        <p:cNvPr id="82" name="Shape 82"/>
         <p:cNvGrpSpPr/>
         <p:nvPr/>
       </p:nvGrpSpPr>
@@ -743,11 +728,9 @@
       <p:sp>
         <p:nvSpPr>
           <p:cNvPr id="83" name="Google Shape;83;p:notes"/>
-          <p:cNvSpPr>
-            <a:spLocks noGrp="1" noRot="1" noChangeAspect="1"/>
-          </p:cNvSpPr>
+          <p:cNvSpPr/>
           <p:nvPr>
-            <p:ph type="sldImg" idx="2"/>
+            <p:ph idx="2" type="sldImg"/>
           </p:nvPr>
         </p:nvSpPr>
         <p:spPr>
@@ -756,13 +739,9 @@
             <a:ext cx="6096075" cy="3429000"/>
           </a:xfrm>
           <a:custGeom>
-            <a:avLst/>
-            <a:gdLst/>
-            <a:ahLst/>
-            <a:cxnLst/>
-            <a:rect l="l" t="t" r="r" b="b"/>
+            <a:rect b="b" l="l" r="r" t="t"/>
             <a:pathLst>
-              <a:path w="120000" h="120000" extrusionOk="0">
+              <a:path extrusionOk="0" h="120000" w="120000">
                 <a:moveTo>
                   <a:pt x="0" y="0"/>
                 </a:moveTo>
@@ -784,11 +763,9 @@
       <p:sp>
         <p:nvSpPr>
           <p:cNvPr id="84" name="Google Shape;84;p:notes"/>
-          <p:cNvSpPr txBox="1">
-            <a:spLocks noGrp="1"/>
-          </p:cNvSpPr>
+          <p:cNvSpPr txBox="1"/>
           <p:nvPr>
-            <p:ph type="body" idx="1"/>
+            <p:ph idx="1" type="body"/>
           </p:nvPr>
         </p:nvSpPr>
         <p:spPr>
@@ -801,12 +778,12 @@
           </a:prstGeom>
         </p:spPr>
         <p:txBody>
-          <a:bodyPr spcFirstLastPara="1" wrap="square" lIns="91425" tIns="91425" rIns="91425" bIns="91425" anchor="t" anchorCtr="0">
+          <a:bodyPr anchorCtr="0" anchor="t" bIns="91425" lIns="91425" spcFirstLastPara="1" rIns="91425" wrap="square" tIns="91425">
             <a:noAutofit/>
           </a:bodyPr>
           <a:lstStyle/>
           <a:p>
-            <a:pPr marL="0" lvl="0" indent="0" algn="l" rtl="0">
+            <a:pPr indent="0" lvl="0" marL="0" rtl="0" algn="l">
               <a:spcBef>
                 <a:spcPts val="0"/>
               </a:spcBef>
@@ -815,6 +792,9 @@
               </a:spcAft>
               <a:buNone/>
             </a:pPr>
+            <a:r>
+              <a:t/>
+            </a:r>
             <a:endParaRPr/>
           </a:p>
         </p:txBody>
@@ -828,11 +808,11 @@
 </file>
 
 <file path=ppt/notesSlides/notesSlide2.xml><?xml version="1.0" encoding="utf-8"?>
-<p:notes xmlns:a="http://schemas.openxmlformats.org/drawingml/2006/main" xmlns:r="http://schemas.openxmlformats.org/officeDocument/2006/relationships" xmlns:p="http://schemas.openxmlformats.org/presentationml/2006/main" showMasterSp="0" showMasterPhAnim="0">
+<p:notes xmlns:a="http://schemas.openxmlformats.org/drawingml/2006/main" xmlns:r="http://schemas.openxmlformats.org/officeDocument/2006/relationships" xmlns:mc="http://schemas.openxmlformats.org/markup-compatibility/2006" xmlns:mv="urn:schemas-microsoft-com:mac:vml" xmlns:p="http://schemas.openxmlformats.org/presentationml/2006/main" xmlns:c="http://schemas.openxmlformats.org/drawingml/2006/chart" xmlns:dgm="http://schemas.openxmlformats.org/drawingml/2006/diagram" xmlns:o="urn:schemas-microsoft-com:office:office" xmlns:v="urn:schemas-microsoft-com:vml" xmlns:pvml="urn:schemas-microsoft-com:office:powerpoint" xmlns:com="http://schemas.openxmlformats.org/drawingml/2006/compatibility" xmlns:p14="http://schemas.microsoft.com/office/powerpoint/2010/main" xmlns:p15="http://schemas.microsoft.com/office/powerpoint/2012/main" xmlns:ahyp="http://schemas.microsoft.com/office/drawing/2018/hyperlinkcolor" showMasterPhAnim="0" showMasterSp="0">
   <p:cSld>
     <p:spTree>
       <p:nvGrpSpPr>
-        <p:cNvPr id="1" name="Shape 89"/>
+        <p:cNvPr id="90" name="Shape 90"/>
         <p:cNvGrpSpPr/>
         <p:nvPr/>
       </p:nvGrpSpPr>
@@ -846,12 +826,10 @@
       </p:grpSpPr>
       <p:sp>
         <p:nvSpPr>
-          <p:cNvPr id="90" name="Google Shape;90;g10b2c982f27_0_77:notes"/>
-          <p:cNvSpPr>
-            <a:spLocks noGrp="1" noRot="1" noChangeAspect="1"/>
-          </p:cNvSpPr>
+          <p:cNvPr id="91" name="Google Shape;91;g10b2c982f27_0_77:notes"/>
+          <p:cNvSpPr/>
           <p:nvPr>
-            <p:ph type="sldImg" idx="2"/>
+            <p:ph idx="2" type="sldImg"/>
           </p:nvPr>
         </p:nvSpPr>
         <p:spPr>
@@ -860,13 +838,9 @@
             <a:ext cx="6096000" cy="3429000"/>
           </a:xfrm>
           <a:custGeom>
-            <a:avLst/>
-            <a:gdLst/>
-            <a:ahLst/>
-            <a:cxnLst/>
-            <a:rect l="l" t="t" r="r" b="b"/>
+            <a:rect b="b" l="l" r="r" t="t"/>
             <a:pathLst>
-              <a:path w="120000" h="120000" extrusionOk="0">
+              <a:path extrusionOk="0" h="120000" w="120000">
                 <a:moveTo>
                   <a:pt x="0" y="0"/>
                 </a:moveTo>
@@ -887,12 +861,10 @@
       </p:sp>
       <p:sp>
         <p:nvSpPr>
-          <p:cNvPr id="91" name="Google Shape;91;g10b2c982f27_0_77:notes"/>
-          <p:cNvSpPr txBox="1">
-            <a:spLocks noGrp="1"/>
-          </p:cNvSpPr>
+          <p:cNvPr id="92" name="Google Shape;92;g10b2c982f27_0_77:notes"/>
+          <p:cNvSpPr txBox="1"/>
           <p:nvPr>
-            <p:ph type="body" idx="1"/>
+            <p:ph idx="1" type="body"/>
           </p:nvPr>
         </p:nvSpPr>
         <p:spPr>
@@ -905,12 +877,12 @@
           </a:prstGeom>
         </p:spPr>
         <p:txBody>
-          <a:bodyPr spcFirstLastPara="1" wrap="square" lIns="91425" tIns="91425" rIns="91425" bIns="91425" anchor="t" anchorCtr="0">
+          <a:bodyPr anchorCtr="0" anchor="t" bIns="91425" lIns="91425" spcFirstLastPara="1" rIns="91425" wrap="square" tIns="91425">
             <a:noAutofit/>
           </a:bodyPr>
           <a:lstStyle/>
           <a:p>
-            <a:pPr marL="0" lvl="0" indent="0" algn="l" rtl="0">
+            <a:pPr indent="0" lvl="0" marL="0" rtl="0" algn="l">
               <a:spcBef>
                 <a:spcPts val="0"/>
               </a:spcBef>
@@ -919,6 +891,9 @@
               </a:spcAft>
               <a:buNone/>
             </a:pPr>
+            <a:r>
+              <a:t/>
+            </a:r>
             <a:endParaRPr/>
           </a:p>
         </p:txBody>
@@ -932,11 +907,11 @@
 </file>
 
 <file path=ppt/notesSlides/notesSlide3.xml><?xml version="1.0" encoding="utf-8"?>
-<p:notes xmlns:a="http://schemas.openxmlformats.org/drawingml/2006/main" xmlns:r="http://schemas.openxmlformats.org/officeDocument/2006/relationships" xmlns:p="http://schemas.openxmlformats.org/presentationml/2006/main" showMasterSp="0" showMasterPhAnim="0">
+<p:notes xmlns:a="http://schemas.openxmlformats.org/drawingml/2006/main" xmlns:r="http://schemas.openxmlformats.org/officeDocument/2006/relationships" xmlns:mc="http://schemas.openxmlformats.org/markup-compatibility/2006" xmlns:mv="urn:schemas-microsoft-com:mac:vml" xmlns:p="http://schemas.openxmlformats.org/presentationml/2006/main" xmlns:c="http://schemas.openxmlformats.org/drawingml/2006/chart" xmlns:dgm="http://schemas.openxmlformats.org/drawingml/2006/diagram" xmlns:o="urn:schemas-microsoft-com:office:office" xmlns:v="urn:schemas-microsoft-com:vml" xmlns:pvml="urn:schemas-microsoft-com:office:powerpoint" xmlns:com="http://schemas.openxmlformats.org/drawingml/2006/compatibility" xmlns:p14="http://schemas.microsoft.com/office/powerpoint/2010/main" xmlns:p15="http://schemas.microsoft.com/office/powerpoint/2012/main" xmlns:ahyp="http://schemas.microsoft.com/office/drawing/2018/hyperlinkcolor" showMasterPhAnim="0" showMasterSp="0">
   <p:cSld>
     <p:spTree>
       <p:nvGrpSpPr>
-        <p:cNvPr id="1" name="Shape 95"/>
+        <p:cNvPr id="96" name="Shape 96"/>
         <p:cNvGrpSpPr/>
         <p:nvPr/>
       </p:nvGrpSpPr>
@@ -950,12 +925,10 @@
       </p:grpSpPr>
       <p:sp>
         <p:nvSpPr>
-          <p:cNvPr id="96" name="Google Shape;96;g10b2c982f27_1_6:notes"/>
-          <p:cNvSpPr>
-            <a:spLocks noGrp="1" noRot="1" noChangeAspect="1"/>
-          </p:cNvSpPr>
+          <p:cNvPr id="97" name="Google Shape;97;g10b2c982f27_1_6:notes"/>
+          <p:cNvSpPr/>
           <p:nvPr>
-            <p:ph type="sldImg" idx="2"/>
+            <p:ph idx="2" type="sldImg"/>
           </p:nvPr>
         </p:nvSpPr>
         <p:spPr>
@@ -964,13 +937,9 @@
             <a:ext cx="6096000" cy="3429000"/>
           </a:xfrm>
           <a:custGeom>
-            <a:avLst/>
-            <a:gdLst/>
-            <a:ahLst/>
-            <a:cxnLst/>
-            <a:rect l="l" t="t" r="r" b="b"/>
+            <a:rect b="b" l="l" r="r" t="t"/>
             <a:pathLst>
-              <a:path w="120000" h="120000" extrusionOk="0">
+              <a:path extrusionOk="0" h="120000" w="120000">
                 <a:moveTo>
                   <a:pt x="0" y="0"/>
                 </a:moveTo>
@@ -991,12 +960,10 @@
       </p:sp>
       <p:sp>
         <p:nvSpPr>
-          <p:cNvPr id="97" name="Google Shape;97;g10b2c982f27_1_6:notes"/>
-          <p:cNvSpPr txBox="1">
-            <a:spLocks noGrp="1"/>
-          </p:cNvSpPr>
+          <p:cNvPr id="98" name="Google Shape;98;g10b2c982f27_1_6:notes"/>
+          <p:cNvSpPr txBox="1"/>
           <p:nvPr>
-            <p:ph type="body" idx="1"/>
+            <p:ph idx="1" type="body"/>
           </p:nvPr>
         </p:nvSpPr>
         <p:spPr>
@@ -1009,12 +976,12 @@
           </a:prstGeom>
         </p:spPr>
         <p:txBody>
-          <a:bodyPr spcFirstLastPara="1" wrap="square" lIns="91425" tIns="91425" rIns="91425" bIns="91425" anchor="t" anchorCtr="0">
+          <a:bodyPr anchorCtr="0" anchor="t" bIns="91425" lIns="91425" spcFirstLastPara="1" rIns="91425" wrap="square" tIns="91425">
             <a:noAutofit/>
           </a:bodyPr>
           <a:lstStyle/>
           <a:p>
-            <a:pPr marL="0" lvl="0" indent="0" algn="l" rtl="0">
+            <a:pPr indent="0" lvl="0" marL="0" rtl="0" algn="l">
               <a:spcBef>
                 <a:spcPts val="0"/>
               </a:spcBef>
@@ -1023,6 +990,9 @@
               </a:spcAft>
               <a:buNone/>
             </a:pPr>
+            <a:r>
+              <a:t/>
+            </a:r>
             <a:endParaRPr/>
           </a:p>
         </p:txBody>
@@ -1036,11 +1006,11 @@
 </file>
 
 <file path=ppt/notesSlides/notesSlide4.xml><?xml version="1.0" encoding="utf-8"?>
-<p:notes xmlns:a="http://schemas.openxmlformats.org/drawingml/2006/main" xmlns:r="http://schemas.openxmlformats.org/officeDocument/2006/relationships" xmlns:p="http://schemas.openxmlformats.org/presentationml/2006/main" showMasterSp="0" showMasterPhAnim="0">
+<p:notes xmlns:a="http://schemas.openxmlformats.org/drawingml/2006/main" xmlns:r="http://schemas.openxmlformats.org/officeDocument/2006/relationships" xmlns:mc="http://schemas.openxmlformats.org/markup-compatibility/2006" xmlns:mv="urn:schemas-microsoft-com:mac:vml" xmlns:p="http://schemas.openxmlformats.org/presentationml/2006/main" xmlns:c="http://schemas.openxmlformats.org/drawingml/2006/chart" xmlns:dgm="http://schemas.openxmlformats.org/drawingml/2006/diagram" xmlns:o="urn:schemas-microsoft-com:office:office" xmlns:v="urn:schemas-microsoft-com:vml" xmlns:pvml="urn:schemas-microsoft-com:office:powerpoint" xmlns:com="http://schemas.openxmlformats.org/drawingml/2006/compatibility" xmlns:p14="http://schemas.microsoft.com/office/powerpoint/2010/main" xmlns:p15="http://schemas.microsoft.com/office/powerpoint/2012/main" xmlns:ahyp="http://schemas.microsoft.com/office/drawing/2018/hyperlinkcolor" showMasterPhAnim="0" showMasterSp="0">
   <p:cSld>
     <p:spTree>
       <p:nvGrpSpPr>
-        <p:cNvPr id="1" name="Shape 101"/>
+        <p:cNvPr id="102" name="Shape 102"/>
         <p:cNvGrpSpPr/>
         <p:nvPr/>
       </p:nvGrpSpPr>
@@ -1054,12 +1024,10 @@
       </p:grpSpPr>
       <p:sp>
         <p:nvSpPr>
-          <p:cNvPr id="102" name="Google Shape;102;g10b2c982f27_1_11:notes"/>
-          <p:cNvSpPr>
-            <a:spLocks noGrp="1" noRot="1" noChangeAspect="1"/>
-          </p:cNvSpPr>
+          <p:cNvPr id="103" name="Google Shape;103;g10b2c982f27_1_11:notes"/>
+          <p:cNvSpPr/>
           <p:nvPr>
-            <p:ph type="sldImg" idx="2"/>
+            <p:ph idx="2" type="sldImg"/>
           </p:nvPr>
         </p:nvSpPr>
         <p:spPr>
@@ -1068,13 +1036,9 @@
             <a:ext cx="6096000" cy="3429000"/>
           </a:xfrm>
           <a:custGeom>
-            <a:avLst/>
-            <a:gdLst/>
-            <a:ahLst/>
-            <a:cxnLst/>
-            <a:rect l="l" t="t" r="r" b="b"/>
+            <a:rect b="b" l="l" r="r" t="t"/>
             <a:pathLst>
-              <a:path w="120000" h="120000" extrusionOk="0">
+              <a:path extrusionOk="0" h="120000" w="120000">
                 <a:moveTo>
                   <a:pt x="0" y="0"/>
                 </a:moveTo>
@@ -1095,12 +1059,10 @@
       </p:sp>
       <p:sp>
         <p:nvSpPr>
-          <p:cNvPr id="103" name="Google Shape;103;g10b2c982f27_1_11:notes"/>
-          <p:cNvSpPr txBox="1">
-            <a:spLocks noGrp="1"/>
-          </p:cNvSpPr>
+          <p:cNvPr id="104" name="Google Shape;104;g10b2c982f27_1_11:notes"/>
+          <p:cNvSpPr txBox="1"/>
           <p:nvPr>
-            <p:ph type="body" idx="1"/>
+            <p:ph idx="1" type="body"/>
           </p:nvPr>
         </p:nvSpPr>
         <p:spPr>
@@ -1113,12 +1075,12 @@
           </a:prstGeom>
         </p:spPr>
         <p:txBody>
-          <a:bodyPr spcFirstLastPara="1" wrap="square" lIns="91425" tIns="91425" rIns="91425" bIns="91425" anchor="t" anchorCtr="0">
+          <a:bodyPr anchorCtr="0" anchor="t" bIns="91425" lIns="91425" spcFirstLastPara="1" rIns="91425" wrap="square" tIns="91425">
             <a:noAutofit/>
           </a:bodyPr>
           <a:lstStyle/>
           <a:p>
-            <a:pPr marL="0" lvl="0" indent="0" algn="l" rtl="0">
+            <a:pPr indent="0" lvl="0" marL="0" rtl="0" algn="l">
               <a:spcBef>
                 <a:spcPts val="0"/>
               </a:spcBef>
@@ -1127,6 +1089,9 @@
               </a:spcAft>
               <a:buNone/>
             </a:pPr>
+            <a:r>
+              <a:t/>
+            </a:r>
             <a:endParaRPr/>
           </a:p>
         </p:txBody>
@@ -1140,11 +1105,11 @@
 </file>
 
 <file path=ppt/notesSlides/notesSlide5.xml><?xml version="1.0" encoding="utf-8"?>
-<p:notes xmlns:a="http://schemas.openxmlformats.org/drawingml/2006/main" xmlns:r="http://schemas.openxmlformats.org/officeDocument/2006/relationships" xmlns:p="http://schemas.openxmlformats.org/presentationml/2006/main" showMasterSp="0" showMasterPhAnim="0">
+<p:notes xmlns:a="http://schemas.openxmlformats.org/drawingml/2006/main" xmlns:r="http://schemas.openxmlformats.org/officeDocument/2006/relationships" xmlns:mc="http://schemas.openxmlformats.org/markup-compatibility/2006" xmlns:mv="urn:schemas-microsoft-com:mac:vml" xmlns:p="http://schemas.openxmlformats.org/presentationml/2006/main" xmlns:c="http://schemas.openxmlformats.org/drawingml/2006/chart" xmlns:dgm="http://schemas.openxmlformats.org/drawingml/2006/diagram" xmlns:o="urn:schemas-microsoft-com:office:office" xmlns:v="urn:schemas-microsoft-com:vml" xmlns:pvml="urn:schemas-microsoft-com:office:powerpoint" xmlns:com="http://schemas.openxmlformats.org/drawingml/2006/compatibility" xmlns:p14="http://schemas.microsoft.com/office/powerpoint/2010/main" xmlns:p15="http://schemas.microsoft.com/office/powerpoint/2012/main" xmlns:ahyp="http://schemas.microsoft.com/office/drawing/2018/hyperlinkcolor" showMasterPhAnim="0" showMasterSp="0">
   <p:cSld>
     <p:spTree>
       <p:nvGrpSpPr>
-        <p:cNvPr id="1" name="Shape 107"/>
+        <p:cNvPr id="108" name="Shape 108"/>
         <p:cNvGrpSpPr/>
         <p:nvPr/>
       </p:nvGrpSpPr>
@@ -1158,12 +1123,10 @@
       </p:grpSpPr>
       <p:sp>
         <p:nvSpPr>
-          <p:cNvPr id="108" name="Google Shape;108;g10b2c982f27_1_16:notes"/>
-          <p:cNvSpPr>
-            <a:spLocks noGrp="1" noRot="1" noChangeAspect="1"/>
-          </p:cNvSpPr>
+          <p:cNvPr id="109" name="Google Shape;109;g10b2c982f27_1_16:notes"/>
+          <p:cNvSpPr/>
           <p:nvPr>
-            <p:ph type="sldImg" idx="2"/>
+            <p:ph idx="2" type="sldImg"/>
           </p:nvPr>
         </p:nvSpPr>
         <p:spPr>
@@ -1172,13 +1135,9 @@
             <a:ext cx="6096000" cy="3429000"/>
           </a:xfrm>
           <a:custGeom>
-            <a:avLst/>
-            <a:gdLst/>
-            <a:ahLst/>
-            <a:cxnLst/>
-            <a:rect l="l" t="t" r="r" b="b"/>
+            <a:rect b="b" l="l" r="r" t="t"/>
             <a:pathLst>
-              <a:path w="120000" h="120000" extrusionOk="0">
+              <a:path extrusionOk="0" h="120000" w="120000">
                 <a:moveTo>
                   <a:pt x="0" y="0"/>
                 </a:moveTo>
@@ -1199,12 +1158,10 @@
       </p:sp>
       <p:sp>
         <p:nvSpPr>
-          <p:cNvPr id="109" name="Google Shape;109;g10b2c982f27_1_16:notes"/>
-          <p:cNvSpPr txBox="1">
-            <a:spLocks noGrp="1"/>
-          </p:cNvSpPr>
+          <p:cNvPr id="110" name="Google Shape;110;g10b2c982f27_1_16:notes"/>
+          <p:cNvSpPr txBox="1"/>
           <p:nvPr>
-            <p:ph type="body" idx="1"/>
+            <p:ph idx="1" type="body"/>
           </p:nvPr>
         </p:nvSpPr>
         <p:spPr>
@@ -1217,12 +1174,12 @@
           </a:prstGeom>
         </p:spPr>
         <p:txBody>
-          <a:bodyPr spcFirstLastPara="1" wrap="square" lIns="91425" tIns="91425" rIns="91425" bIns="91425" anchor="t" anchorCtr="0">
+          <a:bodyPr anchorCtr="0" anchor="t" bIns="91425" lIns="91425" spcFirstLastPara="1" rIns="91425" wrap="square" tIns="91425">
             <a:noAutofit/>
           </a:bodyPr>
           <a:lstStyle/>
           <a:p>
-            <a:pPr marL="0" lvl="0" indent="0" algn="l" rtl="0">
+            <a:pPr indent="0" lvl="0" marL="0" rtl="0" algn="l">
               <a:spcBef>
                 <a:spcPts val="0"/>
               </a:spcBef>
@@ -1231,6 +1188,9 @@
               </a:spcAft>
               <a:buNone/>
             </a:pPr>
+            <a:r>
+              <a:t/>
+            </a:r>
             <a:endParaRPr/>
           </a:p>
         </p:txBody>
@@ -1244,11 +1204,11 @@
 </file>
 
 <file path=ppt/notesSlides/notesSlide6.xml><?xml version="1.0" encoding="utf-8"?>
-<p:notes xmlns:a="http://schemas.openxmlformats.org/drawingml/2006/main" xmlns:r="http://schemas.openxmlformats.org/officeDocument/2006/relationships" xmlns:p="http://schemas.openxmlformats.org/presentationml/2006/main" showMasterSp="0" showMasterPhAnim="0">
+<p:notes xmlns:a="http://schemas.openxmlformats.org/drawingml/2006/main" xmlns:r="http://schemas.openxmlformats.org/officeDocument/2006/relationships" xmlns:mc="http://schemas.openxmlformats.org/markup-compatibility/2006" xmlns:mv="urn:schemas-microsoft-com:mac:vml" xmlns:p="http://schemas.openxmlformats.org/presentationml/2006/main" xmlns:c="http://schemas.openxmlformats.org/drawingml/2006/chart" xmlns:dgm="http://schemas.openxmlformats.org/drawingml/2006/diagram" xmlns:o="urn:schemas-microsoft-com:office:office" xmlns:v="urn:schemas-microsoft-com:vml" xmlns:pvml="urn:schemas-microsoft-com:office:powerpoint" xmlns:com="http://schemas.openxmlformats.org/drawingml/2006/compatibility" xmlns:p14="http://schemas.microsoft.com/office/powerpoint/2010/main" xmlns:p15="http://schemas.microsoft.com/office/powerpoint/2012/main" xmlns:ahyp="http://schemas.microsoft.com/office/drawing/2018/hyperlinkcolor" showMasterPhAnim="0" showMasterSp="0">
   <p:cSld>
     <p:spTree>
       <p:nvGrpSpPr>
-        <p:cNvPr id="1" name="Shape 113"/>
+        <p:cNvPr id="114" name="Shape 114"/>
         <p:cNvGrpSpPr/>
         <p:nvPr/>
       </p:nvGrpSpPr>
@@ -1262,12 +1222,10 @@
       </p:grpSpPr>
       <p:sp>
         <p:nvSpPr>
-          <p:cNvPr id="114" name="Google Shape;114;g10b2c982f27_1_21:notes"/>
-          <p:cNvSpPr>
-            <a:spLocks noGrp="1" noRot="1" noChangeAspect="1"/>
-          </p:cNvSpPr>
+          <p:cNvPr id="115" name="Google Shape;115;g10b2c982f27_1_21:notes"/>
+          <p:cNvSpPr/>
           <p:nvPr>
-            <p:ph type="sldImg" idx="2"/>
+            <p:ph idx="2" type="sldImg"/>
           </p:nvPr>
         </p:nvSpPr>
         <p:spPr>
@@ -1276,13 +1234,9 @@
             <a:ext cx="6096000" cy="3429000"/>
           </a:xfrm>
           <a:custGeom>
-            <a:avLst/>
-            <a:gdLst/>
-            <a:ahLst/>
-            <a:cxnLst/>
-            <a:rect l="l" t="t" r="r" b="b"/>
+            <a:rect b="b" l="l" r="r" t="t"/>
             <a:pathLst>
-              <a:path w="120000" h="120000" extrusionOk="0">
+              <a:path extrusionOk="0" h="120000" w="120000">
                 <a:moveTo>
                   <a:pt x="0" y="0"/>
                 </a:moveTo>
@@ -1303,12 +1257,10 @@
       </p:sp>
       <p:sp>
         <p:nvSpPr>
-          <p:cNvPr id="115" name="Google Shape;115;g10b2c982f27_1_21:notes"/>
-          <p:cNvSpPr txBox="1">
-            <a:spLocks noGrp="1"/>
-          </p:cNvSpPr>
+          <p:cNvPr id="116" name="Google Shape;116;g10b2c982f27_1_21:notes"/>
+          <p:cNvSpPr txBox="1"/>
           <p:nvPr>
-            <p:ph type="body" idx="1"/>
+            <p:ph idx="1" type="body"/>
           </p:nvPr>
         </p:nvSpPr>
         <p:spPr>
@@ -1321,12 +1273,12 @@
           </a:prstGeom>
         </p:spPr>
         <p:txBody>
-          <a:bodyPr spcFirstLastPara="1" wrap="square" lIns="91425" tIns="91425" rIns="91425" bIns="91425" anchor="t" anchorCtr="0">
+          <a:bodyPr anchorCtr="0" anchor="t" bIns="91425" lIns="91425" spcFirstLastPara="1" rIns="91425" wrap="square" tIns="91425">
             <a:noAutofit/>
           </a:bodyPr>
           <a:lstStyle/>
           <a:p>
-            <a:pPr marL="0" lvl="0" indent="0" algn="l" rtl="0">
+            <a:pPr indent="0" lvl="0" marL="0" rtl="0" algn="l">
               <a:spcBef>
                 <a:spcPts val="0"/>
               </a:spcBef>
@@ -1335,6 +1287,9 @@
               </a:spcAft>
               <a:buNone/>
             </a:pPr>
+            <a:r>
+              <a:t/>
+            </a:r>
             <a:endParaRPr/>
           </a:p>
         </p:txBody>
@@ -1348,11 +1303,11 @@
 </file>
 
 <file path=ppt/notesSlides/notesSlide7.xml><?xml version="1.0" encoding="utf-8"?>
-<p:notes xmlns:a="http://schemas.openxmlformats.org/drawingml/2006/main" xmlns:r="http://schemas.openxmlformats.org/officeDocument/2006/relationships" xmlns:p="http://schemas.openxmlformats.org/presentationml/2006/main" showMasterSp="0" showMasterPhAnim="0">
+<p:notes xmlns:a="http://schemas.openxmlformats.org/drawingml/2006/main" xmlns:r="http://schemas.openxmlformats.org/officeDocument/2006/relationships" xmlns:mc="http://schemas.openxmlformats.org/markup-compatibility/2006" xmlns:mv="urn:schemas-microsoft-com:mac:vml" xmlns:p="http://schemas.openxmlformats.org/presentationml/2006/main" xmlns:c="http://schemas.openxmlformats.org/drawingml/2006/chart" xmlns:dgm="http://schemas.openxmlformats.org/drawingml/2006/diagram" xmlns:o="urn:schemas-microsoft-com:office:office" xmlns:v="urn:schemas-microsoft-com:vml" xmlns:pvml="urn:schemas-microsoft-com:office:powerpoint" xmlns:com="http://schemas.openxmlformats.org/drawingml/2006/compatibility" xmlns:p14="http://schemas.microsoft.com/office/powerpoint/2010/main" xmlns:p15="http://schemas.microsoft.com/office/powerpoint/2012/main" xmlns:ahyp="http://schemas.microsoft.com/office/drawing/2018/hyperlinkcolor" showMasterPhAnim="0" showMasterSp="0">
   <p:cSld>
     <p:spTree>
       <p:nvGrpSpPr>
-        <p:cNvPr id="1" name="Shape 119"/>
+        <p:cNvPr id="120" name="Shape 120"/>
         <p:cNvGrpSpPr/>
         <p:nvPr/>
       </p:nvGrpSpPr>
@@ -1366,12 +1321,10 @@
       </p:grpSpPr>
       <p:sp>
         <p:nvSpPr>
-          <p:cNvPr id="120" name="Google Shape;120;g10b2c982f27_1_0:notes"/>
-          <p:cNvSpPr>
-            <a:spLocks noGrp="1" noRot="1" noChangeAspect="1"/>
-          </p:cNvSpPr>
+          <p:cNvPr id="121" name="Google Shape;121;g10b2c982f27_1_0:notes"/>
+          <p:cNvSpPr/>
           <p:nvPr>
-            <p:ph type="sldImg" idx="2"/>
+            <p:ph idx="2" type="sldImg"/>
           </p:nvPr>
         </p:nvSpPr>
         <p:spPr>
@@ -1380,13 +1333,9 @@
             <a:ext cx="6096000" cy="3429000"/>
           </a:xfrm>
           <a:custGeom>
-            <a:avLst/>
-            <a:gdLst/>
-            <a:ahLst/>
-            <a:cxnLst/>
-            <a:rect l="l" t="t" r="r" b="b"/>
+            <a:rect b="b" l="l" r="r" t="t"/>
             <a:pathLst>
-              <a:path w="120000" h="120000" extrusionOk="0">
+              <a:path extrusionOk="0" h="120000" w="120000">
                 <a:moveTo>
                   <a:pt x="0" y="0"/>
                 </a:moveTo>
@@ -1407,12 +1356,10 @@
       </p:sp>
       <p:sp>
         <p:nvSpPr>
-          <p:cNvPr id="121" name="Google Shape;121;g10b2c982f27_1_0:notes"/>
-          <p:cNvSpPr txBox="1">
-            <a:spLocks noGrp="1"/>
-          </p:cNvSpPr>
+          <p:cNvPr id="122" name="Google Shape;122;g10b2c982f27_1_0:notes"/>
+          <p:cNvSpPr txBox="1"/>
           <p:nvPr>
-            <p:ph type="body" idx="1"/>
+            <p:ph idx="1" type="body"/>
           </p:nvPr>
         </p:nvSpPr>
         <p:spPr>
@@ -1425,12 +1372,12 @@
           </a:prstGeom>
         </p:spPr>
         <p:txBody>
-          <a:bodyPr spcFirstLastPara="1" wrap="square" lIns="91425" tIns="91425" rIns="91425" bIns="91425" anchor="t" anchorCtr="0">
+          <a:bodyPr anchorCtr="0" anchor="t" bIns="91425" lIns="91425" spcFirstLastPara="1" rIns="91425" wrap="square" tIns="91425">
             <a:noAutofit/>
           </a:bodyPr>
           <a:lstStyle/>
           <a:p>
-            <a:pPr marL="0" lvl="0" indent="0" algn="l" rtl="0">
+            <a:pPr indent="0" lvl="0" marL="0" rtl="0" algn="l">
               <a:spcBef>
                 <a:spcPts val="0"/>
               </a:spcBef>
@@ -1439,6 +1386,9 @@
               </a:spcAft>
               <a:buNone/>
             </a:pPr>
+            <a:r>
+              <a:t/>
+            </a:r>
             <a:endParaRPr/>
           </a:p>
         </p:txBody>
@@ -1452,19 +1402,18 @@
 </file>
 
 <file path=ppt/slideLayouts/slideLayout1.xml><?xml version="1.0" encoding="utf-8"?>
-<p:sldLayout xmlns:a="http://schemas.openxmlformats.org/drawingml/2006/main" xmlns:r="http://schemas.openxmlformats.org/officeDocument/2006/relationships" xmlns:p="http://schemas.openxmlformats.org/presentationml/2006/main" matchingName="Title slide" type="title">
+<p:sldLayout xmlns:a="http://schemas.openxmlformats.org/drawingml/2006/main" xmlns:r="http://schemas.openxmlformats.org/officeDocument/2006/relationships" xmlns:mc="http://schemas.openxmlformats.org/markup-compatibility/2006" xmlns:mv="urn:schemas-microsoft-com:mac:vml" xmlns:p="http://schemas.openxmlformats.org/presentationml/2006/main" xmlns:c="http://schemas.openxmlformats.org/drawingml/2006/chart" xmlns:dgm="http://schemas.openxmlformats.org/drawingml/2006/diagram" xmlns:o="urn:schemas-microsoft-com:office:office" xmlns:v="urn:schemas-microsoft-com:vml" xmlns:pvml="urn:schemas-microsoft-com:office:powerpoint" xmlns:com="http://schemas.openxmlformats.org/drawingml/2006/compatibility" xmlns:p14="http://schemas.microsoft.com/office/powerpoint/2010/main" xmlns:p15="http://schemas.microsoft.com/office/powerpoint/2012/main" xmlns:ahyp="http://schemas.microsoft.com/office/drawing/2018/hyperlinkcolor" matchingName="Title slide" type="title">
   <p:cSld name="TITLE">
     <p:bg>
       <p:bgPr>
         <a:solidFill>
           <a:schemeClr val="lt2"/>
         </a:solidFill>
-        <a:effectLst/>
       </p:bgPr>
     </p:bg>
     <p:spTree>
       <p:nvGrpSpPr>
-        <p:cNvPr id="1" name="Shape 9"/>
+        <p:cNvPr id="9" name="Shape 9"/>
         <p:cNvGrpSpPr/>
         <p:nvPr/>
       </p:nvGrpSpPr>
@@ -1498,12 +1447,12 @@
           </a:ln>
         </p:spPr>
         <p:txBody>
-          <a:bodyPr spcFirstLastPara="1" wrap="square" lIns="91425" tIns="91425" rIns="91425" bIns="91425" anchor="ctr" anchorCtr="0">
+          <a:bodyPr anchorCtr="0" anchor="ctr" bIns="91425" lIns="91425" spcFirstLastPara="1" rIns="91425" wrap="square" tIns="91425">
             <a:noAutofit/>
           </a:bodyPr>
           <a:lstStyle/>
           <a:p>
-            <a:pPr marL="0" lvl="0" indent="0" algn="l" rtl="0">
+            <a:pPr indent="0" lvl="0" marL="0" rtl="0" algn="l">
               <a:spcBef>
                 <a:spcPts val="0"/>
               </a:spcBef>
@@ -1512,6 +1461,9 @@
               </a:spcAft>
               <a:buNone/>
             </a:pPr>
+            <a:r>
+              <a:t/>
+            </a:r>
             <a:endParaRPr/>
           </a:p>
         </p:txBody>
@@ -1552,12 +1504,12 @@
             </a:ln>
           </p:spPr>
           <p:txBody>
-            <a:bodyPr spcFirstLastPara="1" wrap="square" lIns="91425" tIns="91425" rIns="91425" bIns="91425" anchor="ctr" anchorCtr="0">
+            <a:bodyPr anchorCtr="0" anchor="ctr" bIns="91425" lIns="91425" spcFirstLastPara="1" rIns="91425" wrap="square" tIns="91425">
               <a:noAutofit/>
             </a:bodyPr>
             <a:lstStyle/>
             <a:p>
-              <a:pPr marL="0" lvl="0" indent="0" algn="l" rtl="0">
+              <a:pPr indent="0" lvl="0" marL="0" rtl="0" algn="l">
                 <a:spcBef>
                   <a:spcPts val="0"/>
                 </a:spcBef>
@@ -1566,6 +1518,9 @@
                 </a:spcAft>
                 <a:buNone/>
               </a:pPr>
+              <a:r>
+                <a:t/>
+              </a:r>
               <a:endParaRPr/>
             </a:p>
           </p:txBody>
@@ -1592,12 +1547,12 @@
             </a:ln>
           </p:spPr>
           <p:txBody>
-            <a:bodyPr spcFirstLastPara="1" wrap="square" lIns="91425" tIns="91425" rIns="91425" bIns="91425" anchor="ctr" anchorCtr="0">
+            <a:bodyPr anchorCtr="0" anchor="ctr" bIns="91425" lIns="91425" spcFirstLastPara="1" rIns="91425" wrap="square" tIns="91425">
               <a:noAutofit/>
             </a:bodyPr>
             <a:lstStyle/>
             <a:p>
-              <a:pPr marL="0" lvl="0" indent="0" algn="l" rtl="0">
+              <a:pPr indent="0" lvl="0" marL="0" rtl="0" algn="l">
                 <a:spcBef>
                   <a:spcPts val="0"/>
                 </a:spcBef>
@@ -1606,6 +1561,9 @@
                 </a:spcAft>
                 <a:buNone/>
               </a:pPr>
+              <a:r>
+                <a:t/>
+              </a:r>
               <a:endParaRPr/>
             </a:p>
           </p:txBody>
@@ -1614,9 +1572,7 @@
       <p:sp>
         <p:nvSpPr>
           <p:cNvPr id="14" name="Google Shape;14;p2"/>
-          <p:cNvSpPr txBox="1">
-            <a:spLocks noGrp="1"/>
-          </p:cNvSpPr>
+          <p:cNvSpPr txBox="1"/>
           <p:nvPr>
             <p:ph type="ctrTitle"/>
           </p:nvPr>
@@ -1631,7 +1587,7 @@
           </a:prstGeom>
         </p:spPr>
         <p:txBody>
-          <a:bodyPr spcFirstLastPara="1" wrap="square" lIns="91425" tIns="91425" rIns="91425" bIns="91425" anchor="t" anchorCtr="0">
+          <a:bodyPr anchorCtr="0" anchor="t" bIns="91425" lIns="91425" spcFirstLastPara="1" rIns="91425" wrap="square" tIns="91425">
             <a:normAutofit/>
           </a:bodyPr>
           <a:lstStyle>
@@ -1735,19 +1691,15 @@
               <a:defRPr sz="4200"/>
             </a:lvl9pPr>
           </a:lstStyle>
-          <a:p>
-            <a:endParaRPr/>
-          </a:p>
+          <a:p/>
         </p:txBody>
       </p:sp>
       <p:sp>
         <p:nvSpPr>
           <p:cNvPr id="15" name="Google Shape;15;p2"/>
-          <p:cNvSpPr txBox="1">
-            <a:spLocks noGrp="1"/>
-          </p:cNvSpPr>
+          <p:cNvSpPr txBox="1"/>
           <p:nvPr>
-            <p:ph type="subTitle" idx="1"/>
+            <p:ph idx="1" type="subTitle"/>
           </p:nvPr>
         </p:nvSpPr>
         <p:spPr>
@@ -1760,7 +1712,7 @@
           </a:prstGeom>
         </p:spPr>
         <p:txBody>
-          <a:bodyPr spcFirstLastPara="1" wrap="square" lIns="91425" tIns="91425" rIns="91425" bIns="91425" anchor="t" anchorCtr="0">
+          <a:bodyPr anchorCtr="0" anchor="t" bIns="91425" lIns="91425" spcFirstLastPara="1" rIns="91425" wrap="square" tIns="91425">
             <a:normAutofit/>
           </a:bodyPr>
           <a:lstStyle>
@@ -1891,19 +1843,15 @@
               <a:defRPr sz="1600"/>
             </a:lvl9pPr>
           </a:lstStyle>
-          <a:p>
-            <a:endParaRPr/>
-          </a:p>
+          <a:p/>
         </p:txBody>
       </p:sp>
       <p:sp>
         <p:nvSpPr>
           <p:cNvPr id="16" name="Google Shape;16;p2"/>
-          <p:cNvSpPr txBox="1">
-            <a:spLocks noGrp="1"/>
-          </p:cNvSpPr>
+          <p:cNvSpPr txBox="1"/>
           <p:nvPr>
-            <p:ph type="sldNum" idx="12"/>
+            <p:ph idx="12" type="sldNum"/>
           </p:nvPr>
         </p:nvSpPr>
         <p:spPr>
@@ -1916,7 +1864,7 @@
           </a:prstGeom>
         </p:spPr>
         <p:txBody>
-          <a:bodyPr spcFirstLastPara="1" wrap="square" lIns="91425" tIns="91425" rIns="91425" bIns="91425" anchor="ctr" anchorCtr="0">
+          <a:bodyPr anchorCtr="0" anchor="ctr" bIns="91425" lIns="91425" spcFirstLastPara="1" rIns="91425" wrap="square" tIns="91425">
             <a:normAutofit/>
           </a:bodyPr>
           <a:lstStyle>
@@ -1958,7 +1906,7 @@
             </a:lvl9pPr>
           </a:lstStyle>
           <a:p>
-            <a:pPr marL="0" lvl="0" indent="0" algn="r" rtl="0">
+            <a:pPr indent="0" lvl="0" marL="0" rtl="0" algn="r">
               <a:spcBef>
                 <a:spcPts val="0"/>
               </a:spcBef>
@@ -1984,19 +1932,18 @@
 </file>
 
 <file path=ppt/slideLayouts/slideLayout10.xml><?xml version="1.0" encoding="utf-8"?>
-<p:sldLayout xmlns:a="http://schemas.openxmlformats.org/drawingml/2006/main" xmlns:r="http://schemas.openxmlformats.org/officeDocument/2006/relationships" xmlns:p="http://schemas.openxmlformats.org/presentationml/2006/main" matchingName="Big number">
+<p:sldLayout xmlns:a="http://schemas.openxmlformats.org/drawingml/2006/main" xmlns:r="http://schemas.openxmlformats.org/officeDocument/2006/relationships" xmlns:mc="http://schemas.openxmlformats.org/markup-compatibility/2006" xmlns:mv="urn:schemas-microsoft-com:mac:vml" xmlns:p="http://schemas.openxmlformats.org/presentationml/2006/main" xmlns:c="http://schemas.openxmlformats.org/drawingml/2006/chart" xmlns:dgm="http://schemas.openxmlformats.org/drawingml/2006/diagram" xmlns:o="urn:schemas-microsoft-com:office:office" xmlns:v="urn:schemas-microsoft-com:vml" xmlns:pvml="urn:schemas-microsoft-com:office:powerpoint" xmlns:com="http://schemas.openxmlformats.org/drawingml/2006/compatibility" xmlns:p14="http://schemas.microsoft.com/office/powerpoint/2010/main" xmlns:p15="http://schemas.microsoft.com/office/powerpoint/2012/main" xmlns:ahyp="http://schemas.microsoft.com/office/drawing/2018/hyperlinkcolor" matchingName="Big number">
   <p:cSld name="BIG_NUMBER">
     <p:bg>
       <p:bgPr>
         <a:solidFill>
           <a:schemeClr val="dk1"/>
         </a:solidFill>
-        <a:effectLst/>
       </p:bgPr>
     </p:bg>
     <p:spTree>
       <p:nvGrpSpPr>
-        <p:cNvPr id="1" name="Shape 73"/>
+        <p:cNvPr id="73" name="Shape 73"/>
         <p:cNvGrpSpPr/>
         <p:nvPr/>
       </p:nvGrpSpPr>
@@ -2044,12 +1991,12 @@
             </a:ln>
           </p:spPr>
           <p:txBody>
-            <a:bodyPr spcFirstLastPara="1" wrap="square" lIns="91425" tIns="91425" rIns="91425" bIns="91425" anchor="ctr" anchorCtr="0">
+            <a:bodyPr anchorCtr="0" anchor="ctr" bIns="91425" lIns="91425" spcFirstLastPara="1" rIns="91425" wrap="square" tIns="91425">
               <a:noAutofit/>
             </a:bodyPr>
             <a:lstStyle/>
             <a:p>
-              <a:pPr marL="0" lvl="0" indent="0" algn="l" rtl="0">
+              <a:pPr indent="0" lvl="0" marL="0" rtl="0" algn="l">
                 <a:spcBef>
                   <a:spcPts val="0"/>
                 </a:spcBef>
@@ -2058,6 +2005,9 @@
                 </a:spcAft>
                 <a:buNone/>
               </a:pPr>
+              <a:r>
+                <a:t/>
+              </a:r>
               <a:endParaRPr/>
             </a:p>
           </p:txBody>
@@ -2084,12 +2034,12 @@
             </a:ln>
           </p:spPr>
           <p:txBody>
-            <a:bodyPr spcFirstLastPara="1" wrap="square" lIns="91425" tIns="91425" rIns="91425" bIns="91425" anchor="ctr" anchorCtr="0">
+            <a:bodyPr anchorCtr="0" anchor="ctr" bIns="91425" lIns="91425" spcFirstLastPara="1" rIns="91425" wrap="square" tIns="91425">
               <a:noAutofit/>
             </a:bodyPr>
             <a:lstStyle/>
             <a:p>
-              <a:pPr marL="0" lvl="0" indent="0" algn="l" rtl="0">
+              <a:pPr indent="0" lvl="0" marL="0" rtl="0" algn="l">
                 <a:spcBef>
                   <a:spcPts val="0"/>
                 </a:spcBef>
@@ -2098,6 +2048,9 @@
                 </a:spcAft>
                 <a:buNone/>
               </a:pPr>
+              <a:r>
+                <a:t/>
+              </a:r>
               <a:endParaRPr/>
             </a:p>
           </p:txBody>
@@ -2106,11 +2059,9 @@
       <p:sp>
         <p:nvSpPr>
           <p:cNvPr id="77" name="Google Shape;77;p11"/>
-          <p:cNvSpPr txBox="1">
-            <a:spLocks noGrp="1"/>
-          </p:cNvSpPr>
+          <p:cNvSpPr txBox="1"/>
           <p:nvPr>
-            <p:ph type="title" hasCustomPrompt="1"/>
+            <p:ph hasCustomPrompt="1" type="title"/>
           </p:nvPr>
         </p:nvSpPr>
         <p:spPr>
@@ -2123,7 +2074,7 @@
           </a:prstGeom>
         </p:spPr>
         <p:txBody>
-          <a:bodyPr spcFirstLastPara="1" wrap="square" lIns="91425" tIns="91425" rIns="91425" bIns="91425" anchor="t" anchorCtr="0">
+          <a:bodyPr anchorCtr="0" anchor="t" bIns="91425" lIns="91425" spcFirstLastPara="1" rIns="91425" wrap="square" tIns="91425">
             <a:normAutofit/>
           </a:bodyPr>
           <a:lstStyle>
@@ -2300,11 +2251,9 @@
       <p:sp>
         <p:nvSpPr>
           <p:cNvPr id="78" name="Google Shape;78;p11"/>
-          <p:cNvSpPr txBox="1">
-            <a:spLocks noGrp="1"/>
-          </p:cNvSpPr>
+          <p:cNvSpPr txBox="1"/>
           <p:nvPr>
-            <p:ph type="body" idx="1"/>
+            <p:ph idx="1" type="body"/>
           </p:nvPr>
         </p:nvSpPr>
         <p:spPr>
@@ -2317,11 +2266,11 @@
           </a:prstGeom>
         </p:spPr>
         <p:txBody>
-          <a:bodyPr spcFirstLastPara="1" wrap="square" lIns="91425" tIns="91425" rIns="91425" bIns="91425" anchor="t" anchorCtr="0">
+          <a:bodyPr anchorCtr="0" anchor="t" bIns="91425" lIns="91425" spcFirstLastPara="1" rIns="91425" wrap="square" tIns="91425">
             <a:normAutofit/>
           </a:bodyPr>
           <a:lstStyle>
-            <a:lvl1pPr marL="457200" lvl="0" indent="-311150">
+            <a:lvl1pPr indent="-311150" lvl="0" marL="457200">
               <a:spcBef>
                 <a:spcPts val="0"/>
               </a:spcBef>
@@ -2339,7 +2288,7 @@
                 </a:solidFill>
               </a:defRPr>
             </a:lvl1pPr>
-            <a:lvl2pPr marL="914400" lvl="1" indent="-298450">
+            <a:lvl2pPr indent="-298450" lvl="1" marL="914400">
               <a:spcBef>
                 <a:spcPts val="0"/>
               </a:spcBef>
@@ -2357,7 +2306,7 @@
                 </a:solidFill>
               </a:defRPr>
             </a:lvl2pPr>
-            <a:lvl3pPr marL="1371600" lvl="2" indent="-298450">
+            <a:lvl3pPr indent="-298450" lvl="2" marL="1371600">
               <a:spcBef>
                 <a:spcPts val="0"/>
               </a:spcBef>
@@ -2375,7 +2324,7 @@
                 </a:solidFill>
               </a:defRPr>
             </a:lvl3pPr>
-            <a:lvl4pPr marL="1828800" lvl="3" indent="-298450">
+            <a:lvl4pPr indent="-298450" lvl="3" marL="1828800">
               <a:spcBef>
                 <a:spcPts val="0"/>
               </a:spcBef>
@@ -2393,7 +2342,7 @@
                 </a:solidFill>
               </a:defRPr>
             </a:lvl4pPr>
-            <a:lvl5pPr marL="2286000" lvl="4" indent="-298450">
+            <a:lvl5pPr indent="-298450" lvl="4" marL="2286000">
               <a:spcBef>
                 <a:spcPts val="0"/>
               </a:spcBef>
@@ -2411,7 +2360,7 @@
                 </a:solidFill>
               </a:defRPr>
             </a:lvl5pPr>
-            <a:lvl6pPr marL="2743200" lvl="5" indent="-298450">
+            <a:lvl6pPr indent="-298450" lvl="5" marL="2743200">
               <a:spcBef>
                 <a:spcPts val="0"/>
               </a:spcBef>
@@ -2429,7 +2378,7 @@
                 </a:solidFill>
               </a:defRPr>
             </a:lvl6pPr>
-            <a:lvl7pPr marL="3200400" lvl="6" indent="-298450">
+            <a:lvl7pPr indent="-298450" lvl="6" marL="3200400">
               <a:spcBef>
                 <a:spcPts val="0"/>
               </a:spcBef>
@@ -2447,7 +2396,7 @@
                 </a:solidFill>
               </a:defRPr>
             </a:lvl7pPr>
-            <a:lvl8pPr marL="3657600" lvl="7" indent="-298450">
+            <a:lvl8pPr indent="-298450" lvl="7" marL="3657600">
               <a:spcBef>
                 <a:spcPts val="0"/>
               </a:spcBef>
@@ -2465,7 +2414,7 @@
                 </a:solidFill>
               </a:defRPr>
             </a:lvl8pPr>
-            <a:lvl9pPr marL="4114800" lvl="8" indent="-298450">
+            <a:lvl9pPr indent="-298450" lvl="8" marL="4114800">
               <a:spcBef>
                 <a:spcPts val="0"/>
               </a:spcBef>
@@ -2484,19 +2433,15 @@
               </a:defRPr>
             </a:lvl9pPr>
           </a:lstStyle>
-          <a:p>
-            <a:endParaRPr/>
-          </a:p>
+          <a:p/>
         </p:txBody>
       </p:sp>
       <p:sp>
         <p:nvSpPr>
           <p:cNvPr id="79" name="Google Shape;79;p11"/>
-          <p:cNvSpPr txBox="1">
-            <a:spLocks noGrp="1"/>
-          </p:cNvSpPr>
+          <p:cNvSpPr txBox="1"/>
           <p:nvPr>
-            <p:ph type="sldNum" idx="12"/>
+            <p:ph idx="12" type="sldNum"/>
           </p:nvPr>
         </p:nvSpPr>
         <p:spPr>
@@ -2509,7 +2454,7 @@
           </a:prstGeom>
         </p:spPr>
         <p:txBody>
-          <a:bodyPr spcFirstLastPara="1" wrap="square" lIns="91425" tIns="91425" rIns="91425" bIns="91425" anchor="ctr" anchorCtr="0">
+          <a:bodyPr anchorCtr="0" anchor="ctr" bIns="91425" lIns="91425" spcFirstLastPara="1" rIns="91425" wrap="square" tIns="91425">
             <a:normAutofit/>
           </a:bodyPr>
           <a:lstStyle>
@@ -2587,7 +2532,7 @@
             </a:lvl9pPr>
           </a:lstStyle>
           <a:p>
-            <a:pPr marL="0" lvl="0" indent="0" algn="r" rtl="0">
+            <a:pPr indent="0" lvl="0" marL="0" rtl="0" algn="r">
               <a:spcBef>
                 <a:spcPts val="0"/>
               </a:spcBef>
@@ -2613,11 +2558,11 @@
 </file>
 
 <file path=ppt/slideLayouts/slideLayout11.xml><?xml version="1.0" encoding="utf-8"?>
-<p:sldLayout xmlns:a="http://schemas.openxmlformats.org/drawingml/2006/main" xmlns:r="http://schemas.openxmlformats.org/officeDocument/2006/relationships" xmlns:p="http://schemas.openxmlformats.org/presentationml/2006/main" matchingName="Blank" type="blank">
+<p:sldLayout xmlns:a="http://schemas.openxmlformats.org/drawingml/2006/main" xmlns:r="http://schemas.openxmlformats.org/officeDocument/2006/relationships" xmlns:mc="http://schemas.openxmlformats.org/markup-compatibility/2006" xmlns:mv="urn:schemas-microsoft-com:mac:vml" xmlns:p="http://schemas.openxmlformats.org/presentationml/2006/main" xmlns:c="http://schemas.openxmlformats.org/drawingml/2006/chart" xmlns:dgm="http://schemas.openxmlformats.org/drawingml/2006/diagram" xmlns:o="urn:schemas-microsoft-com:office:office" xmlns:v="urn:schemas-microsoft-com:vml" xmlns:pvml="urn:schemas-microsoft-com:office:powerpoint" xmlns:com="http://schemas.openxmlformats.org/drawingml/2006/compatibility" xmlns:p14="http://schemas.microsoft.com/office/powerpoint/2010/main" xmlns:p15="http://schemas.microsoft.com/office/powerpoint/2012/main" xmlns:ahyp="http://schemas.microsoft.com/office/drawing/2018/hyperlinkcolor" matchingName="Blank" type="blank">
   <p:cSld name="BLANK">
     <p:spTree>
       <p:nvGrpSpPr>
-        <p:cNvPr id="1" name="Shape 80"/>
+        <p:cNvPr id="80" name="Shape 80"/>
         <p:cNvGrpSpPr/>
         <p:nvPr/>
       </p:nvGrpSpPr>
@@ -2632,11 +2577,9 @@
       <p:sp>
         <p:nvSpPr>
           <p:cNvPr id="81" name="Google Shape;81;p12"/>
-          <p:cNvSpPr txBox="1">
-            <a:spLocks noGrp="1"/>
-          </p:cNvSpPr>
+          <p:cNvSpPr txBox="1"/>
           <p:nvPr>
-            <p:ph type="sldNum" idx="12"/>
+            <p:ph idx="12" type="sldNum"/>
           </p:nvPr>
         </p:nvSpPr>
         <p:spPr>
@@ -2649,7 +2592,7 @@
           </a:prstGeom>
         </p:spPr>
         <p:txBody>
-          <a:bodyPr spcFirstLastPara="1" wrap="square" lIns="91425" tIns="91425" rIns="91425" bIns="91425" anchor="ctr" anchorCtr="0">
+          <a:bodyPr anchorCtr="0" anchor="ctr" bIns="91425" lIns="91425" spcFirstLastPara="1" rIns="91425" wrap="square" tIns="91425">
             <a:normAutofit/>
           </a:bodyPr>
           <a:lstStyle>
@@ -2691,7 +2634,7 @@
             </a:lvl9pPr>
           </a:lstStyle>
           <a:p>
-            <a:pPr marL="0" lvl="0" indent="0" algn="r" rtl="0">
+            <a:pPr indent="0" lvl="0" marL="0" rtl="0" algn="r">
               <a:spcBef>
                 <a:spcPts val="0"/>
               </a:spcBef>
@@ -2717,19 +2660,18 @@
 </file>
 
 <file path=ppt/slideLayouts/slideLayout2.xml><?xml version="1.0" encoding="utf-8"?>
-<p:sldLayout xmlns:a="http://schemas.openxmlformats.org/drawingml/2006/main" xmlns:r="http://schemas.openxmlformats.org/officeDocument/2006/relationships" xmlns:p="http://schemas.openxmlformats.org/presentationml/2006/main" matchingName="Section header" type="secHead">
+<p:sldLayout xmlns:a="http://schemas.openxmlformats.org/drawingml/2006/main" xmlns:r="http://schemas.openxmlformats.org/officeDocument/2006/relationships" xmlns:mc="http://schemas.openxmlformats.org/markup-compatibility/2006" xmlns:mv="urn:schemas-microsoft-com:mac:vml" xmlns:p="http://schemas.openxmlformats.org/presentationml/2006/main" xmlns:c="http://schemas.openxmlformats.org/drawingml/2006/chart" xmlns:dgm="http://schemas.openxmlformats.org/drawingml/2006/diagram" xmlns:o="urn:schemas-microsoft-com:office:office" xmlns:v="urn:schemas-microsoft-com:vml" xmlns:pvml="urn:schemas-microsoft-com:office:powerpoint" xmlns:com="http://schemas.openxmlformats.org/drawingml/2006/compatibility" xmlns:p14="http://schemas.microsoft.com/office/powerpoint/2010/main" xmlns:p15="http://schemas.microsoft.com/office/powerpoint/2012/main" xmlns:ahyp="http://schemas.microsoft.com/office/drawing/2018/hyperlinkcolor" matchingName="Section header" type="secHead">
   <p:cSld name="SECTION_HEADER">
     <p:bg>
       <p:bgPr>
         <a:solidFill>
           <a:schemeClr val="dk1"/>
         </a:solidFill>
-        <a:effectLst/>
       </p:bgPr>
     </p:bg>
     <p:spTree>
       <p:nvGrpSpPr>
-        <p:cNvPr id="1" name="Shape 17"/>
+        <p:cNvPr id="17" name="Shape 17"/>
         <p:cNvGrpSpPr/>
         <p:nvPr/>
       </p:nvGrpSpPr>
@@ -2777,12 +2719,12 @@
             </a:ln>
           </p:spPr>
           <p:txBody>
-            <a:bodyPr spcFirstLastPara="1" wrap="square" lIns="91425" tIns="91425" rIns="91425" bIns="91425" anchor="ctr" anchorCtr="0">
+            <a:bodyPr anchorCtr="0" anchor="ctr" bIns="91425" lIns="91425" spcFirstLastPara="1" rIns="91425" wrap="square" tIns="91425">
               <a:noAutofit/>
             </a:bodyPr>
             <a:lstStyle/>
             <a:p>
-              <a:pPr marL="0" lvl="0" indent="0" algn="l" rtl="0">
+              <a:pPr indent="0" lvl="0" marL="0" rtl="0" algn="l">
                 <a:spcBef>
                   <a:spcPts val="0"/>
                 </a:spcBef>
@@ -2791,6 +2733,9 @@
                 </a:spcAft>
                 <a:buNone/>
               </a:pPr>
+              <a:r>
+                <a:t/>
+              </a:r>
               <a:endParaRPr/>
             </a:p>
           </p:txBody>
@@ -2817,12 +2762,12 @@
             </a:ln>
           </p:spPr>
           <p:txBody>
-            <a:bodyPr spcFirstLastPara="1" wrap="square" lIns="91425" tIns="91425" rIns="91425" bIns="91425" anchor="ctr" anchorCtr="0">
+            <a:bodyPr anchorCtr="0" anchor="ctr" bIns="91425" lIns="91425" spcFirstLastPara="1" rIns="91425" wrap="square" tIns="91425">
               <a:noAutofit/>
             </a:bodyPr>
             <a:lstStyle/>
             <a:p>
-              <a:pPr marL="0" lvl="0" indent="0" algn="l" rtl="0">
+              <a:pPr indent="0" lvl="0" marL="0" rtl="0" algn="l">
                 <a:spcBef>
                   <a:spcPts val="0"/>
                 </a:spcBef>
@@ -2831,6 +2776,9 @@
                 </a:spcAft>
                 <a:buNone/>
               </a:pPr>
+              <a:r>
+                <a:t/>
+              </a:r>
               <a:endParaRPr/>
             </a:p>
           </p:txBody>
@@ -2839,9 +2787,7 @@
       <p:sp>
         <p:nvSpPr>
           <p:cNvPr id="21" name="Google Shape;21;p3"/>
-          <p:cNvSpPr txBox="1">
-            <a:spLocks noGrp="1"/>
-          </p:cNvSpPr>
+          <p:cNvSpPr txBox="1"/>
           <p:nvPr>
             <p:ph type="title"/>
           </p:nvPr>
@@ -2856,7 +2802,7 @@
           </a:prstGeom>
         </p:spPr>
         <p:txBody>
-          <a:bodyPr spcFirstLastPara="1" wrap="square" lIns="91425" tIns="91425" rIns="91425" bIns="91425" anchor="t" anchorCtr="0">
+          <a:bodyPr anchorCtr="0" anchor="t" bIns="91425" lIns="91425" spcFirstLastPara="1" rIns="91425" wrap="square" tIns="91425">
             <a:normAutofit/>
           </a:bodyPr>
           <a:lstStyle>
@@ -3023,19 +2969,15 @@
               </a:defRPr>
             </a:lvl9pPr>
           </a:lstStyle>
-          <a:p>
-            <a:endParaRPr/>
-          </a:p>
+          <a:p/>
         </p:txBody>
       </p:sp>
       <p:sp>
         <p:nvSpPr>
           <p:cNvPr id="22" name="Google Shape;22;p3"/>
-          <p:cNvSpPr txBox="1">
-            <a:spLocks noGrp="1"/>
-          </p:cNvSpPr>
+          <p:cNvSpPr txBox="1"/>
           <p:nvPr>
-            <p:ph type="sldNum" idx="12"/>
+            <p:ph idx="12" type="sldNum"/>
           </p:nvPr>
         </p:nvSpPr>
         <p:spPr>
@@ -3048,7 +2990,7 @@
           </a:prstGeom>
         </p:spPr>
         <p:txBody>
-          <a:bodyPr spcFirstLastPara="1" wrap="square" lIns="91425" tIns="91425" rIns="91425" bIns="91425" anchor="ctr" anchorCtr="0">
+          <a:bodyPr anchorCtr="0" anchor="ctr" bIns="91425" lIns="91425" spcFirstLastPara="1" rIns="91425" wrap="square" tIns="91425">
             <a:normAutofit/>
           </a:bodyPr>
           <a:lstStyle>
@@ -3126,7 +3068,7 @@
             </a:lvl9pPr>
           </a:lstStyle>
           <a:p>
-            <a:pPr marL="0" lvl="0" indent="0" algn="r" rtl="0">
+            <a:pPr indent="0" lvl="0" marL="0" rtl="0" algn="r">
               <a:spcBef>
                 <a:spcPts val="0"/>
               </a:spcBef>
@@ -3152,11 +3094,11 @@
 </file>
 
 <file path=ppt/slideLayouts/slideLayout3.xml><?xml version="1.0" encoding="utf-8"?>
-<p:sldLayout xmlns:a="http://schemas.openxmlformats.org/drawingml/2006/main" xmlns:r="http://schemas.openxmlformats.org/officeDocument/2006/relationships" xmlns:p="http://schemas.openxmlformats.org/presentationml/2006/main" matchingName="Title and body" type="tx">
+<p:sldLayout xmlns:a="http://schemas.openxmlformats.org/drawingml/2006/main" xmlns:r="http://schemas.openxmlformats.org/officeDocument/2006/relationships" xmlns:mc="http://schemas.openxmlformats.org/markup-compatibility/2006" xmlns:mv="urn:schemas-microsoft-com:mac:vml" xmlns:p="http://schemas.openxmlformats.org/presentationml/2006/main" xmlns:c="http://schemas.openxmlformats.org/drawingml/2006/chart" xmlns:dgm="http://schemas.openxmlformats.org/drawingml/2006/diagram" xmlns:o="urn:schemas-microsoft-com:office:office" xmlns:v="urn:schemas-microsoft-com:vml" xmlns:pvml="urn:schemas-microsoft-com:office:powerpoint" xmlns:com="http://schemas.openxmlformats.org/drawingml/2006/compatibility" xmlns:p14="http://schemas.microsoft.com/office/powerpoint/2010/main" xmlns:p15="http://schemas.microsoft.com/office/powerpoint/2012/main" xmlns:ahyp="http://schemas.microsoft.com/office/drawing/2018/hyperlinkcolor" matchingName="Title and body" type="tx">
   <p:cSld name="TITLE_AND_BODY">
     <p:spTree>
       <p:nvGrpSpPr>
-        <p:cNvPr id="1" name="Shape 23"/>
+        <p:cNvPr id="23" name="Shape 23"/>
         <p:cNvGrpSpPr/>
         <p:nvPr/>
       </p:nvGrpSpPr>
@@ -3190,12 +3132,12 @@
           </a:ln>
         </p:spPr>
         <p:txBody>
-          <a:bodyPr spcFirstLastPara="1" wrap="square" lIns="91425" tIns="91425" rIns="91425" bIns="91425" anchor="ctr" anchorCtr="0">
+          <a:bodyPr anchorCtr="0" anchor="ctr" bIns="91425" lIns="91425" spcFirstLastPara="1" rIns="91425" wrap="square" tIns="91425">
             <a:noAutofit/>
           </a:bodyPr>
           <a:lstStyle/>
           <a:p>
-            <a:pPr marL="0" lvl="0" indent="0" algn="l" rtl="0">
+            <a:pPr indent="0" lvl="0" marL="0" rtl="0" algn="l">
               <a:spcBef>
                 <a:spcPts val="0"/>
               </a:spcBef>
@@ -3204,6 +3146,9 @@
               </a:spcAft>
               <a:buNone/>
             </a:pPr>
+            <a:r>
+              <a:t/>
+            </a:r>
             <a:endParaRPr/>
           </a:p>
         </p:txBody>
@@ -3244,12 +3189,12 @@
             </a:ln>
           </p:spPr>
           <p:txBody>
-            <a:bodyPr spcFirstLastPara="1" wrap="square" lIns="91425" tIns="91425" rIns="91425" bIns="91425" anchor="ctr" anchorCtr="0">
+            <a:bodyPr anchorCtr="0" anchor="ctr" bIns="91425" lIns="91425" spcFirstLastPara="1" rIns="91425" wrap="square" tIns="91425">
               <a:noAutofit/>
             </a:bodyPr>
             <a:lstStyle/>
             <a:p>
-              <a:pPr marL="0" lvl="0" indent="0" algn="l" rtl="0">
+              <a:pPr indent="0" lvl="0" marL="0" rtl="0" algn="l">
                 <a:spcBef>
                   <a:spcPts val="0"/>
                 </a:spcBef>
@@ -3258,6 +3203,9 @@
                 </a:spcAft>
                 <a:buNone/>
               </a:pPr>
+              <a:r>
+                <a:t/>
+              </a:r>
               <a:endParaRPr/>
             </a:p>
           </p:txBody>
@@ -3284,12 +3232,12 @@
             </a:ln>
           </p:spPr>
           <p:txBody>
-            <a:bodyPr spcFirstLastPara="1" wrap="square" lIns="91425" tIns="91425" rIns="91425" bIns="91425" anchor="ctr" anchorCtr="0">
+            <a:bodyPr anchorCtr="0" anchor="ctr" bIns="91425" lIns="91425" spcFirstLastPara="1" rIns="91425" wrap="square" tIns="91425">
               <a:noAutofit/>
             </a:bodyPr>
             <a:lstStyle/>
             <a:p>
-              <a:pPr marL="0" lvl="0" indent="0" algn="l" rtl="0">
+              <a:pPr indent="0" lvl="0" marL="0" rtl="0" algn="l">
                 <a:spcBef>
                   <a:spcPts val="0"/>
                 </a:spcBef>
@@ -3298,6 +3246,9 @@
                 </a:spcAft>
                 <a:buNone/>
               </a:pPr>
+              <a:r>
+                <a:t/>
+              </a:r>
               <a:endParaRPr/>
             </a:p>
           </p:txBody>
@@ -3306,9 +3257,7 @@
       <p:sp>
         <p:nvSpPr>
           <p:cNvPr id="28" name="Google Shape;28;p4"/>
-          <p:cNvSpPr txBox="1">
-            <a:spLocks noGrp="1"/>
-          </p:cNvSpPr>
+          <p:cNvSpPr txBox="1"/>
           <p:nvPr>
             <p:ph type="title"/>
           </p:nvPr>
@@ -3323,7 +3272,7 @@
           </a:prstGeom>
         </p:spPr>
         <p:txBody>
-          <a:bodyPr spcFirstLastPara="1" wrap="square" lIns="91425" tIns="91425" rIns="91425" bIns="91425" anchor="t" anchorCtr="0">
+          <a:bodyPr anchorCtr="0" anchor="t" bIns="91425" lIns="91425" spcFirstLastPara="1" rIns="91425" wrap="square" tIns="91425">
             <a:normAutofit/>
           </a:bodyPr>
           <a:lstStyle>
@@ -3427,19 +3376,15 @@
               <a:defRPr sz="2600"/>
             </a:lvl9pPr>
           </a:lstStyle>
-          <a:p>
-            <a:endParaRPr/>
-          </a:p>
+          <a:p/>
         </p:txBody>
       </p:sp>
       <p:sp>
         <p:nvSpPr>
           <p:cNvPr id="29" name="Google Shape;29;p4"/>
-          <p:cNvSpPr txBox="1">
-            <a:spLocks noGrp="1"/>
-          </p:cNvSpPr>
+          <p:cNvSpPr txBox="1"/>
           <p:nvPr>
-            <p:ph type="body" idx="1"/>
+            <p:ph idx="1" type="body"/>
           </p:nvPr>
         </p:nvSpPr>
         <p:spPr>
@@ -3452,11 +3397,11 @@
           </a:prstGeom>
         </p:spPr>
         <p:txBody>
-          <a:bodyPr spcFirstLastPara="1" wrap="square" lIns="91425" tIns="91425" rIns="91425" bIns="91425" anchor="t" anchorCtr="0">
+          <a:bodyPr anchorCtr="0" anchor="t" bIns="91425" lIns="91425" spcFirstLastPara="1" rIns="91425" wrap="square" tIns="91425">
             <a:normAutofit/>
           </a:bodyPr>
           <a:lstStyle>
-            <a:lvl1pPr marL="457200" lvl="0" indent="-311150">
+            <a:lvl1pPr indent="-311150" lvl="0" marL="457200">
               <a:spcBef>
                 <a:spcPts val="0"/>
               </a:spcBef>
@@ -3467,7 +3412,7 @@
               <a:buChar char="●"/>
               <a:defRPr/>
             </a:lvl1pPr>
-            <a:lvl2pPr marL="914400" lvl="1" indent="-298450">
+            <a:lvl2pPr indent="-298450" lvl="1" marL="914400">
               <a:spcBef>
                 <a:spcPts val="0"/>
               </a:spcBef>
@@ -3478,7 +3423,7 @@
               <a:buChar char="○"/>
               <a:defRPr/>
             </a:lvl2pPr>
-            <a:lvl3pPr marL="1371600" lvl="2" indent="-298450">
+            <a:lvl3pPr indent="-298450" lvl="2" marL="1371600">
               <a:spcBef>
                 <a:spcPts val="0"/>
               </a:spcBef>
@@ -3489,7 +3434,7 @@
               <a:buChar char="■"/>
               <a:defRPr/>
             </a:lvl3pPr>
-            <a:lvl4pPr marL="1828800" lvl="3" indent="-298450">
+            <a:lvl4pPr indent="-298450" lvl="3" marL="1828800">
               <a:spcBef>
                 <a:spcPts val="0"/>
               </a:spcBef>
@@ -3500,7 +3445,7 @@
               <a:buChar char="●"/>
               <a:defRPr/>
             </a:lvl4pPr>
-            <a:lvl5pPr marL="2286000" lvl="4" indent="-298450">
+            <a:lvl5pPr indent="-298450" lvl="4" marL="2286000">
               <a:spcBef>
                 <a:spcPts val="0"/>
               </a:spcBef>
@@ -3511,7 +3456,7 @@
               <a:buChar char="○"/>
               <a:defRPr/>
             </a:lvl5pPr>
-            <a:lvl6pPr marL="2743200" lvl="5" indent="-298450">
+            <a:lvl6pPr indent="-298450" lvl="5" marL="2743200">
               <a:spcBef>
                 <a:spcPts val="0"/>
               </a:spcBef>
@@ -3522,7 +3467,7 @@
               <a:buChar char="■"/>
               <a:defRPr/>
             </a:lvl6pPr>
-            <a:lvl7pPr marL="3200400" lvl="6" indent="-298450">
+            <a:lvl7pPr indent="-298450" lvl="6" marL="3200400">
               <a:spcBef>
                 <a:spcPts val="0"/>
               </a:spcBef>
@@ -3533,7 +3478,7 @@
               <a:buChar char="●"/>
               <a:defRPr/>
             </a:lvl7pPr>
-            <a:lvl8pPr marL="3657600" lvl="7" indent="-298450">
+            <a:lvl8pPr indent="-298450" lvl="7" marL="3657600">
               <a:spcBef>
                 <a:spcPts val="0"/>
               </a:spcBef>
@@ -3544,7 +3489,7 @@
               <a:buChar char="○"/>
               <a:defRPr/>
             </a:lvl8pPr>
-            <a:lvl9pPr marL="4114800" lvl="8" indent="-298450">
+            <a:lvl9pPr indent="-298450" lvl="8" marL="4114800">
               <a:spcBef>
                 <a:spcPts val="0"/>
               </a:spcBef>
@@ -3556,19 +3501,15 @@
               <a:defRPr/>
             </a:lvl9pPr>
           </a:lstStyle>
-          <a:p>
-            <a:endParaRPr/>
-          </a:p>
+          <a:p/>
         </p:txBody>
       </p:sp>
       <p:sp>
         <p:nvSpPr>
           <p:cNvPr id="30" name="Google Shape;30;p4"/>
-          <p:cNvSpPr txBox="1">
-            <a:spLocks noGrp="1"/>
-          </p:cNvSpPr>
+          <p:cNvSpPr txBox="1"/>
           <p:nvPr>
-            <p:ph type="sldNum" idx="12"/>
+            <p:ph idx="12" type="sldNum"/>
           </p:nvPr>
         </p:nvSpPr>
         <p:spPr>
@@ -3581,7 +3522,7 @@
           </a:prstGeom>
         </p:spPr>
         <p:txBody>
-          <a:bodyPr spcFirstLastPara="1" wrap="square" lIns="91425" tIns="91425" rIns="91425" bIns="91425" anchor="ctr" anchorCtr="0">
+          <a:bodyPr anchorCtr="0" anchor="ctr" bIns="91425" lIns="91425" spcFirstLastPara="1" rIns="91425" wrap="square" tIns="91425">
             <a:normAutofit/>
           </a:bodyPr>
           <a:lstStyle>
@@ -3623,7 +3564,7 @@
             </a:lvl9pPr>
           </a:lstStyle>
           <a:p>
-            <a:pPr marL="0" lvl="0" indent="0" algn="r" rtl="0">
+            <a:pPr indent="0" lvl="0" marL="0" rtl="0" algn="r">
               <a:spcBef>
                 <a:spcPts val="0"/>
               </a:spcBef>
@@ -3649,11 +3590,11 @@
 </file>
 
 <file path=ppt/slideLayouts/slideLayout4.xml><?xml version="1.0" encoding="utf-8"?>
-<p:sldLayout xmlns:a="http://schemas.openxmlformats.org/drawingml/2006/main" xmlns:r="http://schemas.openxmlformats.org/officeDocument/2006/relationships" xmlns:p="http://schemas.openxmlformats.org/presentationml/2006/main" matchingName="Title and two columns" type="twoColTx">
+<p:sldLayout xmlns:a="http://schemas.openxmlformats.org/drawingml/2006/main" xmlns:r="http://schemas.openxmlformats.org/officeDocument/2006/relationships" xmlns:mc="http://schemas.openxmlformats.org/markup-compatibility/2006" xmlns:mv="urn:schemas-microsoft-com:mac:vml" xmlns:p="http://schemas.openxmlformats.org/presentationml/2006/main" xmlns:c="http://schemas.openxmlformats.org/drawingml/2006/chart" xmlns:dgm="http://schemas.openxmlformats.org/drawingml/2006/diagram" xmlns:o="urn:schemas-microsoft-com:office:office" xmlns:v="urn:schemas-microsoft-com:vml" xmlns:pvml="urn:schemas-microsoft-com:office:powerpoint" xmlns:com="http://schemas.openxmlformats.org/drawingml/2006/compatibility" xmlns:p14="http://schemas.microsoft.com/office/powerpoint/2010/main" xmlns:p15="http://schemas.microsoft.com/office/powerpoint/2012/main" xmlns:ahyp="http://schemas.microsoft.com/office/drawing/2018/hyperlinkcolor" matchingName="Title and two columns" type="twoColTx">
   <p:cSld name="TITLE_AND_TWO_COLUMNS">
     <p:spTree>
       <p:nvGrpSpPr>
-        <p:cNvPr id="1" name="Shape 31"/>
+        <p:cNvPr id="31" name="Shape 31"/>
         <p:cNvGrpSpPr/>
         <p:nvPr/>
       </p:nvGrpSpPr>
@@ -3687,12 +3628,12 @@
           </a:ln>
         </p:spPr>
         <p:txBody>
-          <a:bodyPr spcFirstLastPara="1" wrap="square" lIns="91425" tIns="91425" rIns="91425" bIns="91425" anchor="ctr" anchorCtr="0">
+          <a:bodyPr anchorCtr="0" anchor="ctr" bIns="91425" lIns="91425" spcFirstLastPara="1" rIns="91425" wrap="square" tIns="91425">
             <a:noAutofit/>
           </a:bodyPr>
           <a:lstStyle/>
           <a:p>
-            <a:pPr marL="0" lvl="0" indent="0" algn="l" rtl="0">
+            <a:pPr indent="0" lvl="0" marL="0" rtl="0" algn="l">
               <a:spcBef>
                 <a:spcPts val="0"/>
               </a:spcBef>
@@ -3701,6 +3642,9 @@
               </a:spcAft>
               <a:buNone/>
             </a:pPr>
+            <a:r>
+              <a:t/>
+            </a:r>
             <a:endParaRPr/>
           </a:p>
         </p:txBody>
@@ -3741,12 +3685,12 @@
             </a:ln>
           </p:spPr>
           <p:txBody>
-            <a:bodyPr spcFirstLastPara="1" wrap="square" lIns="91425" tIns="91425" rIns="91425" bIns="91425" anchor="ctr" anchorCtr="0">
+            <a:bodyPr anchorCtr="0" anchor="ctr" bIns="91425" lIns="91425" spcFirstLastPara="1" rIns="91425" wrap="square" tIns="91425">
               <a:noAutofit/>
             </a:bodyPr>
             <a:lstStyle/>
             <a:p>
-              <a:pPr marL="0" lvl="0" indent="0" algn="l" rtl="0">
+              <a:pPr indent="0" lvl="0" marL="0" rtl="0" algn="l">
                 <a:spcBef>
                   <a:spcPts val="0"/>
                 </a:spcBef>
@@ -3755,6 +3699,9 @@
                 </a:spcAft>
                 <a:buNone/>
               </a:pPr>
+              <a:r>
+                <a:t/>
+              </a:r>
               <a:endParaRPr/>
             </a:p>
           </p:txBody>
@@ -3781,12 +3728,12 @@
             </a:ln>
           </p:spPr>
           <p:txBody>
-            <a:bodyPr spcFirstLastPara="1" wrap="square" lIns="91425" tIns="91425" rIns="91425" bIns="91425" anchor="ctr" anchorCtr="0">
+            <a:bodyPr anchorCtr="0" anchor="ctr" bIns="91425" lIns="91425" spcFirstLastPara="1" rIns="91425" wrap="square" tIns="91425">
               <a:noAutofit/>
             </a:bodyPr>
             <a:lstStyle/>
             <a:p>
-              <a:pPr marL="0" lvl="0" indent="0" algn="l" rtl="0">
+              <a:pPr indent="0" lvl="0" marL="0" rtl="0" algn="l">
                 <a:spcBef>
                   <a:spcPts val="0"/>
                 </a:spcBef>
@@ -3795,6 +3742,9 @@
                 </a:spcAft>
                 <a:buNone/>
               </a:pPr>
+              <a:r>
+                <a:t/>
+              </a:r>
               <a:endParaRPr/>
             </a:p>
           </p:txBody>
@@ -3803,9 +3753,7 @@
       <p:sp>
         <p:nvSpPr>
           <p:cNvPr id="36" name="Google Shape;36;p5"/>
-          <p:cNvSpPr txBox="1">
-            <a:spLocks noGrp="1"/>
-          </p:cNvSpPr>
+          <p:cNvSpPr txBox="1"/>
           <p:nvPr>
             <p:ph type="title"/>
           </p:nvPr>
@@ -3820,7 +3768,7 @@
           </a:prstGeom>
         </p:spPr>
         <p:txBody>
-          <a:bodyPr spcFirstLastPara="1" wrap="square" lIns="91425" tIns="91425" rIns="91425" bIns="91425" anchor="t" anchorCtr="0">
+          <a:bodyPr anchorCtr="0" anchor="t" bIns="91425" lIns="91425" spcFirstLastPara="1" rIns="91425" wrap="square" tIns="91425">
             <a:normAutofit/>
           </a:bodyPr>
           <a:lstStyle>
@@ -3924,19 +3872,15 @@
               <a:defRPr sz="2600"/>
             </a:lvl9pPr>
           </a:lstStyle>
-          <a:p>
-            <a:endParaRPr/>
-          </a:p>
+          <a:p/>
         </p:txBody>
       </p:sp>
       <p:sp>
         <p:nvSpPr>
           <p:cNvPr id="37" name="Google Shape;37;p5"/>
-          <p:cNvSpPr txBox="1">
-            <a:spLocks noGrp="1"/>
-          </p:cNvSpPr>
+          <p:cNvSpPr txBox="1"/>
           <p:nvPr>
-            <p:ph type="body" idx="1"/>
+            <p:ph idx="1" type="body"/>
           </p:nvPr>
         </p:nvSpPr>
         <p:spPr>
@@ -3949,11 +3893,11 @@
           </a:prstGeom>
         </p:spPr>
         <p:txBody>
-          <a:bodyPr spcFirstLastPara="1" wrap="square" lIns="91425" tIns="91425" rIns="91425" bIns="91425" anchor="t" anchorCtr="0">
+          <a:bodyPr anchorCtr="0" anchor="t" bIns="91425" lIns="91425" spcFirstLastPara="1" rIns="91425" wrap="square" tIns="91425">
             <a:normAutofit/>
           </a:bodyPr>
           <a:lstStyle>
-            <a:lvl1pPr marL="457200" lvl="0" indent="-311150">
+            <a:lvl1pPr indent="-311150" lvl="0" marL="457200">
               <a:spcBef>
                 <a:spcPts val="0"/>
               </a:spcBef>
@@ -3964,7 +3908,7 @@
               <a:buChar char="●"/>
               <a:defRPr/>
             </a:lvl1pPr>
-            <a:lvl2pPr marL="914400" lvl="1" indent="-298450">
+            <a:lvl2pPr indent="-298450" lvl="1" marL="914400">
               <a:spcBef>
                 <a:spcPts val="0"/>
               </a:spcBef>
@@ -3975,7 +3919,7 @@
               <a:buChar char="○"/>
               <a:defRPr/>
             </a:lvl2pPr>
-            <a:lvl3pPr marL="1371600" lvl="2" indent="-298450">
+            <a:lvl3pPr indent="-298450" lvl="2" marL="1371600">
               <a:spcBef>
                 <a:spcPts val="0"/>
               </a:spcBef>
@@ -3986,7 +3930,7 @@
               <a:buChar char="■"/>
               <a:defRPr/>
             </a:lvl3pPr>
-            <a:lvl4pPr marL="1828800" lvl="3" indent="-298450">
+            <a:lvl4pPr indent="-298450" lvl="3" marL="1828800">
               <a:spcBef>
                 <a:spcPts val="0"/>
               </a:spcBef>
@@ -3997,7 +3941,7 @@
               <a:buChar char="●"/>
               <a:defRPr/>
             </a:lvl4pPr>
-            <a:lvl5pPr marL="2286000" lvl="4" indent="-298450">
+            <a:lvl5pPr indent="-298450" lvl="4" marL="2286000">
               <a:spcBef>
                 <a:spcPts val="0"/>
               </a:spcBef>
@@ -4008,7 +3952,7 @@
               <a:buChar char="○"/>
               <a:defRPr/>
             </a:lvl5pPr>
-            <a:lvl6pPr marL="2743200" lvl="5" indent="-298450">
+            <a:lvl6pPr indent="-298450" lvl="5" marL="2743200">
               <a:spcBef>
                 <a:spcPts val="0"/>
               </a:spcBef>
@@ -4019,7 +3963,7 @@
               <a:buChar char="■"/>
               <a:defRPr/>
             </a:lvl6pPr>
-            <a:lvl7pPr marL="3200400" lvl="6" indent="-298450">
+            <a:lvl7pPr indent="-298450" lvl="6" marL="3200400">
               <a:spcBef>
                 <a:spcPts val="0"/>
               </a:spcBef>
@@ -4030,7 +3974,7 @@
               <a:buChar char="●"/>
               <a:defRPr/>
             </a:lvl7pPr>
-            <a:lvl8pPr marL="3657600" lvl="7" indent="-298450">
+            <a:lvl8pPr indent="-298450" lvl="7" marL="3657600">
               <a:spcBef>
                 <a:spcPts val="0"/>
               </a:spcBef>
@@ -4041,7 +3985,7 @@
               <a:buChar char="○"/>
               <a:defRPr/>
             </a:lvl8pPr>
-            <a:lvl9pPr marL="4114800" lvl="8" indent="-298450">
+            <a:lvl9pPr indent="-298450" lvl="8" marL="4114800">
               <a:spcBef>
                 <a:spcPts val="0"/>
               </a:spcBef>
@@ -4053,19 +3997,15 @@
               <a:defRPr/>
             </a:lvl9pPr>
           </a:lstStyle>
-          <a:p>
-            <a:endParaRPr/>
-          </a:p>
+          <a:p/>
         </p:txBody>
       </p:sp>
       <p:sp>
         <p:nvSpPr>
           <p:cNvPr id="38" name="Google Shape;38;p5"/>
-          <p:cNvSpPr txBox="1">
-            <a:spLocks noGrp="1"/>
-          </p:cNvSpPr>
+          <p:cNvSpPr txBox="1"/>
           <p:nvPr>
-            <p:ph type="body" idx="2"/>
+            <p:ph idx="2" type="body"/>
           </p:nvPr>
         </p:nvSpPr>
         <p:spPr>
@@ -4078,11 +4018,11 @@
           </a:prstGeom>
         </p:spPr>
         <p:txBody>
-          <a:bodyPr spcFirstLastPara="1" wrap="square" lIns="91425" tIns="91425" rIns="91425" bIns="91425" anchor="t" anchorCtr="0">
+          <a:bodyPr anchorCtr="0" anchor="t" bIns="91425" lIns="91425" spcFirstLastPara="1" rIns="91425" wrap="square" tIns="91425">
             <a:normAutofit/>
           </a:bodyPr>
           <a:lstStyle>
-            <a:lvl1pPr marL="457200" lvl="0" indent="-311150">
+            <a:lvl1pPr indent="-311150" lvl="0" marL="457200">
               <a:spcBef>
                 <a:spcPts val="0"/>
               </a:spcBef>
@@ -4093,7 +4033,7 @@
               <a:buChar char="●"/>
               <a:defRPr/>
             </a:lvl1pPr>
-            <a:lvl2pPr marL="914400" lvl="1" indent="-298450">
+            <a:lvl2pPr indent="-298450" lvl="1" marL="914400">
               <a:spcBef>
                 <a:spcPts val="0"/>
               </a:spcBef>
@@ -4104,7 +4044,7 @@
               <a:buChar char="○"/>
               <a:defRPr/>
             </a:lvl2pPr>
-            <a:lvl3pPr marL="1371600" lvl="2" indent="-298450">
+            <a:lvl3pPr indent="-298450" lvl="2" marL="1371600">
               <a:spcBef>
                 <a:spcPts val="0"/>
               </a:spcBef>
@@ -4115,7 +4055,7 @@
               <a:buChar char="■"/>
               <a:defRPr/>
             </a:lvl3pPr>
-            <a:lvl4pPr marL="1828800" lvl="3" indent="-298450">
+            <a:lvl4pPr indent="-298450" lvl="3" marL="1828800">
               <a:spcBef>
                 <a:spcPts val="0"/>
               </a:spcBef>
@@ -4126,7 +4066,7 @@
               <a:buChar char="●"/>
               <a:defRPr/>
             </a:lvl4pPr>
-            <a:lvl5pPr marL="2286000" lvl="4" indent="-298450">
+            <a:lvl5pPr indent="-298450" lvl="4" marL="2286000">
               <a:spcBef>
                 <a:spcPts val="0"/>
               </a:spcBef>
@@ -4137,7 +4077,7 @@
               <a:buChar char="○"/>
               <a:defRPr/>
             </a:lvl5pPr>
-            <a:lvl6pPr marL="2743200" lvl="5" indent="-298450">
+            <a:lvl6pPr indent="-298450" lvl="5" marL="2743200">
               <a:spcBef>
                 <a:spcPts val="0"/>
               </a:spcBef>
@@ -4148,7 +4088,7 @@
               <a:buChar char="■"/>
               <a:defRPr/>
             </a:lvl6pPr>
-            <a:lvl7pPr marL="3200400" lvl="6" indent="-298450">
+            <a:lvl7pPr indent="-298450" lvl="6" marL="3200400">
               <a:spcBef>
                 <a:spcPts val="0"/>
               </a:spcBef>
@@ -4159,7 +4099,7 @@
               <a:buChar char="●"/>
               <a:defRPr/>
             </a:lvl7pPr>
-            <a:lvl8pPr marL="3657600" lvl="7" indent="-298450">
+            <a:lvl8pPr indent="-298450" lvl="7" marL="3657600">
               <a:spcBef>
                 <a:spcPts val="0"/>
               </a:spcBef>
@@ -4170,7 +4110,7 @@
               <a:buChar char="○"/>
               <a:defRPr/>
             </a:lvl8pPr>
-            <a:lvl9pPr marL="4114800" lvl="8" indent="-298450">
+            <a:lvl9pPr indent="-298450" lvl="8" marL="4114800">
               <a:spcBef>
                 <a:spcPts val="0"/>
               </a:spcBef>
@@ -4182,19 +4122,15 @@
               <a:defRPr/>
             </a:lvl9pPr>
           </a:lstStyle>
-          <a:p>
-            <a:endParaRPr/>
-          </a:p>
+          <a:p/>
         </p:txBody>
       </p:sp>
       <p:sp>
         <p:nvSpPr>
           <p:cNvPr id="39" name="Google Shape;39;p5"/>
-          <p:cNvSpPr txBox="1">
-            <a:spLocks noGrp="1"/>
-          </p:cNvSpPr>
+          <p:cNvSpPr txBox="1"/>
           <p:nvPr>
-            <p:ph type="sldNum" idx="12"/>
+            <p:ph idx="12" type="sldNum"/>
           </p:nvPr>
         </p:nvSpPr>
         <p:spPr>
@@ -4207,7 +4143,7 @@
           </a:prstGeom>
         </p:spPr>
         <p:txBody>
-          <a:bodyPr spcFirstLastPara="1" wrap="square" lIns="91425" tIns="91425" rIns="91425" bIns="91425" anchor="ctr" anchorCtr="0">
+          <a:bodyPr anchorCtr="0" anchor="ctr" bIns="91425" lIns="91425" spcFirstLastPara="1" rIns="91425" wrap="square" tIns="91425">
             <a:normAutofit/>
           </a:bodyPr>
           <a:lstStyle>
@@ -4249,7 +4185,7 @@
             </a:lvl9pPr>
           </a:lstStyle>
           <a:p>
-            <a:pPr marL="0" lvl="0" indent="0" algn="r" rtl="0">
+            <a:pPr indent="0" lvl="0" marL="0" rtl="0" algn="r">
               <a:spcBef>
                 <a:spcPts val="0"/>
               </a:spcBef>
@@ -4275,11 +4211,11 @@
 </file>
 
 <file path=ppt/slideLayouts/slideLayout5.xml><?xml version="1.0" encoding="utf-8"?>
-<p:sldLayout xmlns:a="http://schemas.openxmlformats.org/drawingml/2006/main" xmlns:r="http://schemas.openxmlformats.org/officeDocument/2006/relationships" xmlns:p="http://schemas.openxmlformats.org/presentationml/2006/main" matchingName="Title only" type="titleOnly">
+<p:sldLayout xmlns:a="http://schemas.openxmlformats.org/drawingml/2006/main" xmlns:r="http://schemas.openxmlformats.org/officeDocument/2006/relationships" xmlns:mc="http://schemas.openxmlformats.org/markup-compatibility/2006" xmlns:mv="urn:schemas-microsoft-com:mac:vml" xmlns:p="http://schemas.openxmlformats.org/presentationml/2006/main" xmlns:c="http://schemas.openxmlformats.org/drawingml/2006/chart" xmlns:dgm="http://schemas.openxmlformats.org/drawingml/2006/diagram" xmlns:o="urn:schemas-microsoft-com:office:office" xmlns:v="urn:schemas-microsoft-com:vml" xmlns:pvml="urn:schemas-microsoft-com:office:powerpoint" xmlns:com="http://schemas.openxmlformats.org/drawingml/2006/compatibility" xmlns:p14="http://schemas.microsoft.com/office/powerpoint/2010/main" xmlns:p15="http://schemas.microsoft.com/office/powerpoint/2012/main" xmlns:ahyp="http://schemas.microsoft.com/office/drawing/2018/hyperlinkcolor" matchingName="Title only" type="titleOnly">
   <p:cSld name="TITLE_ONLY">
     <p:spTree>
       <p:nvGrpSpPr>
-        <p:cNvPr id="1" name="Shape 40"/>
+        <p:cNvPr id="40" name="Shape 40"/>
         <p:cNvGrpSpPr/>
         <p:nvPr/>
       </p:nvGrpSpPr>
@@ -4313,12 +4249,12 @@
           </a:ln>
         </p:spPr>
         <p:txBody>
-          <a:bodyPr spcFirstLastPara="1" wrap="square" lIns="91425" tIns="91425" rIns="91425" bIns="91425" anchor="ctr" anchorCtr="0">
+          <a:bodyPr anchorCtr="0" anchor="ctr" bIns="91425" lIns="91425" spcFirstLastPara="1" rIns="91425" wrap="square" tIns="91425">
             <a:noAutofit/>
           </a:bodyPr>
           <a:lstStyle/>
           <a:p>
-            <a:pPr marL="0" lvl="0" indent="0" algn="l" rtl="0">
+            <a:pPr indent="0" lvl="0" marL="0" rtl="0" algn="l">
               <a:spcBef>
                 <a:spcPts val="0"/>
               </a:spcBef>
@@ -4327,6 +4263,9 @@
               </a:spcAft>
               <a:buNone/>
             </a:pPr>
+            <a:r>
+              <a:t/>
+            </a:r>
             <a:endParaRPr/>
           </a:p>
         </p:txBody>
@@ -4367,12 +4306,12 @@
             </a:ln>
           </p:spPr>
           <p:txBody>
-            <a:bodyPr spcFirstLastPara="1" wrap="square" lIns="91425" tIns="91425" rIns="91425" bIns="91425" anchor="ctr" anchorCtr="0">
+            <a:bodyPr anchorCtr="0" anchor="ctr" bIns="91425" lIns="91425" spcFirstLastPara="1" rIns="91425" wrap="square" tIns="91425">
               <a:noAutofit/>
             </a:bodyPr>
             <a:lstStyle/>
             <a:p>
-              <a:pPr marL="0" lvl="0" indent="0" algn="l" rtl="0">
+              <a:pPr indent="0" lvl="0" marL="0" rtl="0" algn="l">
                 <a:spcBef>
                   <a:spcPts val="0"/>
                 </a:spcBef>
@@ -4381,6 +4320,9 @@
                 </a:spcAft>
                 <a:buNone/>
               </a:pPr>
+              <a:r>
+                <a:t/>
+              </a:r>
               <a:endParaRPr/>
             </a:p>
           </p:txBody>
@@ -4407,12 +4349,12 @@
             </a:ln>
           </p:spPr>
           <p:txBody>
-            <a:bodyPr spcFirstLastPara="1" wrap="square" lIns="91425" tIns="91425" rIns="91425" bIns="91425" anchor="ctr" anchorCtr="0">
+            <a:bodyPr anchorCtr="0" anchor="ctr" bIns="91425" lIns="91425" spcFirstLastPara="1" rIns="91425" wrap="square" tIns="91425">
               <a:noAutofit/>
             </a:bodyPr>
             <a:lstStyle/>
             <a:p>
-              <a:pPr marL="0" lvl="0" indent="0" algn="l" rtl="0">
+              <a:pPr indent="0" lvl="0" marL="0" rtl="0" algn="l">
                 <a:spcBef>
                   <a:spcPts val="0"/>
                 </a:spcBef>
@@ -4421,6 +4363,9 @@
                 </a:spcAft>
                 <a:buNone/>
               </a:pPr>
+              <a:r>
+                <a:t/>
+              </a:r>
               <a:endParaRPr/>
             </a:p>
           </p:txBody>
@@ -4429,9 +4374,7 @@
       <p:sp>
         <p:nvSpPr>
           <p:cNvPr id="45" name="Google Shape;45;p6"/>
-          <p:cNvSpPr txBox="1">
-            <a:spLocks noGrp="1"/>
-          </p:cNvSpPr>
+          <p:cNvSpPr txBox="1"/>
           <p:nvPr>
             <p:ph type="title"/>
           </p:nvPr>
@@ -4446,7 +4389,7 @@
           </a:prstGeom>
         </p:spPr>
         <p:txBody>
-          <a:bodyPr spcFirstLastPara="1" wrap="square" lIns="91425" tIns="91425" rIns="91425" bIns="91425" anchor="t" anchorCtr="0">
+          <a:bodyPr anchorCtr="0" anchor="t" bIns="91425" lIns="91425" spcFirstLastPara="1" rIns="91425" wrap="square" tIns="91425">
             <a:normAutofit/>
           </a:bodyPr>
           <a:lstStyle>
@@ -4550,19 +4493,15 @@
               <a:defRPr sz="2600"/>
             </a:lvl9pPr>
           </a:lstStyle>
-          <a:p>
-            <a:endParaRPr/>
-          </a:p>
+          <a:p/>
         </p:txBody>
       </p:sp>
       <p:sp>
         <p:nvSpPr>
           <p:cNvPr id="46" name="Google Shape;46;p6"/>
-          <p:cNvSpPr txBox="1">
-            <a:spLocks noGrp="1"/>
-          </p:cNvSpPr>
+          <p:cNvSpPr txBox="1"/>
           <p:nvPr>
-            <p:ph type="sldNum" idx="12"/>
+            <p:ph idx="12" type="sldNum"/>
           </p:nvPr>
         </p:nvSpPr>
         <p:spPr>
@@ -4575,7 +4514,7 @@
           </a:prstGeom>
         </p:spPr>
         <p:txBody>
-          <a:bodyPr spcFirstLastPara="1" wrap="square" lIns="91425" tIns="91425" rIns="91425" bIns="91425" anchor="ctr" anchorCtr="0">
+          <a:bodyPr anchorCtr="0" anchor="ctr" bIns="91425" lIns="91425" spcFirstLastPara="1" rIns="91425" wrap="square" tIns="91425">
             <a:normAutofit/>
           </a:bodyPr>
           <a:lstStyle>
@@ -4617,7 +4556,7 @@
             </a:lvl9pPr>
           </a:lstStyle>
           <a:p>
-            <a:pPr marL="0" lvl="0" indent="0" algn="r" rtl="0">
+            <a:pPr indent="0" lvl="0" marL="0" rtl="0" algn="r">
               <a:spcBef>
                 <a:spcPts val="0"/>
               </a:spcBef>
@@ -4643,11 +4582,11 @@
 </file>
 
 <file path=ppt/slideLayouts/slideLayout6.xml><?xml version="1.0" encoding="utf-8"?>
-<p:sldLayout xmlns:a="http://schemas.openxmlformats.org/drawingml/2006/main" xmlns:r="http://schemas.openxmlformats.org/officeDocument/2006/relationships" xmlns:p="http://schemas.openxmlformats.org/presentationml/2006/main" matchingName="One column text">
+<p:sldLayout xmlns:a="http://schemas.openxmlformats.org/drawingml/2006/main" xmlns:r="http://schemas.openxmlformats.org/officeDocument/2006/relationships" xmlns:mc="http://schemas.openxmlformats.org/markup-compatibility/2006" xmlns:mv="urn:schemas-microsoft-com:mac:vml" xmlns:p="http://schemas.openxmlformats.org/presentationml/2006/main" xmlns:c="http://schemas.openxmlformats.org/drawingml/2006/chart" xmlns:dgm="http://schemas.openxmlformats.org/drawingml/2006/diagram" xmlns:o="urn:schemas-microsoft-com:office:office" xmlns:v="urn:schemas-microsoft-com:vml" xmlns:pvml="urn:schemas-microsoft-com:office:powerpoint" xmlns:com="http://schemas.openxmlformats.org/drawingml/2006/compatibility" xmlns:p14="http://schemas.microsoft.com/office/powerpoint/2010/main" xmlns:p15="http://schemas.microsoft.com/office/powerpoint/2012/main" xmlns:ahyp="http://schemas.microsoft.com/office/drawing/2018/hyperlinkcolor" matchingName="One column text">
   <p:cSld name="ONE_COLUMN_TEXT">
     <p:spTree>
       <p:nvGrpSpPr>
-        <p:cNvPr id="1" name="Shape 47"/>
+        <p:cNvPr id="47" name="Shape 47"/>
         <p:cNvGrpSpPr/>
         <p:nvPr/>
       </p:nvGrpSpPr>
@@ -4681,12 +4620,12 @@
           </a:ln>
         </p:spPr>
         <p:txBody>
-          <a:bodyPr spcFirstLastPara="1" wrap="square" lIns="91425" tIns="91425" rIns="91425" bIns="91425" anchor="ctr" anchorCtr="0">
+          <a:bodyPr anchorCtr="0" anchor="ctr" bIns="91425" lIns="91425" spcFirstLastPara="1" rIns="91425" wrap="square" tIns="91425">
             <a:noAutofit/>
           </a:bodyPr>
           <a:lstStyle/>
           <a:p>
-            <a:pPr marL="0" lvl="0" indent="0" algn="l" rtl="0">
+            <a:pPr indent="0" lvl="0" marL="0" rtl="0" algn="l">
               <a:spcBef>
                 <a:spcPts val="0"/>
               </a:spcBef>
@@ -4695,6 +4634,9 @@
               </a:spcAft>
               <a:buNone/>
             </a:pPr>
+            <a:r>
+              <a:t/>
+            </a:r>
             <a:endParaRPr/>
           </a:p>
         </p:txBody>
@@ -4735,12 +4677,12 @@
             </a:ln>
           </p:spPr>
           <p:txBody>
-            <a:bodyPr spcFirstLastPara="1" wrap="square" lIns="91425" tIns="91425" rIns="91425" bIns="91425" anchor="ctr" anchorCtr="0">
+            <a:bodyPr anchorCtr="0" anchor="ctr" bIns="91425" lIns="91425" spcFirstLastPara="1" rIns="91425" wrap="square" tIns="91425">
               <a:noAutofit/>
             </a:bodyPr>
             <a:lstStyle/>
             <a:p>
-              <a:pPr marL="0" lvl="0" indent="0" algn="l" rtl="0">
+              <a:pPr indent="0" lvl="0" marL="0" rtl="0" algn="l">
                 <a:spcBef>
                   <a:spcPts val="0"/>
                 </a:spcBef>
@@ -4749,6 +4691,9 @@
                 </a:spcAft>
                 <a:buNone/>
               </a:pPr>
+              <a:r>
+                <a:t/>
+              </a:r>
               <a:endParaRPr/>
             </a:p>
           </p:txBody>
@@ -4775,12 +4720,12 @@
             </a:ln>
           </p:spPr>
           <p:txBody>
-            <a:bodyPr spcFirstLastPara="1" wrap="square" lIns="91425" tIns="91425" rIns="91425" bIns="91425" anchor="ctr" anchorCtr="0">
+            <a:bodyPr anchorCtr="0" anchor="ctr" bIns="91425" lIns="91425" spcFirstLastPara="1" rIns="91425" wrap="square" tIns="91425">
               <a:noAutofit/>
             </a:bodyPr>
             <a:lstStyle/>
             <a:p>
-              <a:pPr marL="0" lvl="0" indent="0" algn="l" rtl="0">
+              <a:pPr indent="0" lvl="0" marL="0" rtl="0" algn="l">
                 <a:spcBef>
                   <a:spcPts val="0"/>
                 </a:spcBef>
@@ -4789,6 +4734,9 @@
                 </a:spcAft>
                 <a:buNone/>
               </a:pPr>
+              <a:r>
+                <a:t/>
+              </a:r>
               <a:endParaRPr/>
             </a:p>
           </p:txBody>
@@ -4797,9 +4745,7 @@
       <p:sp>
         <p:nvSpPr>
           <p:cNvPr id="52" name="Google Shape;52;p7"/>
-          <p:cNvSpPr txBox="1">
-            <a:spLocks noGrp="1"/>
-          </p:cNvSpPr>
+          <p:cNvSpPr txBox="1"/>
           <p:nvPr>
             <p:ph type="title"/>
           </p:nvPr>
@@ -4814,7 +4760,7 @@
           </a:prstGeom>
         </p:spPr>
         <p:txBody>
-          <a:bodyPr spcFirstLastPara="1" wrap="square" lIns="91425" tIns="91425" rIns="91425" bIns="91425" anchor="t" anchorCtr="0">
+          <a:bodyPr anchorCtr="0" anchor="t" bIns="91425" lIns="91425" spcFirstLastPara="1" rIns="91425" wrap="square" tIns="91425">
             <a:normAutofit/>
           </a:bodyPr>
           <a:lstStyle>
@@ -4918,19 +4864,15 @@
               <a:defRPr sz="2600"/>
             </a:lvl9pPr>
           </a:lstStyle>
-          <a:p>
-            <a:endParaRPr/>
-          </a:p>
+          <a:p/>
         </p:txBody>
       </p:sp>
       <p:sp>
         <p:nvSpPr>
           <p:cNvPr id="53" name="Google Shape;53;p7"/>
-          <p:cNvSpPr txBox="1">
-            <a:spLocks noGrp="1"/>
-          </p:cNvSpPr>
+          <p:cNvSpPr txBox="1"/>
           <p:nvPr>
-            <p:ph type="body" idx="1"/>
+            <p:ph idx="1" type="body"/>
           </p:nvPr>
         </p:nvSpPr>
         <p:spPr>
@@ -4943,11 +4885,11 @@
           </a:prstGeom>
         </p:spPr>
         <p:txBody>
-          <a:bodyPr spcFirstLastPara="1" wrap="square" lIns="91425" tIns="91425" rIns="91425" bIns="91425" anchor="t" anchorCtr="0">
+          <a:bodyPr anchorCtr="0" anchor="t" bIns="91425" lIns="91425" spcFirstLastPara="1" rIns="91425" wrap="square" tIns="91425">
             <a:normAutofit/>
           </a:bodyPr>
           <a:lstStyle>
-            <a:lvl1pPr marL="457200" lvl="0" indent="-311150">
+            <a:lvl1pPr indent="-311150" lvl="0" marL="457200">
               <a:spcBef>
                 <a:spcPts val="0"/>
               </a:spcBef>
@@ -4958,7 +4900,7 @@
               <a:buChar char="●"/>
               <a:defRPr/>
             </a:lvl1pPr>
-            <a:lvl2pPr marL="914400" lvl="1" indent="-298450">
+            <a:lvl2pPr indent="-298450" lvl="1" marL="914400">
               <a:spcBef>
                 <a:spcPts val="0"/>
               </a:spcBef>
@@ -4969,7 +4911,7 @@
               <a:buChar char="○"/>
               <a:defRPr/>
             </a:lvl2pPr>
-            <a:lvl3pPr marL="1371600" lvl="2" indent="-298450">
+            <a:lvl3pPr indent="-298450" lvl="2" marL="1371600">
               <a:spcBef>
                 <a:spcPts val="0"/>
               </a:spcBef>
@@ -4980,7 +4922,7 @@
               <a:buChar char="■"/>
               <a:defRPr/>
             </a:lvl3pPr>
-            <a:lvl4pPr marL="1828800" lvl="3" indent="-298450">
+            <a:lvl4pPr indent="-298450" lvl="3" marL="1828800">
               <a:spcBef>
                 <a:spcPts val="0"/>
               </a:spcBef>
@@ -4991,7 +4933,7 @@
               <a:buChar char="●"/>
               <a:defRPr/>
             </a:lvl4pPr>
-            <a:lvl5pPr marL="2286000" lvl="4" indent="-298450">
+            <a:lvl5pPr indent="-298450" lvl="4" marL="2286000">
               <a:spcBef>
                 <a:spcPts val="0"/>
               </a:spcBef>
@@ -5002,7 +4944,7 @@
               <a:buChar char="○"/>
               <a:defRPr/>
             </a:lvl5pPr>
-            <a:lvl6pPr marL="2743200" lvl="5" indent="-298450">
+            <a:lvl6pPr indent="-298450" lvl="5" marL="2743200">
               <a:spcBef>
                 <a:spcPts val="0"/>
               </a:spcBef>
@@ -5013,7 +4955,7 @@
               <a:buChar char="■"/>
               <a:defRPr/>
             </a:lvl6pPr>
-            <a:lvl7pPr marL="3200400" lvl="6" indent="-298450">
+            <a:lvl7pPr indent="-298450" lvl="6" marL="3200400">
               <a:spcBef>
                 <a:spcPts val="0"/>
               </a:spcBef>
@@ -5024,7 +4966,7 @@
               <a:buChar char="●"/>
               <a:defRPr/>
             </a:lvl7pPr>
-            <a:lvl8pPr marL="3657600" lvl="7" indent="-298450">
+            <a:lvl8pPr indent="-298450" lvl="7" marL="3657600">
               <a:spcBef>
                 <a:spcPts val="0"/>
               </a:spcBef>
@@ -5035,7 +4977,7 @@
               <a:buChar char="○"/>
               <a:defRPr/>
             </a:lvl8pPr>
-            <a:lvl9pPr marL="4114800" lvl="8" indent="-298450">
+            <a:lvl9pPr indent="-298450" lvl="8" marL="4114800">
               <a:spcBef>
                 <a:spcPts val="0"/>
               </a:spcBef>
@@ -5047,19 +4989,15 @@
               <a:defRPr/>
             </a:lvl9pPr>
           </a:lstStyle>
-          <a:p>
-            <a:endParaRPr/>
-          </a:p>
+          <a:p/>
         </p:txBody>
       </p:sp>
       <p:sp>
         <p:nvSpPr>
           <p:cNvPr id="54" name="Google Shape;54;p7"/>
-          <p:cNvSpPr txBox="1">
-            <a:spLocks noGrp="1"/>
-          </p:cNvSpPr>
+          <p:cNvSpPr txBox="1"/>
           <p:nvPr>
-            <p:ph type="sldNum" idx="12"/>
+            <p:ph idx="12" type="sldNum"/>
           </p:nvPr>
         </p:nvSpPr>
         <p:spPr>
@@ -5072,7 +5010,7 @@
           </a:prstGeom>
         </p:spPr>
         <p:txBody>
-          <a:bodyPr spcFirstLastPara="1" wrap="square" lIns="91425" tIns="91425" rIns="91425" bIns="91425" anchor="ctr" anchorCtr="0">
+          <a:bodyPr anchorCtr="0" anchor="ctr" bIns="91425" lIns="91425" spcFirstLastPara="1" rIns="91425" wrap="square" tIns="91425">
             <a:normAutofit/>
           </a:bodyPr>
           <a:lstStyle>
@@ -5114,7 +5052,7 @@
             </a:lvl9pPr>
           </a:lstStyle>
           <a:p>
-            <a:pPr marL="0" lvl="0" indent="0" algn="r" rtl="0">
+            <a:pPr indent="0" lvl="0" marL="0" rtl="0" algn="r">
               <a:spcBef>
                 <a:spcPts val="0"/>
               </a:spcBef>
@@ -5140,19 +5078,18 @@
 </file>
 
 <file path=ppt/slideLayouts/slideLayout7.xml><?xml version="1.0" encoding="utf-8"?>
-<p:sldLayout xmlns:a="http://schemas.openxmlformats.org/drawingml/2006/main" xmlns:r="http://schemas.openxmlformats.org/officeDocument/2006/relationships" xmlns:p="http://schemas.openxmlformats.org/presentationml/2006/main" matchingName="Main point">
+<p:sldLayout xmlns:a="http://schemas.openxmlformats.org/drawingml/2006/main" xmlns:r="http://schemas.openxmlformats.org/officeDocument/2006/relationships" xmlns:mc="http://schemas.openxmlformats.org/markup-compatibility/2006" xmlns:mv="urn:schemas-microsoft-com:mac:vml" xmlns:p="http://schemas.openxmlformats.org/presentationml/2006/main" xmlns:c="http://schemas.openxmlformats.org/drawingml/2006/chart" xmlns:dgm="http://schemas.openxmlformats.org/drawingml/2006/diagram" xmlns:o="urn:schemas-microsoft-com:office:office" xmlns:v="urn:schemas-microsoft-com:vml" xmlns:pvml="urn:schemas-microsoft-com:office:powerpoint" xmlns:com="http://schemas.openxmlformats.org/drawingml/2006/compatibility" xmlns:p14="http://schemas.microsoft.com/office/powerpoint/2010/main" xmlns:p15="http://schemas.microsoft.com/office/powerpoint/2012/main" xmlns:ahyp="http://schemas.microsoft.com/office/drawing/2018/hyperlinkcolor" matchingName="Main point">
   <p:cSld name="MAIN_POINT">
     <p:bg>
       <p:bgPr>
         <a:solidFill>
           <a:schemeClr val="accent3"/>
         </a:solidFill>
-        <a:effectLst/>
       </p:bgPr>
     </p:bg>
     <p:spTree>
       <p:nvGrpSpPr>
-        <p:cNvPr id="1" name="Shape 55"/>
+        <p:cNvPr id="55" name="Shape 55"/>
         <p:cNvGrpSpPr/>
         <p:nvPr/>
       </p:nvGrpSpPr>
@@ -5200,12 +5137,12 @@
             </a:ln>
           </p:spPr>
           <p:txBody>
-            <a:bodyPr spcFirstLastPara="1" wrap="square" lIns="91425" tIns="91425" rIns="91425" bIns="91425" anchor="ctr" anchorCtr="0">
+            <a:bodyPr anchorCtr="0" anchor="ctr" bIns="91425" lIns="91425" spcFirstLastPara="1" rIns="91425" wrap="square" tIns="91425">
               <a:noAutofit/>
             </a:bodyPr>
             <a:lstStyle/>
             <a:p>
-              <a:pPr marL="0" lvl="0" indent="0" algn="l" rtl="0">
+              <a:pPr indent="0" lvl="0" marL="0" rtl="0" algn="l">
                 <a:spcBef>
                   <a:spcPts val="0"/>
                 </a:spcBef>
@@ -5214,6 +5151,9 @@
                 </a:spcAft>
                 <a:buNone/>
               </a:pPr>
+              <a:r>
+                <a:t/>
+              </a:r>
               <a:endParaRPr/>
             </a:p>
           </p:txBody>
@@ -5240,12 +5180,12 @@
             </a:ln>
           </p:spPr>
           <p:txBody>
-            <a:bodyPr spcFirstLastPara="1" wrap="square" lIns="91425" tIns="91425" rIns="91425" bIns="91425" anchor="ctr" anchorCtr="0">
+            <a:bodyPr anchorCtr="0" anchor="ctr" bIns="91425" lIns="91425" spcFirstLastPara="1" rIns="91425" wrap="square" tIns="91425">
               <a:noAutofit/>
             </a:bodyPr>
             <a:lstStyle/>
             <a:p>
-              <a:pPr marL="0" lvl="0" indent="0" algn="l" rtl="0">
+              <a:pPr indent="0" lvl="0" marL="0" rtl="0" algn="l">
                 <a:spcBef>
                   <a:spcPts val="0"/>
                 </a:spcBef>
@@ -5254,6 +5194,9 @@
                 </a:spcAft>
                 <a:buNone/>
               </a:pPr>
+              <a:r>
+                <a:t/>
+              </a:r>
               <a:endParaRPr/>
             </a:p>
           </p:txBody>
@@ -5262,9 +5205,7 @@
       <p:sp>
         <p:nvSpPr>
           <p:cNvPr id="59" name="Google Shape;59;p8"/>
-          <p:cNvSpPr txBox="1">
-            <a:spLocks noGrp="1"/>
-          </p:cNvSpPr>
+          <p:cNvSpPr txBox="1"/>
           <p:nvPr>
             <p:ph type="title"/>
           </p:nvPr>
@@ -5279,7 +5220,7 @@
           </a:prstGeom>
         </p:spPr>
         <p:txBody>
-          <a:bodyPr spcFirstLastPara="1" wrap="square" lIns="91425" tIns="91425" rIns="91425" bIns="91425" anchor="ctr" anchorCtr="0">
+          <a:bodyPr anchorCtr="0" anchor="ctr" bIns="91425" lIns="91425" spcFirstLastPara="1" rIns="91425" wrap="square" tIns="91425">
             <a:normAutofit/>
           </a:bodyPr>
           <a:lstStyle>
@@ -5446,19 +5387,15 @@
               </a:defRPr>
             </a:lvl9pPr>
           </a:lstStyle>
-          <a:p>
-            <a:endParaRPr/>
-          </a:p>
+          <a:p/>
         </p:txBody>
       </p:sp>
       <p:sp>
         <p:nvSpPr>
           <p:cNvPr id="60" name="Google Shape;60;p8"/>
-          <p:cNvSpPr txBox="1">
-            <a:spLocks noGrp="1"/>
-          </p:cNvSpPr>
+          <p:cNvSpPr txBox="1"/>
           <p:nvPr>
-            <p:ph type="sldNum" idx="12"/>
+            <p:ph idx="12" type="sldNum"/>
           </p:nvPr>
         </p:nvSpPr>
         <p:spPr>
@@ -5471,7 +5408,7 @@
           </a:prstGeom>
         </p:spPr>
         <p:txBody>
-          <a:bodyPr spcFirstLastPara="1" wrap="square" lIns="91425" tIns="91425" rIns="91425" bIns="91425" anchor="ctr" anchorCtr="0">
+          <a:bodyPr anchorCtr="0" anchor="ctr" bIns="91425" lIns="91425" spcFirstLastPara="1" rIns="91425" wrap="square" tIns="91425">
             <a:normAutofit/>
           </a:bodyPr>
           <a:lstStyle>
@@ -5549,7 +5486,7 @@
             </a:lvl9pPr>
           </a:lstStyle>
           <a:p>
-            <a:pPr marL="0" lvl="0" indent="0" algn="r" rtl="0">
+            <a:pPr indent="0" lvl="0" marL="0" rtl="0" algn="r">
               <a:spcBef>
                 <a:spcPts val="0"/>
               </a:spcBef>
@@ -5575,11 +5512,11 @@
 </file>
 
 <file path=ppt/slideLayouts/slideLayout8.xml><?xml version="1.0" encoding="utf-8"?>
-<p:sldLayout xmlns:a="http://schemas.openxmlformats.org/drawingml/2006/main" xmlns:r="http://schemas.openxmlformats.org/officeDocument/2006/relationships" xmlns:p="http://schemas.openxmlformats.org/presentationml/2006/main" matchingName="Section title and description">
+<p:sldLayout xmlns:a="http://schemas.openxmlformats.org/drawingml/2006/main" xmlns:r="http://schemas.openxmlformats.org/officeDocument/2006/relationships" xmlns:mc="http://schemas.openxmlformats.org/markup-compatibility/2006" xmlns:mv="urn:schemas-microsoft-com:mac:vml" xmlns:p="http://schemas.openxmlformats.org/presentationml/2006/main" xmlns:c="http://schemas.openxmlformats.org/drawingml/2006/chart" xmlns:dgm="http://schemas.openxmlformats.org/drawingml/2006/diagram" xmlns:o="urn:schemas-microsoft-com:office:office" xmlns:v="urn:schemas-microsoft-com:vml" xmlns:pvml="urn:schemas-microsoft-com:office:powerpoint" xmlns:com="http://schemas.openxmlformats.org/drawingml/2006/compatibility" xmlns:p14="http://schemas.microsoft.com/office/powerpoint/2010/main" xmlns:p15="http://schemas.microsoft.com/office/powerpoint/2012/main" xmlns:ahyp="http://schemas.microsoft.com/office/drawing/2018/hyperlinkcolor" matchingName="Section title and description">
   <p:cSld name="SECTION_TITLE_AND_DESCRIPTION">
     <p:spTree>
       <p:nvGrpSpPr>
-        <p:cNvPr id="1" name="Shape 61"/>
+        <p:cNvPr id="61" name="Shape 61"/>
         <p:cNvGrpSpPr/>
         <p:nvPr/>
       </p:nvGrpSpPr>
@@ -5613,12 +5550,12 @@
           </a:ln>
         </p:spPr>
         <p:txBody>
-          <a:bodyPr spcFirstLastPara="1" wrap="square" lIns="91425" tIns="91425" rIns="91425" bIns="91425" anchor="ctr" anchorCtr="0">
+          <a:bodyPr anchorCtr="0" anchor="ctr" bIns="91425" lIns="91425" spcFirstLastPara="1" rIns="91425" wrap="square" tIns="91425">
             <a:noAutofit/>
           </a:bodyPr>
           <a:lstStyle/>
           <a:p>
-            <a:pPr marL="0" lvl="0" indent="0" algn="l" rtl="0">
+            <a:pPr indent="0" lvl="0" marL="0" rtl="0" algn="l">
               <a:spcBef>
                 <a:spcPts val="0"/>
               </a:spcBef>
@@ -5627,6 +5564,9 @@
               </a:spcAft>
               <a:buNone/>
             </a:pPr>
+            <a:r>
+              <a:t/>
+            </a:r>
             <a:endParaRPr/>
           </a:p>
         </p:txBody>
@@ -5667,12 +5607,12 @@
             </a:ln>
           </p:spPr>
           <p:txBody>
-            <a:bodyPr spcFirstLastPara="1" wrap="square" lIns="91425" tIns="91425" rIns="91425" bIns="91425" anchor="ctr" anchorCtr="0">
+            <a:bodyPr anchorCtr="0" anchor="ctr" bIns="91425" lIns="91425" spcFirstLastPara="1" rIns="91425" wrap="square" tIns="91425">
               <a:noAutofit/>
             </a:bodyPr>
             <a:lstStyle/>
             <a:p>
-              <a:pPr marL="0" lvl="0" indent="0" algn="l" rtl="0">
+              <a:pPr indent="0" lvl="0" marL="0" rtl="0" algn="l">
                 <a:spcBef>
                   <a:spcPts val="0"/>
                 </a:spcBef>
@@ -5681,6 +5621,9 @@
                 </a:spcAft>
                 <a:buNone/>
               </a:pPr>
+              <a:r>
+                <a:t/>
+              </a:r>
               <a:endParaRPr/>
             </a:p>
           </p:txBody>
@@ -5707,12 +5650,12 @@
             </a:ln>
           </p:spPr>
           <p:txBody>
-            <a:bodyPr spcFirstLastPara="1" wrap="square" lIns="91425" tIns="91425" rIns="91425" bIns="91425" anchor="ctr" anchorCtr="0">
+            <a:bodyPr anchorCtr="0" anchor="ctr" bIns="91425" lIns="91425" spcFirstLastPara="1" rIns="91425" wrap="square" tIns="91425">
               <a:noAutofit/>
             </a:bodyPr>
             <a:lstStyle/>
             <a:p>
-              <a:pPr marL="0" lvl="0" indent="0" algn="l" rtl="0">
+              <a:pPr indent="0" lvl="0" marL="0" rtl="0" algn="l">
                 <a:spcBef>
                   <a:spcPts val="0"/>
                 </a:spcBef>
@@ -5721,6 +5664,9 @@
                 </a:spcAft>
                 <a:buNone/>
               </a:pPr>
+              <a:r>
+                <a:t/>
+              </a:r>
               <a:endParaRPr/>
             </a:p>
           </p:txBody>
@@ -5729,9 +5675,7 @@
       <p:sp>
         <p:nvSpPr>
           <p:cNvPr id="66" name="Google Shape;66;p9"/>
-          <p:cNvSpPr txBox="1">
-            <a:spLocks noGrp="1"/>
-          </p:cNvSpPr>
+          <p:cNvSpPr txBox="1"/>
           <p:nvPr>
             <p:ph type="title"/>
           </p:nvPr>
@@ -5746,7 +5690,7 @@
           </a:prstGeom>
         </p:spPr>
         <p:txBody>
-          <a:bodyPr spcFirstLastPara="1" wrap="square" lIns="91425" tIns="91425" rIns="91425" bIns="91425" anchor="t" anchorCtr="0">
+          <a:bodyPr anchorCtr="0" anchor="t" bIns="91425" lIns="91425" spcFirstLastPara="1" rIns="91425" wrap="square" tIns="91425">
             <a:normAutofit/>
           </a:bodyPr>
           <a:lstStyle>
@@ -5850,19 +5794,15 @@
               <a:defRPr sz="2600"/>
             </a:lvl9pPr>
           </a:lstStyle>
-          <a:p>
-            <a:endParaRPr/>
-          </a:p>
+          <a:p/>
         </p:txBody>
       </p:sp>
       <p:sp>
         <p:nvSpPr>
           <p:cNvPr id="67" name="Google Shape;67;p9"/>
-          <p:cNvSpPr txBox="1">
-            <a:spLocks noGrp="1"/>
-          </p:cNvSpPr>
+          <p:cNvSpPr txBox="1"/>
           <p:nvPr>
-            <p:ph type="subTitle" idx="1"/>
+            <p:ph idx="1" type="subTitle"/>
           </p:nvPr>
         </p:nvSpPr>
         <p:spPr>
@@ -5875,7 +5815,7 @@
           </a:prstGeom>
         </p:spPr>
         <p:txBody>
-          <a:bodyPr spcFirstLastPara="1" wrap="square" lIns="91425" tIns="91425" rIns="91425" bIns="91425" anchor="t" anchorCtr="0">
+          <a:bodyPr anchorCtr="0" anchor="t" bIns="91425" lIns="91425" spcFirstLastPara="1" rIns="91425" wrap="square" tIns="91425">
             <a:normAutofit/>
           </a:bodyPr>
           <a:lstStyle>
@@ -6006,19 +5946,15 @@
               <a:defRPr sz="1600"/>
             </a:lvl9pPr>
           </a:lstStyle>
-          <a:p>
-            <a:endParaRPr/>
-          </a:p>
+          <a:p/>
         </p:txBody>
       </p:sp>
       <p:sp>
         <p:nvSpPr>
           <p:cNvPr id="68" name="Google Shape;68;p9"/>
-          <p:cNvSpPr txBox="1">
-            <a:spLocks noGrp="1"/>
-          </p:cNvSpPr>
+          <p:cNvSpPr txBox="1"/>
           <p:nvPr>
-            <p:ph type="body" idx="2"/>
+            <p:ph idx="2" type="body"/>
           </p:nvPr>
         </p:nvSpPr>
         <p:spPr>
@@ -6031,11 +5967,11 @@
           </a:prstGeom>
         </p:spPr>
         <p:txBody>
-          <a:bodyPr spcFirstLastPara="1" wrap="square" lIns="91425" tIns="91425" rIns="91425" bIns="91425" anchor="t" anchorCtr="0">
+          <a:bodyPr anchorCtr="0" anchor="t" bIns="91425" lIns="91425" spcFirstLastPara="1" rIns="91425" wrap="square" tIns="91425">
             <a:normAutofit/>
           </a:bodyPr>
           <a:lstStyle>
-            <a:lvl1pPr marL="457200" lvl="0" indent="-311150">
+            <a:lvl1pPr indent="-311150" lvl="0" marL="457200">
               <a:spcBef>
                 <a:spcPts val="0"/>
               </a:spcBef>
@@ -6046,7 +5982,7 @@
               <a:buChar char="●"/>
               <a:defRPr/>
             </a:lvl1pPr>
-            <a:lvl2pPr marL="914400" lvl="1" indent="-298450">
+            <a:lvl2pPr indent="-298450" lvl="1" marL="914400">
               <a:spcBef>
                 <a:spcPts val="0"/>
               </a:spcBef>
@@ -6057,7 +5993,7 @@
               <a:buChar char="○"/>
               <a:defRPr/>
             </a:lvl2pPr>
-            <a:lvl3pPr marL="1371600" lvl="2" indent="-298450">
+            <a:lvl3pPr indent="-298450" lvl="2" marL="1371600">
               <a:spcBef>
                 <a:spcPts val="0"/>
               </a:spcBef>
@@ -6068,7 +6004,7 @@
               <a:buChar char="■"/>
               <a:defRPr/>
             </a:lvl3pPr>
-            <a:lvl4pPr marL="1828800" lvl="3" indent="-298450">
+            <a:lvl4pPr indent="-298450" lvl="3" marL="1828800">
               <a:spcBef>
                 <a:spcPts val="0"/>
               </a:spcBef>
@@ -6079,7 +6015,7 @@
               <a:buChar char="●"/>
               <a:defRPr/>
             </a:lvl4pPr>
-            <a:lvl5pPr marL="2286000" lvl="4" indent="-298450">
+            <a:lvl5pPr indent="-298450" lvl="4" marL="2286000">
               <a:spcBef>
                 <a:spcPts val="0"/>
               </a:spcBef>
@@ -6090,7 +6026,7 @@
               <a:buChar char="○"/>
               <a:defRPr/>
             </a:lvl5pPr>
-            <a:lvl6pPr marL="2743200" lvl="5" indent="-298450">
+            <a:lvl6pPr indent="-298450" lvl="5" marL="2743200">
               <a:spcBef>
                 <a:spcPts val="0"/>
               </a:spcBef>
@@ -6101,7 +6037,7 @@
               <a:buChar char="■"/>
               <a:defRPr/>
             </a:lvl6pPr>
-            <a:lvl7pPr marL="3200400" lvl="6" indent="-298450">
+            <a:lvl7pPr indent="-298450" lvl="6" marL="3200400">
               <a:spcBef>
                 <a:spcPts val="0"/>
               </a:spcBef>
@@ -6112,7 +6048,7 @@
               <a:buChar char="●"/>
               <a:defRPr/>
             </a:lvl7pPr>
-            <a:lvl8pPr marL="3657600" lvl="7" indent="-298450">
+            <a:lvl8pPr indent="-298450" lvl="7" marL="3657600">
               <a:spcBef>
                 <a:spcPts val="0"/>
               </a:spcBef>
@@ -6123,7 +6059,7 @@
               <a:buChar char="○"/>
               <a:defRPr/>
             </a:lvl8pPr>
-            <a:lvl9pPr marL="4114800" lvl="8" indent="-298450">
+            <a:lvl9pPr indent="-298450" lvl="8" marL="4114800">
               <a:spcBef>
                 <a:spcPts val="0"/>
               </a:spcBef>
@@ -6135,19 +6071,15 @@
               <a:defRPr/>
             </a:lvl9pPr>
           </a:lstStyle>
-          <a:p>
-            <a:endParaRPr/>
-          </a:p>
+          <a:p/>
         </p:txBody>
       </p:sp>
       <p:sp>
         <p:nvSpPr>
           <p:cNvPr id="69" name="Google Shape;69;p9"/>
-          <p:cNvSpPr txBox="1">
-            <a:spLocks noGrp="1"/>
-          </p:cNvSpPr>
+          <p:cNvSpPr txBox="1"/>
           <p:nvPr>
-            <p:ph type="sldNum" idx="12"/>
+            <p:ph idx="12" type="sldNum"/>
           </p:nvPr>
         </p:nvSpPr>
         <p:spPr>
@@ -6160,7 +6092,7 @@
           </a:prstGeom>
         </p:spPr>
         <p:txBody>
-          <a:bodyPr spcFirstLastPara="1" wrap="square" lIns="91425" tIns="91425" rIns="91425" bIns="91425" anchor="ctr" anchorCtr="0">
+          <a:bodyPr anchorCtr="0" anchor="ctr" bIns="91425" lIns="91425" spcFirstLastPara="1" rIns="91425" wrap="square" tIns="91425">
             <a:normAutofit/>
           </a:bodyPr>
           <a:lstStyle>
@@ -6202,7 +6134,7 @@
             </a:lvl9pPr>
           </a:lstStyle>
           <a:p>
-            <a:pPr marL="0" lvl="0" indent="0" algn="r" rtl="0">
+            <a:pPr indent="0" lvl="0" marL="0" rtl="0" algn="r">
               <a:spcBef>
                 <a:spcPts val="0"/>
               </a:spcBef>
@@ -6228,11 +6160,11 @@
 </file>
 
 <file path=ppt/slideLayouts/slideLayout9.xml><?xml version="1.0" encoding="utf-8"?>
-<p:sldLayout xmlns:a="http://schemas.openxmlformats.org/drawingml/2006/main" xmlns:r="http://schemas.openxmlformats.org/officeDocument/2006/relationships" xmlns:p="http://schemas.openxmlformats.org/presentationml/2006/main" matchingName="Caption">
+<p:sldLayout xmlns:a="http://schemas.openxmlformats.org/drawingml/2006/main" xmlns:r="http://schemas.openxmlformats.org/officeDocument/2006/relationships" xmlns:mc="http://schemas.openxmlformats.org/markup-compatibility/2006" xmlns:mv="urn:schemas-microsoft-com:mac:vml" xmlns:p="http://schemas.openxmlformats.org/presentationml/2006/main" xmlns:c="http://schemas.openxmlformats.org/drawingml/2006/chart" xmlns:dgm="http://schemas.openxmlformats.org/drawingml/2006/diagram" xmlns:o="urn:schemas-microsoft-com:office:office" xmlns:v="urn:schemas-microsoft-com:vml" xmlns:pvml="urn:schemas-microsoft-com:office:powerpoint" xmlns:com="http://schemas.openxmlformats.org/drawingml/2006/compatibility" xmlns:p14="http://schemas.microsoft.com/office/powerpoint/2010/main" xmlns:p15="http://schemas.microsoft.com/office/powerpoint/2012/main" xmlns:ahyp="http://schemas.microsoft.com/office/drawing/2018/hyperlinkcolor" matchingName="Caption">
   <p:cSld name="CAPTION_ONLY">
     <p:spTree>
       <p:nvGrpSpPr>
-        <p:cNvPr id="1" name="Shape 70"/>
+        <p:cNvPr id="70" name="Shape 70"/>
         <p:cNvGrpSpPr/>
         <p:nvPr/>
       </p:nvGrpSpPr>
@@ -6247,11 +6179,9 @@
       <p:sp>
         <p:nvSpPr>
           <p:cNvPr id="71" name="Google Shape;71;p10"/>
-          <p:cNvSpPr txBox="1">
-            <a:spLocks noGrp="1"/>
-          </p:cNvSpPr>
+          <p:cNvSpPr txBox="1"/>
           <p:nvPr>
-            <p:ph type="body" idx="1"/>
+            <p:ph idx="1" type="body"/>
           </p:nvPr>
         </p:nvSpPr>
         <p:spPr>
@@ -6264,11 +6194,11 @@
           </a:prstGeom>
         </p:spPr>
         <p:txBody>
-          <a:bodyPr spcFirstLastPara="1" wrap="square" lIns="91425" tIns="91425" rIns="91425" bIns="91425" anchor="ctr" anchorCtr="0">
+          <a:bodyPr anchorCtr="0" anchor="ctr" bIns="91425" lIns="91425" spcFirstLastPara="1" rIns="91425" wrap="square" tIns="91425">
             <a:normAutofit/>
           </a:bodyPr>
           <a:lstStyle>
-            <a:lvl1pPr marL="457200" lvl="0" indent="-228600">
+            <a:lvl1pPr indent="-228600" lvl="0" marL="457200">
               <a:lnSpc>
                 <a:spcPct val="100000"/>
               </a:lnSpc>
@@ -6283,19 +6213,15 @@
               <a:defRPr/>
             </a:lvl1pPr>
           </a:lstStyle>
-          <a:p>
-            <a:endParaRPr/>
-          </a:p>
+          <a:p/>
         </p:txBody>
       </p:sp>
       <p:sp>
         <p:nvSpPr>
           <p:cNvPr id="72" name="Google Shape;72;p10"/>
-          <p:cNvSpPr txBox="1">
-            <a:spLocks noGrp="1"/>
-          </p:cNvSpPr>
+          <p:cNvSpPr txBox="1"/>
           <p:nvPr>
-            <p:ph type="sldNum" idx="12"/>
+            <p:ph idx="12" type="sldNum"/>
           </p:nvPr>
         </p:nvSpPr>
         <p:spPr>
@@ -6308,7 +6234,7 @@
           </a:prstGeom>
         </p:spPr>
         <p:txBody>
-          <a:bodyPr spcFirstLastPara="1" wrap="square" lIns="91425" tIns="91425" rIns="91425" bIns="91425" anchor="ctr" anchorCtr="0">
+          <a:bodyPr anchorCtr="0" anchor="ctr" bIns="91425" lIns="91425" spcFirstLastPara="1" rIns="91425" wrap="square" tIns="91425">
             <a:normAutofit/>
           </a:bodyPr>
           <a:lstStyle>
@@ -6350,7 +6276,7 @@
             </a:lvl9pPr>
           </a:lstStyle>
           <a:p>
-            <a:pPr marL="0" lvl="0" indent="0" algn="r" rtl="0">
+            <a:pPr indent="0" lvl="0" marL="0" rtl="0" algn="r">
               <a:spcBef>
                 <a:spcPts val="0"/>
               </a:spcBef>
@@ -6376,19 +6302,18 @@
 </file>
 
 <file path=ppt/slideMasters/slideMaster1.xml><?xml version="1.0" encoding="utf-8"?>
-<p:sldMaster xmlns:a="http://schemas.openxmlformats.org/drawingml/2006/main" xmlns:r="http://schemas.openxmlformats.org/officeDocument/2006/relationships" xmlns:p="http://schemas.openxmlformats.org/presentationml/2006/main">
+<p:sldMaster xmlns:a="http://schemas.openxmlformats.org/drawingml/2006/main" xmlns:r="http://schemas.openxmlformats.org/officeDocument/2006/relationships" xmlns:mc="http://schemas.openxmlformats.org/markup-compatibility/2006" xmlns:mv="urn:schemas-microsoft-com:mac:vml" xmlns:p="http://schemas.openxmlformats.org/presentationml/2006/main" xmlns:c="http://schemas.openxmlformats.org/drawingml/2006/chart" xmlns:dgm="http://schemas.openxmlformats.org/drawingml/2006/diagram" xmlns:o="urn:schemas-microsoft-com:office:office" xmlns:v="urn:schemas-microsoft-com:vml" xmlns:pvml="urn:schemas-microsoft-com:office:powerpoint" xmlns:com="http://schemas.openxmlformats.org/drawingml/2006/compatibility" xmlns:p14="http://schemas.microsoft.com/office/powerpoint/2010/main" xmlns:p15="http://schemas.microsoft.com/office/powerpoint/2012/main" xmlns:ahyp="http://schemas.microsoft.com/office/drawing/2018/hyperlinkcolor">
   <p:cSld name="streamline">
     <p:bg>
       <p:bgPr>
         <a:solidFill>
           <a:schemeClr val="lt1"/>
         </a:solidFill>
-        <a:effectLst/>
       </p:bgPr>
     </p:bg>
     <p:spTree>
       <p:nvGrpSpPr>
-        <p:cNvPr id="1" name="Shape 5"/>
+        <p:cNvPr id="5" name="Shape 5"/>
         <p:cNvGrpSpPr/>
         <p:nvPr/>
       </p:nvGrpSpPr>
@@ -6403,9 +6328,7 @@
       <p:sp>
         <p:nvSpPr>
           <p:cNvPr id="6" name="Google Shape;6;p1"/>
-          <p:cNvSpPr txBox="1">
-            <a:spLocks noGrp="1"/>
-          </p:cNvSpPr>
+          <p:cNvSpPr txBox="1"/>
           <p:nvPr>
             <p:ph type="title"/>
           </p:nvPr>
@@ -6424,7 +6347,7 @@
           </a:ln>
         </p:spPr>
         <p:txBody>
-          <a:bodyPr spcFirstLastPara="1" wrap="square" lIns="91425" tIns="91425" rIns="91425" bIns="91425" anchor="t" anchorCtr="0">
+          <a:bodyPr anchorCtr="0" anchor="t" bIns="91425" lIns="91425" spcFirstLastPara="1" rIns="91425" wrap="square" tIns="91425">
             <a:normAutofit/>
           </a:bodyPr>
           <a:lstStyle>
@@ -6441,7 +6364,7 @@
               <a:buSzPts val="2800"/>
               <a:buFont typeface="Raleway"/>
               <a:buNone/>
-              <a:defRPr sz="2800" b="1">
+              <a:defRPr b="1" sz="2800">
                 <a:solidFill>
                   <a:schemeClr val="dk2"/>
                 </a:solidFill>
@@ -6464,7 +6387,7 @@
               <a:buSzPts val="2800"/>
               <a:buFont typeface="Raleway"/>
               <a:buNone/>
-              <a:defRPr sz="2800" b="1">
+              <a:defRPr b="1" sz="2800">
                 <a:solidFill>
                   <a:schemeClr val="dk2"/>
                 </a:solidFill>
@@ -6487,7 +6410,7 @@
               <a:buSzPts val="2800"/>
               <a:buFont typeface="Raleway"/>
               <a:buNone/>
-              <a:defRPr sz="2800" b="1">
+              <a:defRPr b="1" sz="2800">
                 <a:solidFill>
                   <a:schemeClr val="dk2"/>
                 </a:solidFill>
@@ -6510,7 +6433,7 @@
               <a:buSzPts val="2800"/>
               <a:buFont typeface="Raleway"/>
               <a:buNone/>
-              <a:defRPr sz="2800" b="1">
+              <a:defRPr b="1" sz="2800">
                 <a:solidFill>
                   <a:schemeClr val="dk2"/>
                 </a:solidFill>
@@ -6533,7 +6456,7 @@
               <a:buSzPts val="2800"/>
               <a:buFont typeface="Raleway"/>
               <a:buNone/>
-              <a:defRPr sz="2800" b="1">
+              <a:defRPr b="1" sz="2800">
                 <a:solidFill>
                   <a:schemeClr val="dk2"/>
                 </a:solidFill>
@@ -6556,7 +6479,7 @@
               <a:buSzPts val="2800"/>
               <a:buFont typeface="Raleway"/>
               <a:buNone/>
-              <a:defRPr sz="2800" b="1">
+              <a:defRPr b="1" sz="2800">
                 <a:solidFill>
                   <a:schemeClr val="dk2"/>
                 </a:solidFill>
@@ -6579,7 +6502,7 @@
               <a:buSzPts val="2800"/>
               <a:buFont typeface="Raleway"/>
               <a:buNone/>
-              <a:defRPr sz="2800" b="1">
+              <a:defRPr b="1" sz="2800">
                 <a:solidFill>
                   <a:schemeClr val="dk2"/>
                 </a:solidFill>
@@ -6602,7 +6525,7 @@
               <a:buSzPts val="2800"/>
               <a:buFont typeface="Raleway"/>
               <a:buNone/>
-              <a:defRPr sz="2800" b="1">
+              <a:defRPr b="1" sz="2800">
                 <a:solidFill>
                   <a:schemeClr val="dk2"/>
                 </a:solidFill>
@@ -6625,7 +6548,7 @@
               <a:buSzPts val="2800"/>
               <a:buFont typeface="Raleway"/>
               <a:buNone/>
-              <a:defRPr sz="2800" b="1">
+              <a:defRPr b="1" sz="2800">
                 <a:solidFill>
                   <a:schemeClr val="dk2"/>
                 </a:solidFill>
@@ -6636,19 +6559,15 @@
               </a:defRPr>
             </a:lvl9pPr>
           </a:lstStyle>
-          <a:p>
-            <a:endParaRPr/>
-          </a:p>
+          <a:p/>
         </p:txBody>
       </p:sp>
       <p:sp>
         <p:nvSpPr>
           <p:cNvPr id="7" name="Google Shape;7;p1"/>
-          <p:cNvSpPr txBox="1">
-            <a:spLocks noGrp="1"/>
-          </p:cNvSpPr>
+          <p:cNvSpPr txBox="1"/>
           <p:nvPr>
-            <p:ph type="body" idx="1"/>
+            <p:ph idx="1" type="body"/>
           </p:nvPr>
         </p:nvSpPr>
         <p:spPr>
@@ -6665,11 +6584,11 @@
           </a:ln>
         </p:spPr>
         <p:txBody>
-          <a:bodyPr spcFirstLastPara="1" wrap="square" lIns="91425" tIns="91425" rIns="91425" bIns="91425" anchor="t" anchorCtr="0">
+          <a:bodyPr anchorCtr="0" anchor="t" bIns="91425" lIns="91425" spcFirstLastPara="1" rIns="91425" wrap="square" tIns="91425">
             <a:normAutofit/>
           </a:bodyPr>
           <a:lstStyle>
-            <a:lvl1pPr marL="457200" lvl="0" indent="-311150">
+            <a:lvl1pPr indent="-311150" lvl="0" marL="457200">
               <a:lnSpc>
                 <a:spcPct val="115000"/>
               </a:lnSpc>
@@ -6695,7 +6614,7 @@
                 <a:sym typeface="Lato"/>
               </a:defRPr>
             </a:lvl1pPr>
-            <a:lvl2pPr marL="914400" lvl="1" indent="-298450">
+            <a:lvl2pPr indent="-298450" lvl="1" marL="914400">
               <a:lnSpc>
                 <a:spcPct val="115000"/>
               </a:lnSpc>
@@ -6721,7 +6640,7 @@
                 <a:sym typeface="Lato"/>
               </a:defRPr>
             </a:lvl2pPr>
-            <a:lvl3pPr marL="1371600" lvl="2" indent="-298450">
+            <a:lvl3pPr indent="-298450" lvl="2" marL="1371600">
               <a:lnSpc>
                 <a:spcPct val="115000"/>
               </a:lnSpc>
@@ -6747,7 +6666,7 @@
                 <a:sym typeface="Lato"/>
               </a:defRPr>
             </a:lvl3pPr>
-            <a:lvl4pPr marL="1828800" lvl="3" indent="-298450">
+            <a:lvl4pPr indent="-298450" lvl="3" marL="1828800">
               <a:lnSpc>
                 <a:spcPct val="115000"/>
               </a:lnSpc>
@@ -6773,7 +6692,7 @@
                 <a:sym typeface="Lato"/>
               </a:defRPr>
             </a:lvl4pPr>
-            <a:lvl5pPr marL="2286000" lvl="4" indent="-298450">
+            <a:lvl5pPr indent="-298450" lvl="4" marL="2286000">
               <a:lnSpc>
                 <a:spcPct val="115000"/>
               </a:lnSpc>
@@ -6799,7 +6718,7 @@
                 <a:sym typeface="Lato"/>
               </a:defRPr>
             </a:lvl5pPr>
-            <a:lvl6pPr marL="2743200" lvl="5" indent="-298450">
+            <a:lvl6pPr indent="-298450" lvl="5" marL="2743200">
               <a:lnSpc>
                 <a:spcPct val="115000"/>
               </a:lnSpc>
@@ -6825,7 +6744,7 @@
                 <a:sym typeface="Lato"/>
               </a:defRPr>
             </a:lvl6pPr>
-            <a:lvl7pPr marL="3200400" lvl="6" indent="-298450">
+            <a:lvl7pPr indent="-298450" lvl="6" marL="3200400">
               <a:lnSpc>
                 <a:spcPct val="115000"/>
               </a:lnSpc>
@@ -6851,7 +6770,7 @@
                 <a:sym typeface="Lato"/>
               </a:defRPr>
             </a:lvl7pPr>
-            <a:lvl8pPr marL="3657600" lvl="7" indent="-298450">
+            <a:lvl8pPr indent="-298450" lvl="7" marL="3657600">
               <a:lnSpc>
                 <a:spcPct val="115000"/>
               </a:lnSpc>
@@ -6877,7 +6796,7 @@
                 <a:sym typeface="Lato"/>
               </a:defRPr>
             </a:lvl8pPr>
-            <a:lvl9pPr marL="4114800" lvl="8" indent="-298450">
+            <a:lvl9pPr indent="-298450" lvl="8" marL="4114800">
               <a:lnSpc>
                 <a:spcPct val="115000"/>
               </a:lnSpc>
@@ -6904,19 +6823,15 @@
               </a:defRPr>
             </a:lvl9pPr>
           </a:lstStyle>
-          <a:p>
-            <a:endParaRPr/>
-          </a:p>
+          <a:p/>
         </p:txBody>
       </p:sp>
       <p:sp>
         <p:nvSpPr>
           <p:cNvPr id="8" name="Google Shape;8;p1"/>
-          <p:cNvSpPr txBox="1">
-            <a:spLocks noGrp="1"/>
-          </p:cNvSpPr>
+          <p:cNvSpPr txBox="1"/>
           <p:nvPr>
-            <p:ph type="sldNum" idx="12"/>
+            <p:ph idx="12" type="sldNum"/>
           </p:nvPr>
         </p:nvSpPr>
         <p:spPr>
@@ -6933,7 +6848,7 @@
           </a:ln>
         </p:spPr>
         <p:txBody>
-          <a:bodyPr spcFirstLastPara="1" wrap="square" lIns="91425" tIns="91425" rIns="91425" bIns="91425" anchor="ctr" anchorCtr="0">
+          <a:bodyPr anchorCtr="0" anchor="ctr" bIns="91425" lIns="91425" spcFirstLastPara="1" rIns="91425" wrap="square" tIns="91425">
             <a:normAutofit/>
           </a:bodyPr>
           <a:lstStyle>
@@ -7047,7 +6962,7 @@
             </a:lvl9pPr>
           </a:lstStyle>
           <a:p>
-            <a:pPr marL="0" lvl="0" indent="0" algn="r" rtl="0">
+            <a:pPr indent="0" lvl="0" marL="0" rtl="0" algn="r">
               <a:spcBef>
                 <a:spcPts val="0"/>
               </a:spcBef>
@@ -7066,7 +6981,7 @@
       </p:sp>
     </p:spTree>
   </p:cSld>
-  <p:clrMap bg1="lt1" tx1="dk1" bg2="dk2" tx2="lt2" accent1="accent1" accent2="accent2" accent3="accent3" accent4="accent4" accent5="accent5" accent6="accent6" hlink="hlink" folHlink="folHlink"/>
+  <p:clrMap accent1="accent1" accent2="accent2" accent3="accent3" accent4="accent4" accent5="accent5" accent6="accent6" bg1="lt1" bg2="dk2" tx1="dk1" tx2="lt2" folHlink="folHlink" hlink="hlink"/>
   <p:sldLayoutIdLst>
     <p:sldLayoutId id="2147483648" r:id="rId1"/>
     <p:sldLayoutId id="2147483649" r:id="rId2"/>
@@ -7080,10 +6995,10 @@
     <p:sldLayoutId id="2147483657" r:id="rId10"/>
     <p:sldLayoutId id="2147483658" r:id="rId11"/>
   </p:sldLayoutIdLst>
-  <p:hf sldNum="0" hdr="0" ftr="0" dt="0"/>
+  <p:hf dt="0" ftr="0" hdr="0" sldNum="0"/>
   <p:txStyles>
     <p:titleStyle>
-      <a:defPPr marR="0" lvl="0" algn="l" rtl="0">
+      <a:defPPr lvl="0" marR="0" rtl="0" algn="l">
         <a:lnSpc>
           <a:spcPct val="100000"/>
         </a:lnSpc>
@@ -7094,7 +7009,7 @@
           <a:spcPts val="0"/>
         </a:spcAft>
       </a:defPPr>
-      <a:lvl1pPr marR="0" lvl="0" algn="l" rtl="0">
+      <a:lvl1pPr lvl="0" marR="0" rtl="0" algn="l">
         <a:lnSpc>
           <a:spcPct val="100000"/>
         </a:lnSpc>
@@ -7108,7 +7023,7 @@
           <a:srgbClr val="000000"/>
         </a:buClr>
         <a:buFont typeface="Arial"/>
-        <a:defRPr sz="1400" b="0" i="0" u="none" strike="noStrike" cap="none">
+        <a:defRPr b="0" i="0" sz="1400" u="none" cap="none" strike="noStrike">
           <a:solidFill>
             <a:srgbClr val="000000"/>
           </a:solidFill>
@@ -7118,7 +7033,7 @@
           <a:sym typeface="Arial"/>
         </a:defRPr>
       </a:lvl1pPr>
-      <a:lvl2pPr marR="0" lvl="1" algn="l" rtl="0">
+      <a:lvl2pPr lvl="1" marR="0" rtl="0" algn="l">
         <a:lnSpc>
           <a:spcPct val="100000"/>
         </a:lnSpc>
@@ -7132,7 +7047,7 @@
           <a:srgbClr val="000000"/>
         </a:buClr>
         <a:buFont typeface="Arial"/>
-        <a:defRPr sz="1400" b="0" i="0" u="none" strike="noStrike" cap="none">
+        <a:defRPr b="0" i="0" sz="1400" u="none" cap="none" strike="noStrike">
           <a:solidFill>
             <a:srgbClr val="000000"/>
           </a:solidFill>
@@ -7142,7 +7057,7 @@
           <a:sym typeface="Arial"/>
         </a:defRPr>
       </a:lvl2pPr>
-      <a:lvl3pPr marR="0" lvl="2" algn="l" rtl="0">
+      <a:lvl3pPr lvl="2" marR="0" rtl="0" algn="l">
         <a:lnSpc>
           <a:spcPct val="100000"/>
         </a:lnSpc>
@@ -7156,7 +7071,7 @@
           <a:srgbClr val="000000"/>
         </a:buClr>
         <a:buFont typeface="Arial"/>
-        <a:defRPr sz="1400" b="0" i="0" u="none" strike="noStrike" cap="none">
+        <a:defRPr b="0" i="0" sz="1400" u="none" cap="none" strike="noStrike">
           <a:solidFill>
             <a:srgbClr val="000000"/>
           </a:solidFill>
@@ -7166,7 +7081,7 @@
           <a:sym typeface="Arial"/>
         </a:defRPr>
       </a:lvl3pPr>
-      <a:lvl4pPr marR="0" lvl="3" algn="l" rtl="0">
+      <a:lvl4pPr lvl="3" marR="0" rtl="0" algn="l">
         <a:lnSpc>
           <a:spcPct val="100000"/>
         </a:lnSpc>
@@ -7180,7 +7095,7 @@
           <a:srgbClr val="000000"/>
         </a:buClr>
         <a:buFont typeface="Arial"/>
-        <a:defRPr sz="1400" b="0" i="0" u="none" strike="noStrike" cap="none">
+        <a:defRPr b="0" i="0" sz="1400" u="none" cap="none" strike="noStrike">
           <a:solidFill>
             <a:srgbClr val="000000"/>
           </a:solidFill>
@@ -7190,7 +7105,7 @@
           <a:sym typeface="Arial"/>
         </a:defRPr>
       </a:lvl4pPr>
-      <a:lvl5pPr marR="0" lvl="4" algn="l" rtl="0">
+      <a:lvl5pPr lvl="4" marR="0" rtl="0" algn="l">
         <a:lnSpc>
           <a:spcPct val="100000"/>
         </a:lnSpc>
@@ -7204,7 +7119,7 @@
           <a:srgbClr val="000000"/>
         </a:buClr>
         <a:buFont typeface="Arial"/>
-        <a:defRPr sz="1400" b="0" i="0" u="none" strike="noStrike" cap="none">
+        <a:defRPr b="0" i="0" sz="1400" u="none" cap="none" strike="noStrike">
           <a:solidFill>
             <a:srgbClr val="000000"/>
           </a:solidFill>
@@ -7214,7 +7129,7 @@
           <a:sym typeface="Arial"/>
         </a:defRPr>
       </a:lvl5pPr>
-      <a:lvl6pPr marR="0" lvl="5" algn="l" rtl="0">
+      <a:lvl6pPr lvl="5" marR="0" rtl="0" algn="l">
         <a:lnSpc>
           <a:spcPct val="100000"/>
         </a:lnSpc>
@@ -7228,7 +7143,7 @@
           <a:srgbClr val="000000"/>
         </a:buClr>
         <a:buFont typeface="Arial"/>
-        <a:defRPr sz="1400" b="0" i="0" u="none" strike="noStrike" cap="none">
+        <a:defRPr b="0" i="0" sz="1400" u="none" cap="none" strike="noStrike">
           <a:solidFill>
             <a:srgbClr val="000000"/>
           </a:solidFill>
@@ -7238,7 +7153,7 @@
           <a:sym typeface="Arial"/>
         </a:defRPr>
       </a:lvl6pPr>
-      <a:lvl7pPr marR="0" lvl="6" algn="l" rtl="0">
+      <a:lvl7pPr lvl="6" marR="0" rtl="0" algn="l">
         <a:lnSpc>
           <a:spcPct val="100000"/>
         </a:lnSpc>
@@ -7252,7 +7167,7 @@
           <a:srgbClr val="000000"/>
         </a:buClr>
         <a:buFont typeface="Arial"/>
-        <a:defRPr sz="1400" b="0" i="0" u="none" strike="noStrike" cap="none">
+        <a:defRPr b="0" i="0" sz="1400" u="none" cap="none" strike="noStrike">
           <a:solidFill>
             <a:srgbClr val="000000"/>
           </a:solidFill>
@@ -7262,7 +7177,7 @@
           <a:sym typeface="Arial"/>
         </a:defRPr>
       </a:lvl7pPr>
-      <a:lvl8pPr marR="0" lvl="7" algn="l" rtl="0">
+      <a:lvl8pPr lvl="7" marR="0" rtl="0" algn="l">
         <a:lnSpc>
           <a:spcPct val="100000"/>
         </a:lnSpc>
@@ -7276,7 +7191,7 @@
           <a:srgbClr val="000000"/>
         </a:buClr>
         <a:buFont typeface="Arial"/>
-        <a:defRPr sz="1400" b="0" i="0" u="none" strike="noStrike" cap="none">
+        <a:defRPr b="0" i="0" sz="1400" u="none" cap="none" strike="noStrike">
           <a:solidFill>
             <a:srgbClr val="000000"/>
           </a:solidFill>
@@ -7286,7 +7201,7 @@
           <a:sym typeface="Arial"/>
         </a:defRPr>
       </a:lvl8pPr>
-      <a:lvl9pPr marR="0" lvl="8" algn="l" rtl="0">
+      <a:lvl9pPr lvl="8" marR="0" rtl="0" algn="l">
         <a:lnSpc>
           <a:spcPct val="100000"/>
         </a:lnSpc>
@@ -7300,7 +7215,7 @@
           <a:srgbClr val="000000"/>
         </a:buClr>
         <a:buFont typeface="Arial"/>
-        <a:defRPr sz="1400" b="0" i="0" u="none" strike="noStrike" cap="none">
+        <a:defRPr b="0" i="0" sz="1400" u="none" cap="none" strike="noStrike">
           <a:solidFill>
             <a:srgbClr val="000000"/>
           </a:solidFill>
@@ -7312,7 +7227,7 @@
       </a:lvl9pPr>
     </p:titleStyle>
     <p:bodyStyle>
-      <a:defPPr marR="0" lvl="0" algn="l" rtl="0">
+      <a:defPPr lvl="0" marR="0" rtl="0" algn="l">
         <a:lnSpc>
           <a:spcPct val="100000"/>
         </a:lnSpc>
@@ -7323,7 +7238,7 @@
           <a:spcPts val="0"/>
         </a:spcAft>
       </a:defPPr>
-      <a:lvl1pPr marR="0" lvl="0" algn="l" rtl="0">
+      <a:lvl1pPr lvl="0" marR="0" rtl="0" algn="l">
         <a:lnSpc>
           <a:spcPct val="100000"/>
         </a:lnSpc>
@@ -7337,7 +7252,7 @@
           <a:srgbClr val="000000"/>
         </a:buClr>
         <a:buFont typeface="Arial"/>
-        <a:defRPr sz="1400" b="0" i="0" u="none" strike="noStrike" cap="none">
+        <a:defRPr b="0" i="0" sz="1400" u="none" cap="none" strike="noStrike">
           <a:solidFill>
             <a:srgbClr val="000000"/>
           </a:solidFill>
@@ -7347,7 +7262,7 @@
           <a:sym typeface="Arial"/>
         </a:defRPr>
       </a:lvl1pPr>
-      <a:lvl2pPr marR="0" lvl="1" algn="l" rtl="0">
+      <a:lvl2pPr lvl="1" marR="0" rtl="0" algn="l">
         <a:lnSpc>
           <a:spcPct val="100000"/>
         </a:lnSpc>
@@ -7361,7 +7276,7 @@
           <a:srgbClr val="000000"/>
         </a:buClr>
         <a:buFont typeface="Arial"/>
-        <a:defRPr sz="1400" b="0" i="0" u="none" strike="noStrike" cap="none">
+        <a:defRPr b="0" i="0" sz="1400" u="none" cap="none" strike="noStrike">
           <a:solidFill>
             <a:srgbClr val="000000"/>
           </a:solidFill>
@@ -7371,7 +7286,7 @@
           <a:sym typeface="Arial"/>
         </a:defRPr>
       </a:lvl2pPr>
-      <a:lvl3pPr marR="0" lvl="2" algn="l" rtl="0">
+      <a:lvl3pPr lvl="2" marR="0" rtl="0" algn="l">
         <a:lnSpc>
           <a:spcPct val="100000"/>
         </a:lnSpc>
@@ -7385,7 +7300,7 @@
           <a:srgbClr val="000000"/>
         </a:buClr>
         <a:buFont typeface="Arial"/>
-        <a:defRPr sz="1400" b="0" i="0" u="none" strike="noStrike" cap="none">
+        <a:defRPr b="0" i="0" sz="1400" u="none" cap="none" strike="noStrike">
           <a:solidFill>
             <a:srgbClr val="000000"/>
           </a:solidFill>
@@ -7395,7 +7310,7 @@
           <a:sym typeface="Arial"/>
         </a:defRPr>
       </a:lvl3pPr>
-      <a:lvl4pPr marR="0" lvl="3" algn="l" rtl="0">
+      <a:lvl4pPr lvl="3" marR="0" rtl="0" algn="l">
         <a:lnSpc>
           <a:spcPct val="100000"/>
         </a:lnSpc>
@@ -7409,7 +7324,7 @@
           <a:srgbClr val="000000"/>
         </a:buClr>
         <a:buFont typeface="Arial"/>
-        <a:defRPr sz="1400" b="0" i="0" u="none" strike="noStrike" cap="none">
+        <a:defRPr b="0" i="0" sz="1400" u="none" cap="none" strike="noStrike">
           <a:solidFill>
             <a:srgbClr val="000000"/>
           </a:solidFill>
@@ -7419,7 +7334,7 @@
           <a:sym typeface="Arial"/>
         </a:defRPr>
       </a:lvl4pPr>
-      <a:lvl5pPr marR="0" lvl="4" algn="l" rtl="0">
+      <a:lvl5pPr lvl="4" marR="0" rtl="0" algn="l">
         <a:lnSpc>
           <a:spcPct val="100000"/>
         </a:lnSpc>
@@ -7433,7 +7348,7 @@
           <a:srgbClr val="000000"/>
         </a:buClr>
         <a:buFont typeface="Arial"/>
-        <a:defRPr sz="1400" b="0" i="0" u="none" strike="noStrike" cap="none">
+        <a:defRPr b="0" i="0" sz="1400" u="none" cap="none" strike="noStrike">
           <a:solidFill>
             <a:srgbClr val="000000"/>
           </a:solidFill>
@@ -7443,7 +7358,7 @@
           <a:sym typeface="Arial"/>
         </a:defRPr>
       </a:lvl5pPr>
-      <a:lvl6pPr marR="0" lvl="5" algn="l" rtl="0">
+      <a:lvl6pPr lvl="5" marR="0" rtl="0" algn="l">
         <a:lnSpc>
           <a:spcPct val="100000"/>
         </a:lnSpc>
@@ -7457,7 +7372,7 @@
           <a:srgbClr val="000000"/>
         </a:buClr>
         <a:buFont typeface="Arial"/>
-        <a:defRPr sz="1400" b="0" i="0" u="none" strike="noStrike" cap="none">
+        <a:defRPr b="0" i="0" sz="1400" u="none" cap="none" strike="noStrike">
           <a:solidFill>
             <a:srgbClr val="000000"/>
           </a:solidFill>
@@ -7467,7 +7382,7 @@
           <a:sym typeface="Arial"/>
         </a:defRPr>
       </a:lvl6pPr>
-      <a:lvl7pPr marR="0" lvl="6" algn="l" rtl="0">
+      <a:lvl7pPr lvl="6" marR="0" rtl="0" algn="l">
         <a:lnSpc>
           <a:spcPct val="100000"/>
         </a:lnSpc>
@@ -7481,7 +7396,7 @@
           <a:srgbClr val="000000"/>
         </a:buClr>
         <a:buFont typeface="Arial"/>
-        <a:defRPr sz="1400" b="0" i="0" u="none" strike="noStrike" cap="none">
+        <a:defRPr b="0" i="0" sz="1400" u="none" cap="none" strike="noStrike">
           <a:solidFill>
             <a:srgbClr val="000000"/>
           </a:solidFill>
@@ -7491,7 +7406,7 @@
           <a:sym typeface="Arial"/>
         </a:defRPr>
       </a:lvl7pPr>
-      <a:lvl8pPr marR="0" lvl="7" algn="l" rtl="0">
+      <a:lvl8pPr lvl="7" marR="0" rtl="0" algn="l">
         <a:lnSpc>
           <a:spcPct val="100000"/>
         </a:lnSpc>
@@ -7505,7 +7420,7 @@
           <a:srgbClr val="000000"/>
         </a:buClr>
         <a:buFont typeface="Arial"/>
-        <a:defRPr sz="1400" b="0" i="0" u="none" strike="noStrike" cap="none">
+        <a:defRPr b="0" i="0" sz="1400" u="none" cap="none" strike="noStrike">
           <a:solidFill>
             <a:srgbClr val="000000"/>
           </a:solidFill>
@@ -7515,7 +7430,7 @@
           <a:sym typeface="Arial"/>
         </a:defRPr>
       </a:lvl8pPr>
-      <a:lvl9pPr marR="0" lvl="8" algn="l" rtl="0">
+      <a:lvl9pPr lvl="8" marR="0" rtl="0" algn="l">
         <a:lnSpc>
           <a:spcPct val="100000"/>
         </a:lnSpc>
@@ -7529,7 +7444,7 @@
           <a:srgbClr val="000000"/>
         </a:buClr>
         <a:buFont typeface="Arial"/>
-        <a:defRPr sz="1400" b="0" i="0" u="none" strike="noStrike" cap="none">
+        <a:defRPr b="0" i="0" sz="1400" u="none" cap="none" strike="noStrike">
           <a:solidFill>
             <a:srgbClr val="000000"/>
           </a:solidFill>
@@ -7541,7 +7456,7 @@
       </a:lvl9pPr>
     </p:bodyStyle>
     <p:otherStyle>
-      <a:defPPr marR="0" lvl="0" algn="l" rtl="0">
+      <a:defPPr lvl="0" marR="0" rtl="0" algn="l">
         <a:lnSpc>
           <a:spcPct val="100000"/>
         </a:lnSpc>
@@ -7552,7 +7467,7 @@
           <a:spcPts val="0"/>
         </a:spcAft>
       </a:defPPr>
-      <a:lvl1pPr marR="0" lvl="0" algn="l" rtl="0">
+      <a:lvl1pPr lvl="0" marR="0" rtl="0" algn="l">
         <a:lnSpc>
           <a:spcPct val="100000"/>
         </a:lnSpc>
@@ -7566,7 +7481,7 @@
           <a:srgbClr val="000000"/>
         </a:buClr>
         <a:buFont typeface="Arial"/>
-        <a:defRPr sz="1400" b="0" i="0" u="none" strike="noStrike" cap="none">
+        <a:defRPr b="0" i="0" sz="1400" u="none" cap="none" strike="noStrike">
           <a:solidFill>
             <a:srgbClr val="000000"/>
           </a:solidFill>
@@ -7576,7 +7491,7 @@
           <a:sym typeface="Arial"/>
         </a:defRPr>
       </a:lvl1pPr>
-      <a:lvl2pPr marR="0" lvl="1" algn="l" rtl="0">
+      <a:lvl2pPr lvl="1" marR="0" rtl="0" algn="l">
         <a:lnSpc>
           <a:spcPct val="100000"/>
         </a:lnSpc>
@@ -7590,7 +7505,7 @@
           <a:srgbClr val="000000"/>
         </a:buClr>
         <a:buFont typeface="Arial"/>
-        <a:defRPr sz="1400" b="0" i="0" u="none" strike="noStrike" cap="none">
+        <a:defRPr b="0" i="0" sz="1400" u="none" cap="none" strike="noStrike">
           <a:solidFill>
             <a:srgbClr val="000000"/>
           </a:solidFill>
@@ -7600,7 +7515,7 @@
           <a:sym typeface="Arial"/>
         </a:defRPr>
       </a:lvl2pPr>
-      <a:lvl3pPr marR="0" lvl="2" algn="l" rtl="0">
+      <a:lvl3pPr lvl="2" marR="0" rtl="0" algn="l">
         <a:lnSpc>
           <a:spcPct val="100000"/>
         </a:lnSpc>
@@ -7614,7 +7529,7 @@
           <a:srgbClr val="000000"/>
         </a:buClr>
         <a:buFont typeface="Arial"/>
-        <a:defRPr sz="1400" b="0" i="0" u="none" strike="noStrike" cap="none">
+        <a:defRPr b="0" i="0" sz="1400" u="none" cap="none" strike="noStrike">
           <a:solidFill>
             <a:srgbClr val="000000"/>
           </a:solidFill>
@@ -7624,7 +7539,7 @@
           <a:sym typeface="Arial"/>
         </a:defRPr>
       </a:lvl3pPr>
-      <a:lvl4pPr marR="0" lvl="3" algn="l" rtl="0">
+      <a:lvl4pPr lvl="3" marR="0" rtl="0" algn="l">
         <a:lnSpc>
           <a:spcPct val="100000"/>
         </a:lnSpc>
@@ -7638,7 +7553,7 @@
           <a:srgbClr val="000000"/>
         </a:buClr>
         <a:buFont typeface="Arial"/>
-        <a:defRPr sz="1400" b="0" i="0" u="none" strike="noStrike" cap="none">
+        <a:defRPr b="0" i="0" sz="1400" u="none" cap="none" strike="noStrike">
           <a:solidFill>
             <a:srgbClr val="000000"/>
           </a:solidFill>
@@ -7648,7 +7563,7 @@
           <a:sym typeface="Arial"/>
         </a:defRPr>
       </a:lvl4pPr>
-      <a:lvl5pPr marR="0" lvl="4" algn="l" rtl="0">
+      <a:lvl5pPr lvl="4" marR="0" rtl="0" algn="l">
         <a:lnSpc>
           <a:spcPct val="100000"/>
         </a:lnSpc>
@@ -7662,7 +7577,7 @@
           <a:srgbClr val="000000"/>
         </a:buClr>
         <a:buFont typeface="Arial"/>
-        <a:defRPr sz="1400" b="0" i="0" u="none" strike="noStrike" cap="none">
+        <a:defRPr b="0" i="0" sz="1400" u="none" cap="none" strike="noStrike">
           <a:solidFill>
             <a:srgbClr val="000000"/>
           </a:solidFill>
@@ -7672,7 +7587,7 @@
           <a:sym typeface="Arial"/>
         </a:defRPr>
       </a:lvl5pPr>
-      <a:lvl6pPr marR="0" lvl="5" algn="l" rtl="0">
+      <a:lvl6pPr lvl="5" marR="0" rtl="0" algn="l">
         <a:lnSpc>
           <a:spcPct val="100000"/>
         </a:lnSpc>
@@ -7686,7 +7601,7 @@
           <a:srgbClr val="000000"/>
         </a:buClr>
         <a:buFont typeface="Arial"/>
-        <a:defRPr sz="1400" b="0" i="0" u="none" strike="noStrike" cap="none">
+        <a:defRPr b="0" i="0" sz="1400" u="none" cap="none" strike="noStrike">
           <a:solidFill>
             <a:srgbClr val="000000"/>
           </a:solidFill>
@@ -7696,7 +7611,7 @@
           <a:sym typeface="Arial"/>
         </a:defRPr>
       </a:lvl6pPr>
-      <a:lvl7pPr marR="0" lvl="6" algn="l" rtl="0">
+      <a:lvl7pPr lvl="6" marR="0" rtl="0" algn="l">
         <a:lnSpc>
           <a:spcPct val="100000"/>
         </a:lnSpc>
@@ -7710,7 +7625,7 @@
           <a:srgbClr val="000000"/>
         </a:buClr>
         <a:buFont typeface="Arial"/>
-        <a:defRPr sz="1400" b="0" i="0" u="none" strike="noStrike" cap="none">
+        <a:defRPr b="0" i="0" sz="1400" u="none" cap="none" strike="noStrike">
           <a:solidFill>
             <a:srgbClr val="000000"/>
           </a:solidFill>
@@ -7720,7 +7635,7 @@
           <a:sym typeface="Arial"/>
         </a:defRPr>
       </a:lvl7pPr>
-      <a:lvl8pPr marR="0" lvl="7" algn="l" rtl="0">
+      <a:lvl8pPr lvl="7" marR="0" rtl="0" algn="l">
         <a:lnSpc>
           <a:spcPct val="100000"/>
         </a:lnSpc>
@@ -7734,7 +7649,7 @@
           <a:srgbClr val="000000"/>
         </a:buClr>
         <a:buFont typeface="Arial"/>
-        <a:defRPr sz="1400" b="0" i="0" u="none" strike="noStrike" cap="none">
+        <a:defRPr b="0" i="0" sz="1400" u="none" cap="none" strike="noStrike">
           <a:solidFill>
             <a:srgbClr val="000000"/>
           </a:solidFill>
@@ -7744,7 +7659,7 @@
           <a:sym typeface="Arial"/>
         </a:defRPr>
       </a:lvl8pPr>
-      <a:lvl9pPr marR="0" lvl="8" algn="l" rtl="0">
+      <a:lvl9pPr lvl="8" marR="0" rtl="0" algn="l">
         <a:lnSpc>
           <a:spcPct val="100000"/>
         </a:lnSpc>
@@ -7758,7 +7673,7 @@
           <a:srgbClr val="000000"/>
         </a:buClr>
         <a:buFont typeface="Arial"/>
-        <a:defRPr sz="1400" b="0" i="0" u="none" strike="noStrike" cap="none">
+        <a:defRPr b="0" i="0" sz="1400" u="none" cap="none" strike="noStrike">
           <a:solidFill>
             <a:srgbClr val="000000"/>
           </a:solidFill>
@@ -7774,11 +7689,11 @@
 </file>
 
 <file path=ppt/slides/slide1.xml><?xml version="1.0" encoding="utf-8"?>
-<p:sld xmlns:a="http://schemas.openxmlformats.org/drawingml/2006/main" xmlns:r="http://schemas.openxmlformats.org/officeDocument/2006/relationships" xmlns:p="http://schemas.openxmlformats.org/presentationml/2006/main">
+<p:sld xmlns:a="http://schemas.openxmlformats.org/drawingml/2006/main" xmlns:r="http://schemas.openxmlformats.org/officeDocument/2006/relationships" xmlns:mc="http://schemas.openxmlformats.org/markup-compatibility/2006" xmlns:mv="urn:schemas-microsoft-com:mac:vml" xmlns:p="http://schemas.openxmlformats.org/presentationml/2006/main" xmlns:c="http://schemas.openxmlformats.org/drawingml/2006/chart" xmlns:dgm="http://schemas.openxmlformats.org/drawingml/2006/diagram" xmlns:o="urn:schemas-microsoft-com:office:office" xmlns:v="urn:schemas-microsoft-com:vml" xmlns:pvml="urn:schemas-microsoft-com:office:powerpoint" xmlns:com="http://schemas.openxmlformats.org/drawingml/2006/compatibility" xmlns:p14="http://schemas.microsoft.com/office/powerpoint/2010/main" xmlns:p15="http://schemas.microsoft.com/office/powerpoint/2012/main" xmlns:ahyp="http://schemas.microsoft.com/office/drawing/2018/hyperlinkcolor">
   <p:cSld>
     <p:spTree>
       <p:nvGrpSpPr>
-        <p:cNvPr id="1" name="Shape 85"/>
+        <p:cNvPr id="85" name="Shape 85"/>
         <p:cNvGrpSpPr/>
         <p:nvPr/>
       </p:nvGrpSpPr>
@@ -7793,9 +7708,7 @@
       <p:sp>
         <p:nvSpPr>
           <p:cNvPr id="86" name="Google Shape;86;p13"/>
-          <p:cNvSpPr txBox="1">
-            <a:spLocks noGrp="1"/>
-          </p:cNvSpPr>
+          <p:cNvSpPr txBox="1"/>
           <p:nvPr>
             <p:ph type="ctrTitle"/>
           </p:nvPr>
@@ -7810,12 +7723,12 @@
           </a:prstGeom>
         </p:spPr>
         <p:txBody>
-          <a:bodyPr spcFirstLastPara="1" wrap="square" lIns="91425" tIns="91425" rIns="91425" bIns="91425" anchor="t" anchorCtr="0">
+          <a:bodyPr anchorCtr="0" anchor="t" bIns="91425" lIns="91425" spcFirstLastPara="1" rIns="91425" wrap="square" tIns="91425">
             <a:normAutofit/>
           </a:bodyPr>
           <a:lstStyle/>
           <a:p>
-            <a:pPr marL="0" lvl="0" indent="0" algn="l" rtl="0">
+            <a:pPr indent="0" lvl="0" marL="0" rtl="0" algn="l">
               <a:spcBef>
                 <a:spcPts val="0"/>
               </a:spcBef>
@@ -7835,11 +7748,9 @@
       <p:sp>
         <p:nvSpPr>
           <p:cNvPr id="87" name="Google Shape;87;p13"/>
-          <p:cNvSpPr txBox="1">
-            <a:spLocks noGrp="1"/>
-          </p:cNvSpPr>
+          <p:cNvSpPr txBox="1"/>
           <p:nvPr>
-            <p:ph type="subTitle" idx="1"/>
+            <p:ph idx="1" type="subTitle"/>
           </p:nvPr>
         </p:nvSpPr>
         <p:spPr>
@@ -7852,12 +7763,12 @@
           </a:prstGeom>
         </p:spPr>
         <p:txBody>
-          <a:bodyPr spcFirstLastPara="1" wrap="square" lIns="91425" tIns="91425" rIns="91425" bIns="91425" anchor="t" anchorCtr="0">
+          <a:bodyPr anchorCtr="0" anchor="t" bIns="91425" lIns="91425" spcFirstLastPara="1" rIns="91425" wrap="square" tIns="91425">
             <a:normAutofit/>
           </a:bodyPr>
           <a:lstStyle/>
           <a:p>
-            <a:pPr marL="0" lvl="0" indent="0" algn="l" rtl="0">
+            <a:pPr indent="0" lvl="0" marL="0" rtl="0" algn="l">
               <a:spcBef>
                 <a:spcPts val="0"/>
               </a:spcBef>
@@ -7894,12 +7805,12 @@
           </a:ln>
         </p:spPr>
         <p:txBody>
-          <a:bodyPr spcFirstLastPara="1" wrap="square" lIns="91425" tIns="91425" rIns="91425" bIns="91425" anchor="t" anchorCtr="0">
+          <a:bodyPr anchorCtr="0" anchor="t" bIns="91425" lIns="91425" spcFirstLastPara="1" rIns="91425" wrap="square" tIns="91425">
             <a:spAutoFit/>
           </a:bodyPr>
           <a:lstStyle/>
           <a:p>
-            <a:pPr marL="0" lvl="0" indent="0" algn="l" rtl="0">
+            <a:pPr indent="0" lvl="0" marL="0" rtl="0" algn="l">
               <a:spcBef>
                 <a:spcPts val="0"/>
               </a:spcBef>
@@ -7925,7 +7836,7 @@
             </a:endParaRPr>
           </a:p>
           <a:p>
-            <a:pPr marL="0" lvl="0" indent="0" algn="l" rtl="0">
+            <a:pPr indent="0" lvl="0" marL="0" rtl="0" algn="l">
               <a:spcBef>
                 <a:spcPts val="0"/>
               </a:spcBef>
@@ -7951,7 +7862,7 @@
             </a:endParaRPr>
           </a:p>
           <a:p>
-            <a:pPr marL="0" lvl="0" indent="0" algn="l" rtl="0">
+            <a:pPr indent="0" lvl="0" marL="0" rtl="0" algn="l">
               <a:spcBef>
                 <a:spcPts val="0"/>
               </a:spcBef>
@@ -7978,6 +7889,34 @@
           </a:p>
         </p:txBody>
       </p:sp>
+      <p:pic>
+        <p:nvPicPr>
+          <p:cNvPr id="89" name="Google Shape;89;p13"/>
+          <p:cNvPicPr preferRelativeResize="0"/>
+          <p:nvPr/>
+        </p:nvPicPr>
+        <p:blipFill>
+          <a:blip r:embed="rId3">
+            <a:alphaModFix/>
+          </a:blip>
+          <a:stretch>
+            <a:fillRect/>
+          </a:stretch>
+        </p:blipFill>
+        <p:spPr>
+          <a:xfrm>
+            <a:off x="4572000" y="2229650"/>
+            <a:ext cx="4088479" cy="2213924"/>
+          </a:xfrm>
+          <a:prstGeom prst="rect">
+            <a:avLst/>
+          </a:prstGeom>
+          <a:noFill/>
+          <a:ln>
+            <a:noFill/>
+          </a:ln>
+        </p:spPr>
+      </p:pic>
     </p:spTree>
   </p:cSld>
   <p:clrMapOvr>
@@ -7987,11 +7926,11 @@
 </file>
 
 <file path=ppt/slides/slide2.xml><?xml version="1.0" encoding="utf-8"?>
-<p:sld xmlns:a="http://schemas.openxmlformats.org/drawingml/2006/main" xmlns:r="http://schemas.openxmlformats.org/officeDocument/2006/relationships" xmlns:p="http://schemas.openxmlformats.org/presentationml/2006/main">
+<p:sld xmlns:a="http://schemas.openxmlformats.org/drawingml/2006/main" xmlns:r="http://schemas.openxmlformats.org/officeDocument/2006/relationships" xmlns:mc="http://schemas.openxmlformats.org/markup-compatibility/2006" xmlns:mv="urn:schemas-microsoft-com:mac:vml" xmlns:p="http://schemas.openxmlformats.org/presentationml/2006/main" xmlns:c="http://schemas.openxmlformats.org/drawingml/2006/chart" xmlns:dgm="http://schemas.openxmlformats.org/drawingml/2006/diagram" xmlns:o="urn:schemas-microsoft-com:office:office" xmlns:v="urn:schemas-microsoft-com:vml" xmlns:pvml="urn:schemas-microsoft-com:office:powerpoint" xmlns:com="http://schemas.openxmlformats.org/drawingml/2006/compatibility" xmlns:p14="http://schemas.microsoft.com/office/powerpoint/2010/main" xmlns:p15="http://schemas.microsoft.com/office/powerpoint/2012/main" xmlns:ahyp="http://schemas.microsoft.com/office/drawing/2018/hyperlinkcolor">
   <p:cSld>
     <p:spTree>
       <p:nvGrpSpPr>
-        <p:cNvPr id="1" name="Shape 92"/>
+        <p:cNvPr id="93" name="Shape 93"/>
         <p:cNvGrpSpPr/>
         <p:nvPr/>
       </p:nvGrpSpPr>
@@ -8005,10 +7944,8 @@
       </p:grpSpPr>
       <p:sp>
         <p:nvSpPr>
-          <p:cNvPr id="93" name="Google Shape;93;p14"/>
-          <p:cNvSpPr txBox="1">
-            <a:spLocks noGrp="1"/>
-          </p:cNvSpPr>
+          <p:cNvPr id="94" name="Google Shape;94;p14"/>
+          <p:cNvSpPr txBox="1"/>
           <p:nvPr>
             <p:ph type="title"/>
           </p:nvPr>
@@ -8023,12 +7960,12 @@
           </a:prstGeom>
         </p:spPr>
         <p:txBody>
-          <a:bodyPr spcFirstLastPara="1" wrap="square" lIns="91425" tIns="91425" rIns="91425" bIns="91425" anchor="t" anchorCtr="0">
+          <a:bodyPr anchorCtr="0" anchor="t" bIns="91425" lIns="91425" spcFirstLastPara="1" rIns="91425" wrap="square" tIns="91425">
             <a:normAutofit fontScale="90000"/>
           </a:bodyPr>
           <a:lstStyle/>
           <a:p>
-            <a:pPr marL="0" lvl="0" indent="0" algn="l" rtl="0">
+            <a:pPr indent="0" lvl="0" marL="0" rtl="0" algn="l">
               <a:spcBef>
                 <a:spcPts val="0"/>
               </a:spcBef>
@@ -8047,12 +7984,10 @@
       </p:sp>
       <p:sp>
         <p:nvSpPr>
-          <p:cNvPr id="94" name="Google Shape;94;p14"/>
-          <p:cNvSpPr txBox="1">
-            <a:spLocks noGrp="1"/>
-          </p:cNvSpPr>
+          <p:cNvPr id="95" name="Google Shape;95;p14"/>
+          <p:cNvSpPr txBox="1"/>
           <p:nvPr>
-            <p:ph type="body" idx="1"/>
+            <p:ph idx="1" type="body"/>
           </p:nvPr>
         </p:nvSpPr>
         <p:spPr>
@@ -8065,12 +8000,12 @@
           </a:prstGeom>
         </p:spPr>
         <p:txBody>
-          <a:bodyPr spcFirstLastPara="1" wrap="square" lIns="91425" tIns="91425" rIns="91425" bIns="91425" anchor="t" anchorCtr="0">
+          <a:bodyPr anchorCtr="0" anchor="t" bIns="91425" lIns="91425" spcFirstLastPara="1" rIns="91425" wrap="square" tIns="91425">
             <a:normAutofit/>
           </a:bodyPr>
           <a:lstStyle/>
           <a:p>
-            <a:pPr marL="457200" lvl="0" indent="-311150" algn="l" rtl="0">
+            <a:pPr indent="-311150" lvl="0" marL="457200" rtl="0" algn="l">
               <a:spcBef>
                 <a:spcPts val="0"/>
               </a:spcBef>
@@ -8087,7 +8022,7 @@
             <a:endParaRPr/>
           </a:p>
           <a:p>
-            <a:pPr marL="457200" lvl="0" indent="-311150" algn="l" rtl="0">
+            <a:pPr indent="-311150" lvl="0" marL="457200" rtl="0" algn="l">
               <a:spcBef>
                 <a:spcPts val="0"/>
               </a:spcBef>
@@ -8104,7 +8039,7 @@
             <a:endParaRPr/>
           </a:p>
           <a:p>
-            <a:pPr marL="914400" lvl="1" indent="-298450" algn="l" rtl="0">
+            <a:pPr indent="-298450" lvl="1" marL="914400" rtl="0" algn="l">
               <a:spcBef>
                 <a:spcPts val="0"/>
               </a:spcBef>
@@ -8121,7 +8056,7 @@
             <a:endParaRPr/>
           </a:p>
           <a:p>
-            <a:pPr marL="914400" lvl="1" indent="-298450" algn="l" rtl="0">
+            <a:pPr indent="-298450" lvl="1" marL="914400" rtl="0" algn="l">
               <a:spcBef>
                 <a:spcPts val="0"/>
               </a:spcBef>
@@ -8138,7 +8073,7 @@
             <a:endParaRPr/>
           </a:p>
           <a:p>
-            <a:pPr marL="914400" lvl="1" indent="-298450" algn="l" rtl="0">
+            <a:pPr indent="-298450" lvl="1" marL="914400" rtl="0" algn="l">
               <a:spcBef>
                 <a:spcPts val="0"/>
               </a:spcBef>
@@ -8155,7 +8090,7 @@
             <a:endParaRPr/>
           </a:p>
           <a:p>
-            <a:pPr marL="914400" lvl="1" indent="-298450" algn="l" rtl="0">
+            <a:pPr indent="-298450" lvl="1" marL="914400" rtl="0" algn="l">
               <a:spcBef>
                 <a:spcPts val="0"/>
               </a:spcBef>
@@ -8182,11 +8117,11 @@
 </file>
 
 <file path=ppt/slides/slide3.xml><?xml version="1.0" encoding="utf-8"?>
-<p:sld xmlns:a="http://schemas.openxmlformats.org/drawingml/2006/main" xmlns:r="http://schemas.openxmlformats.org/officeDocument/2006/relationships" xmlns:p="http://schemas.openxmlformats.org/presentationml/2006/main">
+<p:sld xmlns:a="http://schemas.openxmlformats.org/drawingml/2006/main" xmlns:r="http://schemas.openxmlformats.org/officeDocument/2006/relationships" xmlns:mc="http://schemas.openxmlformats.org/markup-compatibility/2006" xmlns:mv="urn:schemas-microsoft-com:mac:vml" xmlns:p="http://schemas.openxmlformats.org/presentationml/2006/main" xmlns:c="http://schemas.openxmlformats.org/drawingml/2006/chart" xmlns:dgm="http://schemas.openxmlformats.org/drawingml/2006/diagram" xmlns:o="urn:schemas-microsoft-com:office:office" xmlns:v="urn:schemas-microsoft-com:vml" xmlns:pvml="urn:schemas-microsoft-com:office:powerpoint" xmlns:com="http://schemas.openxmlformats.org/drawingml/2006/compatibility" xmlns:p14="http://schemas.microsoft.com/office/powerpoint/2010/main" xmlns:p15="http://schemas.microsoft.com/office/powerpoint/2012/main" xmlns:ahyp="http://schemas.microsoft.com/office/drawing/2018/hyperlinkcolor">
   <p:cSld>
     <p:spTree>
       <p:nvGrpSpPr>
-        <p:cNvPr id="1" name="Shape 98"/>
+        <p:cNvPr id="99" name="Shape 99"/>
         <p:cNvGrpSpPr/>
         <p:nvPr/>
       </p:nvGrpSpPr>
@@ -8200,10 +8135,8 @@
       </p:grpSpPr>
       <p:sp>
         <p:nvSpPr>
-          <p:cNvPr id="99" name="Google Shape;99;p15"/>
-          <p:cNvSpPr txBox="1">
-            <a:spLocks noGrp="1"/>
-          </p:cNvSpPr>
+          <p:cNvPr id="100" name="Google Shape;100;p15"/>
+          <p:cNvSpPr txBox="1"/>
           <p:nvPr>
             <p:ph type="title"/>
           </p:nvPr>
@@ -8218,12 +8151,12 @@
           </a:prstGeom>
         </p:spPr>
         <p:txBody>
-          <a:bodyPr spcFirstLastPara="1" wrap="square" lIns="91425" tIns="91425" rIns="91425" bIns="91425" anchor="t" anchorCtr="0">
+          <a:bodyPr anchorCtr="0" anchor="t" bIns="91425" lIns="91425" spcFirstLastPara="1" rIns="91425" wrap="square" tIns="91425">
             <a:normAutofit fontScale="90000"/>
           </a:bodyPr>
           <a:lstStyle/>
           <a:p>
-            <a:pPr marL="0" lvl="0" indent="0" algn="l" rtl="0">
+            <a:pPr indent="0" lvl="0" marL="0" rtl="0" algn="l">
               <a:spcBef>
                 <a:spcPts val="0"/>
               </a:spcBef>
@@ -8242,12 +8175,10 @@
       </p:sp>
       <p:sp>
         <p:nvSpPr>
-          <p:cNvPr id="100" name="Google Shape;100;p15"/>
-          <p:cNvSpPr txBox="1">
-            <a:spLocks noGrp="1"/>
-          </p:cNvSpPr>
+          <p:cNvPr id="101" name="Google Shape;101;p15"/>
+          <p:cNvSpPr txBox="1"/>
           <p:nvPr>
-            <p:ph type="body" idx="1"/>
+            <p:ph idx="1" type="body"/>
           </p:nvPr>
         </p:nvSpPr>
         <p:spPr>
@@ -8260,12 +8191,12 @@
           </a:prstGeom>
         </p:spPr>
         <p:txBody>
-          <a:bodyPr spcFirstLastPara="1" wrap="square" lIns="91425" tIns="91425" rIns="91425" bIns="91425" anchor="t" anchorCtr="0">
+          <a:bodyPr anchorCtr="0" anchor="t" bIns="91425" lIns="91425" spcFirstLastPara="1" rIns="91425" wrap="square" tIns="91425">
             <a:normAutofit/>
           </a:bodyPr>
           <a:lstStyle/>
           <a:p>
-            <a:pPr marL="457200" lvl="0" indent="-311150" algn="l" rtl="0">
+            <a:pPr indent="-311150" lvl="0" marL="457200" rtl="0" algn="l">
               <a:spcBef>
                 <a:spcPts val="0"/>
               </a:spcBef>
@@ -8282,7 +8213,7 @@
             <a:endParaRPr/>
           </a:p>
           <a:p>
-            <a:pPr marL="457200" lvl="0" indent="-311150" algn="l" rtl="0">
+            <a:pPr indent="-311150" lvl="0" marL="457200" rtl="0" algn="l">
               <a:spcBef>
                 <a:spcPts val="0"/>
               </a:spcBef>
@@ -8299,7 +8230,7 @@
             <a:endParaRPr/>
           </a:p>
           <a:p>
-            <a:pPr marL="457200" lvl="0" indent="-311150" algn="l" rtl="0">
+            <a:pPr indent="-311150" lvl="0" marL="457200" rtl="0" algn="l">
               <a:spcBef>
                 <a:spcPts val="0"/>
               </a:spcBef>
@@ -8311,7 +8242,15 @@
             </a:pPr>
             <a:r>
               <a:rPr lang="en"/>
-              <a:t>The design will be in an enclosure with connectors, an antenna, parameter knobs, and a microphone.</a:t>
+              <a:t>The design will be in an enclosure with </a:t>
+            </a:r>
+            <a:r>
+              <a:rPr lang="en"/>
+              <a:t>connectors</a:t>
+            </a:r>
+            <a:r>
+              <a:rPr lang="en"/>
+              <a:t>, an antenna, parameter knobs, and a microphone.</a:t>
             </a:r>
             <a:endParaRPr/>
           </a:p>
@@ -8326,11 +8265,11 @@
 </file>
 
 <file path=ppt/slides/slide4.xml><?xml version="1.0" encoding="utf-8"?>
-<p:sld xmlns:a="http://schemas.openxmlformats.org/drawingml/2006/main" xmlns:r="http://schemas.openxmlformats.org/officeDocument/2006/relationships" xmlns:p="http://schemas.openxmlformats.org/presentationml/2006/main">
+<p:sld xmlns:a="http://schemas.openxmlformats.org/drawingml/2006/main" xmlns:r="http://schemas.openxmlformats.org/officeDocument/2006/relationships" xmlns:mc="http://schemas.openxmlformats.org/markup-compatibility/2006" xmlns:mv="urn:schemas-microsoft-com:mac:vml" xmlns:p="http://schemas.openxmlformats.org/presentationml/2006/main" xmlns:c="http://schemas.openxmlformats.org/drawingml/2006/chart" xmlns:dgm="http://schemas.openxmlformats.org/drawingml/2006/diagram" xmlns:o="urn:schemas-microsoft-com:office:office" xmlns:v="urn:schemas-microsoft-com:vml" xmlns:pvml="urn:schemas-microsoft-com:office:powerpoint" xmlns:com="http://schemas.openxmlformats.org/drawingml/2006/compatibility" xmlns:p14="http://schemas.microsoft.com/office/powerpoint/2010/main" xmlns:p15="http://schemas.microsoft.com/office/powerpoint/2012/main" xmlns:ahyp="http://schemas.microsoft.com/office/drawing/2018/hyperlinkcolor">
   <p:cSld>
     <p:spTree>
       <p:nvGrpSpPr>
-        <p:cNvPr id="1" name="Shape 104"/>
+        <p:cNvPr id="105" name="Shape 105"/>
         <p:cNvGrpSpPr/>
         <p:nvPr/>
       </p:nvGrpSpPr>
@@ -8344,10 +8283,8 @@
       </p:grpSpPr>
       <p:sp>
         <p:nvSpPr>
-          <p:cNvPr id="105" name="Google Shape;105;p16"/>
-          <p:cNvSpPr txBox="1">
-            <a:spLocks noGrp="1"/>
-          </p:cNvSpPr>
+          <p:cNvPr id="106" name="Google Shape;106;p16"/>
+          <p:cNvSpPr txBox="1"/>
           <p:nvPr>
             <p:ph type="title"/>
           </p:nvPr>
@@ -8362,12 +8299,12 @@
           </a:prstGeom>
         </p:spPr>
         <p:txBody>
-          <a:bodyPr spcFirstLastPara="1" wrap="square" lIns="91425" tIns="91425" rIns="91425" bIns="91425" anchor="t" anchorCtr="0">
+          <a:bodyPr anchorCtr="0" anchor="t" bIns="91425" lIns="91425" spcFirstLastPara="1" rIns="91425" wrap="square" tIns="91425">
             <a:normAutofit fontScale="90000"/>
           </a:bodyPr>
           <a:lstStyle/>
           <a:p>
-            <a:pPr marL="0" lvl="0" indent="0" algn="l" rtl="0">
+            <a:pPr indent="0" lvl="0" marL="0" rtl="0" algn="l">
               <a:spcBef>
                 <a:spcPts val="0"/>
               </a:spcBef>
@@ -8383,7 +8320,7 @@
             <a:endParaRPr/>
           </a:p>
           <a:p>
-            <a:pPr marL="0" lvl="0" indent="0" algn="l" rtl="0">
+            <a:pPr indent="0" lvl="0" marL="0" rtl="0" algn="l">
               <a:spcBef>
                 <a:spcPts val="0"/>
               </a:spcBef>
@@ -8392,13 +8329,16 @@
               </a:spcAft>
               <a:buNone/>
             </a:pPr>
+            <a:r>
+              <a:t/>
+            </a:r>
             <a:endParaRPr/>
           </a:p>
         </p:txBody>
       </p:sp>
       <p:pic>
         <p:nvPicPr>
-          <p:cNvPr id="106" name="Google Shape;106;p16"/>
+          <p:cNvPr id="107" name="Google Shape;107;p16"/>
           <p:cNvPicPr preferRelativeResize="0"/>
           <p:nvPr/>
         </p:nvPicPr>
@@ -8433,11 +8373,11 @@
 </file>
 
 <file path=ppt/slides/slide5.xml><?xml version="1.0" encoding="utf-8"?>
-<p:sld xmlns:a="http://schemas.openxmlformats.org/drawingml/2006/main" xmlns:r="http://schemas.openxmlformats.org/officeDocument/2006/relationships" xmlns:p="http://schemas.openxmlformats.org/presentationml/2006/main">
+<p:sld xmlns:a="http://schemas.openxmlformats.org/drawingml/2006/main" xmlns:r="http://schemas.openxmlformats.org/officeDocument/2006/relationships" xmlns:mc="http://schemas.openxmlformats.org/markup-compatibility/2006" xmlns:mv="urn:schemas-microsoft-com:mac:vml" xmlns:p="http://schemas.openxmlformats.org/presentationml/2006/main" xmlns:c="http://schemas.openxmlformats.org/drawingml/2006/chart" xmlns:dgm="http://schemas.openxmlformats.org/drawingml/2006/diagram" xmlns:o="urn:schemas-microsoft-com:office:office" xmlns:v="urn:schemas-microsoft-com:vml" xmlns:pvml="urn:schemas-microsoft-com:office:powerpoint" xmlns:com="http://schemas.openxmlformats.org/drawingml/2006/compatibility" xmlns:p14="http://schemas.microsoft.com/office/powerpoint/2010/main" xmlns:p15="http://schemas.microsoft.com/office/powerpoint/2012/main" xmlns:ahyp="http://schemas.microsoft.com/office/drawing/2018/hyperlinkcolor">
   <p:cSld>
     <p:spTree>
       <p:nvGrpSpPr>
-        <p:cNvPr id="1" name="Shape 110"/>
+        <p:cNvPr id="111" name="Shape 111"/>
         <p:cNvGrpSpPr/>
         <p:nvPr/>
       </p:nvGrpSpPr>
@@ -8451,10 +8391,8 @@
       </p:grpSpPr>
       <p:sp>
         <p:nvSpPr>
-          <p:cNvPr id="111" name="Google Shape;111;p17"/>
-          <p:cNvSpPr txBox="1">
-            <a:spLocks noGrp="1"/>
-          </p:cNvSpPr>
+          <p:cNvPr id="112" name="Google Shape;112;p17"/>
+          <p:cNvSpPr txBox="1"/>
           <p:nvPr>
             <p:ph type="title"/>
           </p:nvPr>
@@ -8469,12 +8407,12 @@
           </a:prstGeom>
         </p:spPr>
         <p:txBody>
-          <a:bodyPr spcFirstLastPara="1" wrap="square" lIns="91425" tIns="91425" rIns="91425" bIns="91425" anchor="t" anchorCtr="0">
+          <a:bodyPr anchorCtr="0" anchor="t" bIns="91425" lIns="91425" spcFirstLastPara="1" rIns="91425" wrap="square" tIns="91425">
             <a:normAutofit fontScale="90000"/>
           </a:bodyPr>
           <a:lstStyle/>
           <a:p>
-            <a:pPr marL="0" lvl="0" indent="0" algn="l" rtl="0">
+            <a:pPr indent="0" lvl="0" marL="0" rtl="0" algn="l">
               <a:spcBef>
                 <a:spcPts val="0"/>
               </a:spcBef>
@@ -8493,12 +8431,10 @@
       </p:sp>
       <p:sp>
         <p:nvSpPr>
-          <p:cNvPr id="112" name="Google Shape;112;p17"/>
-          <p:cNvSpPr txBox="1">
-            <a:spLocks noGrp="1"/>
-          </p:cNvSpPr>
+          <p:cNvPr id="113" name="Google Shape;113;p17"/>
+          <p:cNvSpPr txBox="1"/>
           <p:nvPr>
-            <p:ph type="body" idx="1"/>
+            <p:ph idx="1" type="body"/>
           </p:nvPr>
         </p:nvSpPr>
         <p:spPr>
@@ -8511,12 +8447,12 @@
           </a:prstGeom>
         </p:spPr>
         <p:txBody>
-          <a:bodyPr spcFirstLastPara="1" wrap="square" lIns="91425" tIns="91425" rIns="91425" bIns="91425" anchor="t" anchorCtr="0">
+          <a:bodyPr anchorCtr="0" anchor="t" bIns="91425" lIns="91425" spcFirstLastPara="1" rIns="91425" wrap="square" tIns="91425">
             <a:normAutofit/>
           </a:bodyPr>
           <a:lstStyle/>
           <a:p>
-            <a:pPr marL="457200" lvl="0" indent="-311150" algn="l" rtl="0">
+            <a:pPr indent="-311150" lvl="0" marL="457200" rtl="0" algn="l">
               <a:spcBef>
                 <a:spcPts val="0"/>
               </a:spcBef>
@@ -8533,7 +8469,7 @@
             <a:endParaRPr/>
           </a:p>
           <a:p>
-            <a:pPr marL="914400" lvl="1" indent="-298450" algn="l" rtl="0">
+            <a:pPr indent="-298450" lvl="1" marL="914400" rtl="0" algn="l">
               <a:spcBef>
                 <a:spcPts val="0"/>
               </a:spcBef>
@@ -8550,7 +8486,7 @@
             <a:endParaRPr/>
           </a:p>
           <a:p>
-            <a:pPr marL="914400" lvl="1" indent="-298450" algn="l" rtl="0">
+            <a:pPr indent="-298450" lvl="1" marL="914400" rtl="0" algn="l">
               <a:spcBef>
                 <a:spcPts val="0"/>
               </a:spcBef>
@@ -8567,7 +8503,7 @@
             <a:endParaRPr/>
           </a:p>
           <a:p>
-            <a:pPr marL="914400" lvl="1" indent="-298450" algn="l" rtl="0">
+            <a:pPr indent="-298450" lvl="1" marL="914400" rtl="0" algn="l">
               <a:spcBef>
                 <a:spcPts val="0"/>
               </a:spcBef>
@@ -8584,7 +8520,7 @@
             <a:endParaRPr/>
           </a:p>
           <a:p>
-            <a:pPr marL="457200" lvl="0" indent="-311150" algn="l" rtl="0">
+            <a:pPr indent="-311150" lvl="0" marL="457200" rtl="0" algn="l">
               <a:spcBef>
                 <a:spcPts val="0"/>
               </a:spcBef>
@@ -8601,7 +8537,7 @@
             <a:endParaRPr/>
           </a:p>
           <a:p>
-            <a:pPr marL="914400" lvl="1" indent="-298450" algn="l" rtl="0">
+            <a:pPr indent="-298450" lvl="1" marL="914400" rtl="0" algn="l">
               <a:spcBef>
                 <a:spcPts val="0"/>
               </a:spcBef>
@@ -8613,12 +8549,16 @@
             </a:pPr>
             <a:r>
               <a:rPr lang="en"/>
-              <a:t>Receive pitch information from microcontroller via SPI</a:t>
+              <a:t>Receive</a:t>
+            </a:r>
+            <a:r>
+              <a:rPr lang="en"/>
+              <a:t> pitch information from microcontroller via SPI</a:t>
             </a:r>
             <a:endParaRPr/>
           </a:p>
           <a:p>
-            <a:pPr marL="914400" lvl="1" indent="-298450" algn="l" rtl="0">
+            <a:pPr indent="-298450" lvl="1" marL="914400" rtl="0" algn="l">
               <a:spcBef>
                 <a:spcPts val="0"/>
               </a:spcBef>
@@ -8635,7 +8575,7 @@
             <a:endParaRPr/>
           </a:p>
           <a:p>
-            <a:pPr marL="914400" lvl="1" indent="-298450" algn="l" rtl="0">
+            <a:pPr indent="-298450" lvl="1" marL="914400" rtl="0" algn="l">
               <a:spcBef>
                 <a:spcPts val="0"/>
               </a:spcBef>
@@ -8662,11 +8602,11 @@
 </file>
 
 <file path=ppt/slides/slide6.xml><?xml version="1.0" encoding="utf-8"?>
-<p:sld xmlns:a="http://schemas.openxmlformats.org/drawingml/2006/main" xmlns:r="http://schemas.openxmlformats.org/officeDocument/2006/relationships" xmlns:p="http://schemas.openxmlformats.org/presentationml/2006/main">
+<p:sld xmlns:a="http://schemas.openxmlformats.org/drawingml/2006/main" xmlns:r="http://schemas.openxmlformats.org/officeDocument/2006/relationships" xmlns:mc="http://schemas.openxmlformats.org/markup-compatibility/2006" xmlns:mv="urn:schemas-microsoft-com:mac:vml" xmlns:p="http://schemas.openxmlformats.org/presentationml/2006/main" xmlns:c="http://schemas.openxmlformats.org/drawingml/2006/chart" xmlns:dgm="http://schemas.openxmlformats.org/drawingml/2006/diagram" xmlns:o="urn:schemas-microsoft-com:office:office" xmlns:v="urn:schemas-microsoft-com:vml" xmlns:pvml="urn:schemas-microsoft-com:office:powerpoint" xmlns:com="http://schemas.openxmlformats.org/drawingml/2006/compatibility" xmlns:p14="http://schemas.microsoft.com/office/powerpoint/2010/main" xmlns:p15="http://schemas.microsoft.com/office/powerpoint/2012/main" xmlns:ahyp="http://schemas.microsoft.com/office/drawing/2018/hyperlinkcolor">
   <p:cSld>
     <p:spTree>
       <p:nvGrpSpPr>
-        <p:cNvPr id="1" name="Shape 116"/>
+        <p:cNvPr id="117" name="Shape 117"/>
         <p:cNvGrpSpPr/>
         <p:nvPr/>
       </p:nvGrpSpPr>
@@ -8680,10 +8620,8 @@
       </p:grpSpPr>
       <p:sp>
         <p:nvSpPr>
-          <p:cNvPr id="117" name="Google Shape;117;p18"/>
-          <p:cNvSpPr txBox="1">
-            <a:spLocks noGrp="1"/>
-          </p:cNvSpPr>
+          <p:cNvPr id="118" name="Google Shape;118;p18"/>
+          <p:cNvSpPr txBox="1"/>
           <p:nvPr>
             <p:ph type="title"/>
           </p:nvPr>
@@ -8698,12 +8636,12 @@
           </a:prstGeom>
         </p:spPr>
         <p:txBody>
-          <a:bodyPr spcFirstLastPara="1" wrap="square" lIns="91425" tIns="91425" rIns="91425" bIns="91425" anchor="t" anchorCtr="0">
+          <a:bodyPr anchorCtr="0" anchor="t" bIns="91425" lIns="91425" spcFirstLastPara="1" rIns="91425" wrap="square" tIns="91425">
             <a:normAutofit fontScale="90000"/>
           </a:bodyPr>
           <a:lstStyle/>
           <a:p>
-            <a:pPr marL="0" lvl="0" indent="0" algn="l" rtl="0">
+            <a:pPr indent="0" lvl="0" marL="0" rtl="0" algn="l">
               <a:spcBef>
                 <a:spcPts val="0"/>
               </a:spcBef>
@@ -8722,7 +8660,7 @@
       </p:sp>
       <p:pic>
         <p:nvPicPr>
-          <p:cNvPr id="118" name="Google Shape;118;p18"/>
+          <p:cNvPr id="119" name="Google Shape;119;p18"/>
           <p:cNvPicPr preferRelativeResize="0"/>
           <p:nvPr/>
         </p:nvPicPr>
@@ -8757,11 +8695,11 @@
 </file>
 
 <file path=ppt/slides/slide7.xml><?xml version="1.0" encoding="utf-8"?>
-<p:sld xmlns:a="http://schemas.openxmlformats.org/drawingml/2006/main" xmlns:r="http://schemas.openxmlformats.org/officeDocument/2006/relationships" xmlns:p="http://schemas.openxmlformats.org/presentationml/2006/main">
+<p:sld xmlns:a="http://schemas.openxmlformats.org/drawingml/2006/main" xmlns:r="http://schemas.openxmlformats.org/officeDocument/2006/relationships" xmlns:mc="http://schemas.openxmlformats.org/markup-compatibility/2006" xmlns:mv="urn:schemas-microsoft-com:mac:vml" xmlns:p="http://schemas.openxmlformats.org/presentationml/2006/main" xmlns:c="http://schemas.openxmlformats.org/drawingml/2006/chart" xmlns:dgm="http://schemas.openxmlformats.org/drawingml/2006/diagram" xmlns:o="urn:schemas-microsoft-com:office:office" xmlns:v="urn:schemas-microsoft-com:vml" xmlns:pvml="urn:schemas-microsoft-com:office:powerpoint" xmlns:com="http://schemas.openxmlformats.org/drawingml/2006/compatibility" xmlns:p14="http://schemas.microsoft.com/office/powerpoint/2010/main" xmlns:p15="http://schemas.microsoft.com/office/powerpoint/2012/main" xmlns:ahyp="http://schemas.microsoft.com/office/drawing/2018/hyperlinkcolor">
   <p:cSld>
     <p:spTree>
       <p:nvGrpSpPr>
-        <p:cNvPr id="1" name="Shape 122"/>
+        <p:cNvPr id="123" name="Shape 123"/>
         <p:cNvGrpSpPr/>
         <p:nvPr/>
       </p:nvGrpSpPr>
@@ -8775,10 +8713,8 @@
       </p:grpSpPr>
       <p:sp>
         <p:nvSpPr>
-          <p:cNvPr id="123" name="Google Shape;123;p19"/>
-          <p:cNvSpPr txBox="1">
-            <a:spLocks noGrp="1"/>
-          </p:cNvSpPr>
+          <p:cNvPr id="124" name="Google Shape;124;p19"/>
+          <p:cNvSpPr txBox="1"/>
           <p:nvPr>
             <p:ph type="title"/>
           </p:nvPr>
@@ -8793,12 +8729,12 @@
           </a:prstGeom>
         </p:spPr>
         <p:txBody>
-          <a:bodyPr spcFirstLastPara="1" wrap="square" lIns="91425" tIns="91425" rIns="91425" bIns="91425" anchor="t" anchorCtr="0">
+          <a:bodyPr anchorCtr="0" anchor="t" bIns="91425" lIns="91425" spcFirstLastPara="1" rIns="91425" wrap="square" tIns="91425">
             <a:normAutofit fontScale="90000"/>
           </a:bodyPr>
           <a:lstStyle/>
           <a:p>
-            <a:pPr marL="0" lvl="0" indent="0" algn="l" rtl="0">
+            <a:pPr indent="0" lvl="0" marL="0" rtl="0" algn="l">
               <a:spcBef>
                 <a:spcPts val="0"/>
               </a:spcBef>
@@ -8817,7 +8753,7 @@
       </p:sp>
       <p:pic>
         <p:nvPicPr>
-          <p:cNvPr id="124" name="Google Shape;124;p19"/>
+          <p:cNvPr id="125" name="Google Shape;125;p19"/>
           <p:cNvPicPr preferRelativeResize="0"/>
           <p:nvPr/>
         </p:nvPicPr>
@@ -8852,7 +8788,286 @@
 </file>
 
 <file path=ppt/theme/theme1.xml><?xml version="1.0" encoding="utf-8"?>
-<a:theme xmlns:a="http://schemas.openxmlformats.org/drawingml/2006/main" name="Streamline">
+<a:theme xmlns:a="http://schemas.openxmlformats.org/drawingml/2006/main" xmlns:r="http://schemas.openxmlformats.org/officeDocument/2006/relationships">
+  <a:themeElements>
+    <a:clrScheme name="Default">
+      <a:dk1>
+        <a:srgbClr val="000000"/>
+      </a:dk1>
+      <a:lt1>
+        <a:srgbClr val="FFFFFF"/>
+      </a:lt1>
+      <a:dk2>
+        <a:srgbClr val="158158"/>
+      </a:dk2>
+      <a:lt2>
+        <a:srgbClr val="F3F3F3"/>
+      </a:lt2>
+      <a:accent1>
+        <a:srgbClr val="058DC7"/>
+      </a:accent1>
+      <a:accent2>
+        <a:srgbClr val="50B432"/>
+      </a:accent2>
+      <a:accent3>
+        <a:srgbClr val="ED561B"/>
+      </a:accent3>
+      <a:accent4>
+        <a:srgbClr val="EDEF00"/>
+      </a:accent4>
+      <a:accent5>
+        <a:srgbClr val="24CBE5"/>
+      </a:accent5>
+      <a:accent6>
+        <a:srgbClr val="64E572"/>
+      </a:accent6>
+      <a:hlink>
+        <a:srgbClr val="2200CC"/>
+      </a:hlink>
+      <a:folHlink>
+        <a:srgbClr val="551A8B"/>
+      </a:folHlink>
+    </a:clrScheme>
+    <a:fontScheme name="Office">
+      <a:majorFont>
+        <a:latin typeface="Arial"/>
+        <a:ea typeface=""/>
+        <a:cs typeface=""/>
+        <a:font script="Jpan" typeface="ＭＳ Ｐゴシック"/>
+        <a:font script="Hang" typeface="맑은 고딕"/>
+        <a:font script="Hans" typeface="宋体"/>
+        <a:font script="Hant" typeface="新細明體"/>
+        <a:font script="Arab" typeface="Times New Roman"/>
+        <a:font script="Hebr" typeface="Times New Roman"/>
+        <a:font script="Thai" typeface="Angsana New"/>
+        <a:font script="Ethi" typeface="Nyala"/>
+        <a:font script="Beng" typeface="Vrinda"/>
+        <a:font script="Gujr" typeface="Shruti"/>
+        <a:font script="Khmr" typeface="MoolBoran"/>
+        <a:font script="Knda" typeface="Tunga"/>
+        <a:font script="Guru" typeface="Raavi"/>
+        <a:font script="Cans" typeface="Euphemia"/>
+        <a:font script="Cher" typeface="Plantagenet Cherokee"/>
+        <a:font script="Yiii" typeface="Microsoft Yi Baiti"/>
+        <a:font script="Tibt" typeface="Microsoft Himalaya"/>
+        <a:font script="Thaa" typeface="MV Boli"/>
+        <a:font script="Deva" typeface="Mangal"/>
+        <a:font script="Telu" typeface="Gautami"/>
+        <a:font script="Taml" typeface="Latha"/>
+        <a:font script="Syrc" typeface="Estrangelo Edessa"/>
+        <a:font script="Orya" typeface="Kalinga"/>
+        <a:font script="Mlym" typeface="Kartika"/>
+        <a:font script="Laoo" typeface="DokChampa"/>
+        <a:font script="Sinh" typeface="Iskoola Pota"/>
+        <a:font script="Mong" typeface="Mongolian Baiti"/>
+        <a:font script="Viet" typeface="Times New Roman"/>
+        <a:font script="Uigh" typeface="Microsoft Uighur"/>
+        <a:font script="Geor" typeface="Sylfaen"/>
+      </a:majorFont>
+      <a:minorFont>
+        <a:latin typeface="Arial"/>
+        <a:ea typeface=""/>
+        <a:cs typeface=""/>
+        <a:font script="Jpan" typeface="ＭＳ Ｐゴシック"/>
+        <a:font script="Hang" typeface="맑은 고딕"/>
+        <a:font script="Hans" typeface="宋体"/>
+        <a:font script="Hant" typeface="新細明體"/>
+        <a:font script="Arab" typeface="Arial"/>
+        <a:font script="Hebr" typeface="Arial"/>
+        <a:font script="Thai" typeface="Cordia New"/>
+        <a:font script="Ethi" typeface="Nyala"/>
+        <a:font script="Beng" typeface="Vrinda"/>
+        <a:font script="Gujr" typeface="Shruti"/>
+        <a:font script="Khmr" typeface="DaunPenh"/>
+        <a:font script="Knda" typeface="Tunga"/>
+        <a:font script="Guru" typeface="Raavi"/>
+        <a:font script="Cans" typeface="Euphemia"/>
+        <a:font script="Cher" typeface="Plantagenet Cherokee"/>
+        <a:font script="Yiii" typeface="Microsoft Yi Baiti"/>
+        <a:font script="Tibt" typeface="Microsoft Himalaya"/>
+        <a:font script="Thaa" typeface="MV Boli"/>
+        <a:font script="Deva" typeface="Mangal"/>
+        <a:font script="Telu" typeface="Gautami"/>
+        <a:font script="Taml" typeface="Latha"/>
+        <a:font script="Syrc" typeface="Estrangelo Edessa"/>
+        <a:font script="Orya" typeface="Kalinga"/>
+        <a:font script="Mlym" typeface="Kartika"/>
+        <a:font script="Laoo" typeface="DokChampa"/>
+        <a:font script="Sinh" typeface="Iskoola Pota"/>
+        <a:font script="Mong" typeface="Mongolian Baiti"/>
+        <a:font script="Viet" typeface="Arial"/>
+        <a:font script="Uigh" typeface="Microsoft Uighur"/>
+        <a:font script="Geor" typeface="Sylfaen"/>
+      </a:minorFont>
+    </a:fontScheme>
+    <a:fmtScheme name="Office">
+      <a:fillStyleLst>
+        <a:solidFill>
+          <a:schemeClr val="phClr"/>
+        </a:solidFill>
+        <a:gradFill rotWithShape="1">
+          <a:gsLst>
+            <a:gs pos="0">
+              <a:schemeClr val="phClr">
+                <a:tint val="50000"/>
+                <a:satMod val="300000"/>
+              </a:schemeClr>
+            </a:gs>
+            <a:gs pos="35000">
+              <a:schemeClr val="phClr">
+                <a:tint val="37000"/>
+                <a:satMod val="300000"/>
+              </a:schemeClr>
+            </a:gs>
+            <a:gs pos="100000">
+              <a:schemeClr val="phClr">
+                <a:tint val="15000"/>
+                <a:satMod val="350000"/>
+              </a:schemeClr>
+            </a:gs>
+          </a:gsLst>
+          <a:lin ang="16200000" scaled="1"/>
+        </a:gradFill>
+        <a:gradFill rotWithShape="1">
+          <a:gsLst>
+            <a:gs pos="0">
+              <a:schemeClr val="phClr">
+                <a:tint val="100000"/>
+                <a:shade val="100000"/>
+                <a:satMod val="130000"/>
+              </a:schemeClr>
+            </a:gs>
+            <a:gs pos="100000">
+              <a:schemeClr val="phClr">
+                <a:tint val="50000"/>
+                <a:shade val="100000"/>
+                <a:satMod val="350000"/>
+              </a:schemeClr>
+            </a:gs>
+          </a:gsLst>
+          <a:lin ang="16200000" scaled="0"/>
+        </a:gradFill>
+      </a:fillStyleLst>
+      <a:lnStyleLst>
+        <a:ln w="9525" cap="flat" cmpd="sng" algn="ctr">
+          <a:solidFill>
+            <a:schemeClr val="phClr">
+              <a:shade val="95000"/>
+              <a:satMod val="105000"/>
+            </a:schemeClr>
+          </a:solidFill>
+          <a:prstDash val="solid"/>
+        </a:ln>
+        <a:ln w="25400" cap="flat" cmpd="sng" algn="ctr">
+          <a:solidFill>
+            <a:schemeClr val="phClr"/>
+          </a:solidFill>
+          <a:prstDash val="solid"/>
+        </a:ln>
+        <a:ln w="38100" cap="flat" cmpd="sng" algn="ctr">
+          <a:solidFill>
+            <a:schemeClr val="phClr"/>
+          </a:solidFill>
+          <a:prstDash val="solid"/>
+        </a:ln>
+      </a:lnStyleLst>
+      <a:effectStyleLst>
+        <a:effectStyle>
+          <a:effectLst>
+            <a:outerShdw blurRad="40000" dist="20000" dir="5400000" rotWithShape="0">
+              <a:srgbClr val="000000">
+                <a:alpha val="38000"/>
+              </a:srgbClr>
+            </a:outerShdw>
+          </a:effectLst>
+        </a:effectStyle>
+        <a:effectStyle>
+          <a:effectLst>
+            <a:outerShdw blurRad="40000" dist="23000" dir="5400000" rotWithShape="0">
+              <a:srgbClr val="000000">
+                <a:alpha val="35000"/>
+              </a:srgbClr>
+            </a:outerShdw>
+          </a:effectLst>
+        </a:effectStyle>
+        <a:effectStyle>
+          <a:effectLst>
+            <a:outerShdw blurRad="40000" dist="23000" dir="5400000" rotWithShape="0">
+              <a:srgbClr val="000000">
+                <a:alpha val="35000"/>
+              </a:srgbClr>
+            </a:outerShdw>
+          </a:effectLst>
+          <a:scene3d>
+            <a:camera prst="orthographicFront">
+              <a:rot lat="0" lon="0" rev="0"/>
+            </a:camera>
+            <a:lightRig rig="threePt" dir="t">
+              <a:rot lat="0" lon="0" rev="1200000"/>
+            </a:lightRig>
+          </a:scene3d>
+          <a:sp3d>
+            <a:bevelT w="63500" h="25400"/>
+          </a:sp3d>
+        </a:effectStyle>
+      </a:effectStyleLst>
+      <a:bgFillStyleLst>
+        <a:solidFill>
+          <a:schemeClr val="phClr"/>
+        </a:solidFill>
+        <a:gradFill rotWithShape="1">
+          <a:gsLst>
+            <a:gs pos="0">
+              <a:schemeClr val="phClr">
+                <a:tint val="40000"/>
+                <a:satMod val="350000"/>
+              </a:schemeClr>
+            </a:gs>
+            <a:gs pos="40000">
+              <a:schemeClr val="phClr">
+                <a:tint val="45000"/>
+                <a:shade val="99000"/>
+                <a:satMod val="350000"/>
+              </a:schemeClr>
+            </a:gs>
+            <a:gs pos="100000">
+              <a:schemeClr val="phClr">
+                <a:shade val="20000"/>
+                <a:satMod val="255000"/>
+              </a:schemeClr>
+            </a:gs>
+          </a:gsLst>
+          <a:path path="circle">
+            <a:fillToRect l="50000" t="-80000" r="50000" b="180000"/>
+          </a:path>
+        </a:gradFill>
+        <a:gradFill rotWithShape="1">
+          <a:gsLst>
+            <a:gs pos="0">
+              <a:schemeClr val="phClr">
+                <a:tint val="80000"/>
+                <a:satMod val="300000"/>
+              </a:schemeClr>
+            </a:gs>
+            <a:gs pos="100000">
+              <a:schemeClr val="phClr">
+                <a:shade val="30000"/>
+                <a:satMod val="200000"/>
+              </a:schemeClr>
+            </a:gs>
+          </a:gsLst>
+          <a:path path="circle">
+            <a:fillToRect l="50000" t="50000" r="50000" b="50000"/>
+          </a:path>
+        </a:gradFill>
+      </a:bgFillStyleLst>
+    </a:fmtScheme>
+  </a:themeElements>
+</a:theme>
+</file>
+
+<file path=ppt/theme/theme2.xml><?xml version="1.0" encoding="utf-8"?>
+<a:theme xmlns:a="http://schemas.openxmlformats.org/drawingml/2006/main" xmlns:r="http://schemas.openxmlformats.org/officeDocument/2006/relationships" name="Streamline">
   <a:themeElements>
     <a:clrScheme name="Streamline">
       <a:dk1>
@@ -9127,288 +9342,5 @@
       </a:bgFillStyleLst>
     </a:fmtScheme>
   </a:themeElements>
-  <a:objectDefaults/>
-  <a:extraClrSchemeLst/>
-</a:theme>
-</file>
-
-<file path=ppt/theme/theme2.xml><?xml version="1.0" encoding="utf-8"?>
-<a:theme xmlns:a="http://schemas.openxmlformats.org/drawingml/2006/main">
-  <a:themeElements>
-    <a:clrScheme name="Default">
-      <a:dk1>
-        <a:srgbClr val="000000"/>
-      </a:dk1>
-      <a:lt1>
-        <a:srgbClr val="FFFFFF"/>
-      </a:lt1>
-      <a:dk2>
-        <a:srgbClr val="158158"/>
-      </a:dk2>
-      <a:lt2>
-        <a:srgbClr val="F3F3F3"/>
-      </a:lt2>
-      <a:accent1>
-        <a:srgbClr val="058DC7"/>
-      </a:accent1>
-      <a:accent2>
-        <a:srgbClr val="50B432"/>
-      </a:accent2>
-      <a:accent3>
-        <a:srgbClr val="ED561B"/>
-      </a:accent3>
-      <a:accent4>
-        <a:srgbClr val="EDEF00"/>
-      </a:accent4>
-      <a:accent5>
-        <a:srgbClr val="24CBE5"/>
-      </a:accent5>
-      <a:accent6>
-        <a:srgbClr val="64E572"/>
-      </a:accent6>
-      <a:hlink>
-        <a:srgbClr val="2200CC"/>
-      </a:hlink>
-      <a:folHlink>
-        <a:srgbClr val="551A8B"/>
-      </a:folHlink>
-    </a:clrScheme>
-    <a:fontScheme name="Office">
-      <a:majorFont>
-        <a:latin typeface="Arial"/>
-        <a:ea typeface=""/>
-        <a:cs typeface=""/>
-        <a:font script="Jpan" typeface="ＭＳ Ｐゴシック"/>
-        <a:font script="Hang" typeface="맑은 고딕"/>
-        <a:font script="Hans" typeface="宋体"/>
-        <a:font script="Hant" typeface="新細明體"/>
-        <a:font script="Arab" typeface="Times New Roman"/>
-        <a:font script="Hebr" typeface="Times New Roman"/>
-        <a:font script="Thai" typeface="Angsana New"/>
-        <a:font script="Ethi" typeface="Nyala"/>
-        <a:font script="Beng" typeface="Vrinda"/>
-        <a:font script="Gujr" typeface="Shruti"/>
-        <a:font script="Khmr" typeface="MoolBoran"/>
-        <a:font script="Knda" typeface="Tunga"/>
-        <a:font script="Guru" typeface="Raavi"/>
-        <a:font script="Cans" typeface="Euphemia"/>
-        <a:font script="Cher" typeface="Plantagenet Cherokee"/>
-        <a:font script="Yiii" typeface="Microsoft Yi Baiti"/>
-        <a:font script="Tibt" typeface="Microsoft Himalaya"/>
-        <a:font script="Thaa" typeface="MV Boli"/>
-        <a:font script="Deva" typeface="Mangal"/>
-        <a:font script="Telu" typeface="Gautami"/>
-        <a:font script="Taml" typeface="Latha"/>
-        <a:font script="Syrc" typeface="Estrangelo Edessa"/>
-        <a:font script="Orya" typeface="Kalinga"/>
-        <a:font script="Mlym" typeface="Kartika"/>
-        <a:font script="Laoo" typeface="DokChampa"/>
-        <a:font script="Sinh" typeface="Iskoola Pota"/>
-        <a:font script="Mong" typeface="Mongolian Baiti"/>
-        <a:font script="Viet" typeface="Times New Roman"/>
-        <a:font script="Uigh" typeface="Microsoft Uighur"/>
-        <a:font script="Geor" typeface="Sylfaen"/>
-      </a:majorFont>
-      <a:minorFont>
-        <a:latin typeface="Arial"/>
-        <a:ea typeface=""/>
-        <a:cs typeface=""/>
-        <a:font script="Jpan" typeface="ＭＳ Ｐゴシック"/>
-        <a:font script="Hang" typeface="맑은 고딕"/>
-        <a:font script="Hans" typeface="宋体"/>
-        <a:font script="Hant" typeface="新細明體"/>
-        <a:font script="Arab" typeface="Arial"/>
-        <a:font script="Hebr" typeface="Arial"/>
-        <a:font script="Thai" typeface="Cordia New"/>
-        <a:font script="Ethi" typeface="Nyala"/>
-        <a:font script="Beng" typeface="Vrinda"/>
-        <a:font script="Gujr" typeface="Shruti"/>
-        <a:font script="Khmr" typeface="DaunPenh"/>
-        <a:font script="Knda" typeface="Tunga"/>
-        <a:font script="Guru" typeface="Raavi"/>
-        <a:font script="Cans" typeface="Euphemia"/>
-        <a:font script="Cher" typeface="Plantagenet Cherokee"/>
-        <a:font script="Yiii" typeface="Microsoft Yi Baiti"/>
-        <a:font script="Tibt" typeface="Microsoft Himalaya"/>
-        <a:font script="Thaa" typeface="MV Boli"/>
-        <a:font script="Deva" typeface="Mangal"/>
-        <a:font script="Telu" typeface="Gautami"/>
-        <a:font script="Taml" typeface="Latha"/>
-        <a:font script="Syrc" typeface="Estrangelo Edessa"/>
-        <a:font script="Orya" typeface="Kalinga"/>
-        <a:font script="Mlym" typeface="Kartika"/>
-        <a:font script="Laoo" typeface="DokChampa"/>
-        <a:font script="Sinh" typeface="Iskoola Pota"/>
-        <a:font script="Mong" typeface="Mongolian Baiti"/>
-        <a:font script="Viet" typeface="Arial"/>
-        <a:font script="Uigh" typeface="Microsoft Uighur"/>
-        <a:font script="Geor" typeface="Sylfaen"/>
-      </a:minorFont>
-    </a:fontScheme>
-    <a:fmtScheme name="Office">
-      <a:fillStyleLst>
-        <a:solidFill>
-          <a:schemeClr val="phClr"/>
-        </a:solidFill>
-        <a:gradFill rotWithShape="1">
-          <a:gsLst>
-            <a:gs pos="0">
-              <a:schemeClr val="phClr">
-                <a:tint val="50000"/>
-                <a:satMod val="300000"/>
-              </a:schemeClr>
-            </a:gs>
-            <a:gs pos="35000">
-              <a:schemeClr val="phClr">
-                <a:tint val="37000"/>
-                <a:satMod val="300000"/>
-              </a:schemeClr>
-            </a:gs>
-            <a:gs pos="100000">
-              <a:schemeClr val="phClr">
-                <a:tint val="15000"/>
-                <a:satMod val="350000"/>
-              </a:schemeClr>
-            </a:gs>
-          </a:gsLst>
-          <a:lin ang="16200000" scaled="1"/>
-        </a:gradFill>
-        <a:gradFill rotWithShape="1">
-          <a:gsLst>
-            <a:gs pos="0">
-              <a:schemeClr val="phClr">
-                <a:tint val="100000"/>
-                <a:shade val="100000"/>
-                <a:satMod val="130000"/>
-              </a:schemeClr>
-            </a:gs>
-            <a:gs pos="100000">
-              <a:schemeClr val="phClr">
-                <a:tint val="50000"/>
-                <a:shade val="100000"/>
-                <a:satMod val="350000"/>
-              </a:schemeClr>
-            </a:gs>
-          </a:gsLst>
-          <a:lin ang="16200000" scaled="0"/>
-        </a:gradFill>
-      </a:fillStyleLst>
-      <a:lnStyleLst>
-        <a:ln w="9525" cap="flat" cmpd="sng" algn="ctr">
-          <a:solidFill>
-            <a:schemeClr val="phClr">
-              <a:shade val="95000"/>
-              <a:satMod val="105000"/>
-            </a:schemeClr>
-          </a:solidFill>
-          <a:prstDash val="solid"/>
-        </a:ln>
-        <a:ln w="25400" cap="flat" cmpd="sng" algn="ctr">
-          <a:solidFill>
-            <a:schemeClr val="phClr"/>
-          </a:solidFill>
-          <a:prstDash val="solid"/>
-        </a:ln>
-        <a:ln w="38100" cap="flat" cmpd="sng" algn="ctr">
-          <a:solidFill>
-            <a:schemeClr val="phClr"/>
-          </a:solidFill>
-          <a:prstDash val="solid"/>
-        </a:ln>
-      </a:lnStyleLst>
-      <a:effectStyleLst>
-        <a:effectStyle>
-          <a:effectLst>
-            <a:outerShdw blurRad="40000" dist="20000" dir="5400000" rotWithShape="0">
-              <a:srgbClr val="000000">
-                <a:alpha val="38000"/>
-              </a:srgbClr>
-            </a:outerShdw>
-          </a:effectLst>
-        </a:effectStyle>
-        <a:effectStyle>
-          <a:effectLst>
-            <a:outerShdw blurRad="40000" dist="23000" dir="5400000" rotWithShape="0">
-              <a:srgbClr val="000000">
-                <a:alpha val="35000"/>
-              </a:srgbClr>
-            </a:outerShdw>
-          </a:effectLst>
-        </a:effectStyle>
-        <a:effectStyle>
-          <a:effectLst>
-            <a:outerShdw blurRad="40000" dist="23000" dir="5400000" rotWithShape="0">
-              <a:srgbClr val="000000">
-                <a:alpha val="35000"/>
-              </a:srgbClr>
-            </a:outerShdw>
-          </a:effectLst>
-          <a:scene3d>
-            <a:camera prst="orthographicFront">
-              <a:rot lat="0" lon="0" rev="0"/>
-            </a:camera>
-            <a:lightRig rig="threePt" dir="t">
-              <a:rot lat="0" lon="0" rev="1200000"/>
-            </a:lightRig>
-          </a:scene3d>
-          <a:sp3d>
-            <a:bevelT w="63500" h="25400"/>
-          </a:sp3d>
-        </a:effectStyle>
-      </a:effectStyleLst>
-      <a:bgFillStyleLst>
-        <a:solidFill>
-          <a:schemeClr val="phClr"/>
-        </a:solidFill>
-        <a:gradFill rotWithShape="1">
-          <a:gsLst>
-            <a:gs pos="0">
-              <a:schemeClr val="phClr">
-                <a:tint val="40000"/>
-                <a:satMod val="350000"/>
-              </a:schemeClr>
-            </a:gs>
-            <a:gs pos="40000">
-              <a:schemeClr val="phClr">
-                <a:tint val="45000"/>
-                <a:shade val="99000"/>
-                <a:satMod val="350000"/>
-              </a:schemeClr>
-            </a:gs>
-            <a:gs pos="100000">
-              <a:schemeClr val="phClr">
-                <a:shade val="20000"/>
-                <a:satMod val="255000"/>
-              </a:schemeClr>
-            </a:gs>
-          </a:gsLst>
-          <a:path path="circle">
-            <a:fillToRect l="50000" t="-80000" r="50000" b="180000"/>
-          </a:path>
-        </a:gradFill>
-        <a:gradFill rotWithShape="1">
-          <a:gsLst>
-            <a:gs pos="0">
-              <a:schemeClr val="phClr">
-                <a:tint val="80000"/>
-                <a:satMod val="300000"/>
-              </a:schemeClr>
-            </a:gs>
-            <a:gs pos="100000">
-              <a:schemeClr val="phClr">
-                <a:shade val="30000"/>
-                <a:satMod val="200000"/>
-              </a:schemeClr>
-            </a:gs>
-          </a:gsLst>
-          <a:path path="circle">
-            <a:fillToRect l="50000" t="50000" r="50000" b="50000"/>
-          </a:path>
-        </a:gradFill>
-      </a:bgFillStyleLst>
-    </a:fmtScheme>
-  </a:themeElements>
-  <a:objectDefaults/>
-  <a:extraClrSchemeLst/>
 </a:theme>
 </file>